--- a/OpenTelemetry.pptx
+++ b/OpenTelemetry.pptx
@@ -29,6 +29,21 @@
     <p:sldId id="277" r:id="rId23"/>
     <p:sldId id="278" r:id="rId24"/>
     <p:sldId id="279" r:id="rId25"/>
+    <p:sldId id="281" r:id="rId26"/>
+    <p:sldId id="282" r:id="rId27"/>
+    <p:sldId id="293" r:id="rId28"/>
+    <p:sldId id="280" r:id="rId29"/>
+    <p:sldId id="283" r:id="rId30"/>
+    <p:sldId id="285" r:id="rId31"/>
+    <p:sldId id="287" r:id="rId32"/>
+    <p:sldId id="288" r:id="rId33"/>
+    <p:sldId id="289" r:id="rId34"/>
+    <p:sldId id="290" r:id="rId35"/>
+    <p:sldId id="286" r:id="rId36"/>
+    <p:sldId id="284" r:id="rId37"/>
+    <p:sldId id="291" r:id="rId38"/>
+    <p:sldId id="292" r:id="rId39"/>
+    <p:sldId id="294" r:id="rId40"/>
   </p:sldIdLst>
   <p:sldSz cx="12192000" cy="6858000"/>
   <p:notesSz cx="6858000" cy="9144000"/>
@@ -266,7 +281,7 @@
           <a:p>
             <a:fld id="{2204A297-774F-428B-A58D-C18D3598BAAD}" type="datetimeFigureOut">
               <a:rPr lang="ru-RU" smtClean="0"/>
-              <a:t>23.07.2023</a:t>
+              <a:t>27.07.2023</a:t>
             </a:fld>
             <a:endParaRPr lang="ru-RU"/>
           </a:p>
@@ -436,7 +451,7 @@
           <a:p>
             <a:fld id="{2204A297-774F-428B-A58D-C18D3598BAAD}" type="datetimeFigureOut">
               <a:rPr lang="ru-RU" smtClean="0"/>
-              <a:t>23.07.2023</a:t>
+              <a:t>27.07.2023</a:t>
             </a:fld>
             <a:endParaRPr lang="ru-RU"/>
           </a:p>
@@ -616,7 +631,7 @@
           <a:p>
             <a:fld id="{2204A297-774F-428B-A58D-C18D3598BAAD}" type="datetimeFigureOut">
               <a:rPr lang="ru-RU" smtClean="0"/>
-              <a:t>23.07.2023</a:t>
+              <a:t>27.07.2023</a:t>
             </a:fld>
             <a:endParaRPr lang="ru-RU"/>
           </a:p>
@@ -786,7 +801,7 @@
           <a:p>
             <a:fld id="{2204A297-774F-428B-A58D-C18D3598BAAD}" type="datetimeFigureOut">
               <a:rPr lang="ru-RU" smtClean="0"/>
-              <a:t>23.07.2023</a:t>
+              <a:t>27.07.2023</a:t>
             </a:fld>
             <a:endParaRPr lang="ru-RU"/>
           </a:p>
@@ -1032,7 +1047,7 @@
           <a:p>
             <a:fld id="{2204A297-774F-428B-A58D-C18D3598BAAD}" type="datetimeFigureOut">
               <a:rPr lang="ru-RU" smtClean="0"/>
-              <a:t>23.07.2023</a:t>
+              <a:t>27.07.2023</a:t>
             </a:fld>
             <a:endParaRPr lang="ru-RU"/>
           </a:p>
@@ -1264,7 +1279,7 @@
           <a:p>
             <a:fld id="{2204A297-774F-428B-A58D-C18D3598BAAD}" type="datetimeFigureOut">
               <a:rPr lang="ru-RU" smtClean="0"/>
-              <a:t>23.07.2023</a:t>
+              <a:t>27.07.2023</a:t>
             </a:fld>
             <a:endParaRPr lang="ru-RU"/>
           </a:p>
@@ -1631,7 +1646,7 @@
           <a:p>
             <a:fld id="{2204A297-774F-428B-A58D-C18D3598BAAD}" type="datetimeFigureOut">
               <a:rPr lang="ru-RU" smtClean="0"/>
-              <a:t>23.07.2023</a:t>
+              <a:t>27.07.2023</a:t>
             </a:fld>
             <a:endParaRPr lang="ru-RU"/>
           </a:p>
@@ -1749,7 +1764,7 @@
           <a:p>
             <a:fld id="{2204A297-774F-428B-A58D-C18D3598BAAD}" type="datetimeFigureOut">
               <a:rPr lang="ru-RU" smtClean="0"/>
-              <a:t>23.07.2023</a:t>
+              <a:t>27.07.2023</a:t>
             </a:fld>
             <a:endParaRPr lang="ru-RU"/>
           </a:p>
@@ -1844,7 +1859,7 @@
           <a:p>
             <a:fld id="{2204A297-774F-428B-A58D-C18D3598BAAD}" type="datetimeFigureOut">
               <a:rPr lang="ru-RU" smtClean="0"/>
-              <a:t>23.07.2023</a:t>
+              <a:t>27.07.2023</a:t>
             </a:fld>
             <a:endParaRPr lang="ru-RU"/>
           </a:p>
@@ -2121,7 +2136,7 @@
           <a:p>
             <a:fld id="{2204A297-774F-428B-A58D-C18D3598BAAD}" type="datetimeFigureOut">
               <a:rPr lang="ru-RU" smtClean="0"/>
-              <a:t>23.07.2023</a:t>
+              <a:t>27.07.2023</a:t>
             </a:fld>
             <a:endParaRPr lang="ru-RU"/>
           </a:p>
@@ -2374,7 +2389,7 @@
           <a:p>
             <a:fld id="{2204A297-774F-428B-A58D-C18D3598BAAD}" type="datetimeFigureOut">
               <a:rPr lang="ru-RU" smtClean="0"/>
-              <a:t>23.07.2023</a:t>
+              <a:t>27.07.2023</a:t>
             </a:fld>
             <a:endParaRPr lang="ru-RU"/>
           </a:p>
@@ -2587,7 +2602,7 @@
           <a:p>
             <a:fld id="{2204A297-774F-428B-A58D-C18D3598BAAD}" type="datetimeFigureOut">
               <a:rPr lang="ru-RU" smtClean="0"/>
-              <a:t>23.07.2023</a:t>
+              <a:t>27.07.2023</a:t>
             </a:fld>
             <a:endParaRPr lang="ru-RU"/>
           </a:p>
@@ -3026,6 +3041,13 @@
   <p:clrMapOvr>
     <a:masterClrMapping/>
   </p:clrMapOvr>
+  <p:timing>
+    <p:tnLst>
+      <p:par>
+        <p:cTn id="1" dur="indefinite" restart="never" nodeType="tmRoot"/>
+      </p:par>
+    </p:tnLst>
+  </p:timing>
 </p:sld>
 </file>
 
@@ -4244,6 +4266,13 @@
   <p:clrMapOvr>
     <a:masterClrMapping/>
   </p:clrMapOvr>
+  <p:timing>
+    <p:tnLst>
+      <p:par>
+        <p:cTn id="1" dur="indefinite" restart="never" nodeType="tmRoot"/>
+      </p:par>
+    </p:tnLst>
+  </p:timing>
 </p:sld>
 </file>
 
@@ -4761,7 +4790,7 @@
           <a:prstGeom prst="straightConnector1">
             <a:avLst/>
           </a:prstGeom>
-          <a:ln>
+          <a:ln w="38100">
             <a:tailEnd type="triangle"/>
           </a:ln>
         </p:spPr>
@@ -4831,20 +4860,19 @@
           <p:cNvPr id="13" name="Прямая со стрелкой 12"/>
           <p:cNvCxnSpPr>
             <a:stCxn id="23" idx="3"/>
-            <a:endCxn id="12" idx="2"/>
           </p:cNvCxnSpPr>
           <p:nvPr/>
         </p:nvCxnSpPr>
         <p:spPr>
           <a:xfrm>
             <a:off x="10185974" y="3072441"/>
-            <a:ext cx="635441" cy="1007566"/>
+            <a:ext cx="635440" cy="784046"/>
           </a:xfrm>
           <a:prstGeom prst="straightConnector1">
             <a:avLst/>
           </a:prstGeom>
-          <a:ln>
-            <a:headEnd type="triangle"/>
+          <a:ln w="19050">
+            <a:headEnd type="none"/>
             <a:tailEnd type="triangle"/>
           </a:ln>
         </p:spPr>
@@ -5271,23 +5299,22 @@
         <p:nvCxnSpPr>
           <p:cNvPr id="39" name="Скругленная соединительная линия 38"/>
           <p:cNvCxnSpPr>
-            <a:stCxn id="8" idx="2"/>
             <a:endCxn id="26" idx="1"/>
           </p:cNvCxnSpPr>
           <p:nvPr/>
         </p:nvCxnSpPr>
         <p:spPr>
           <a:xfrm rot="5400000">
-            <a:off x="7753890" y="3919276"/>
-            <a:ext cx="968894" cy="515926"/>
+            <a:off x="7558223" y="4114943"/>
+            <a:ext cx="968894" cy="124592"/>
           </a:xfrm>
           <a:prstGeom prst="curvedConnector4">
             <a:avLst>
               <a:gd name="adj1" fmla="val 17645"/>
-              <a:gd name="adj2" fmla="val 144309"/>
+              <a:gd name="adj2" fmla="val 283479"/>
             </a:avLst>
           </a:prstGeom>
-          <a:ln>
+          <a:ln w="15875">
             <a:tailEnd type="triangle"/>
           </a:ln>
         </p:spPr>
@@ -5327,7 +5354,7 @@
               <a:gd name="adj3" fmla="val 131525"/>
             </a:avLst>
           </a:prstGeom>
-          <a:ln>
+          <a:ln w="15875">
             <a:tailEnd type="triangle"/>
           </a:ln>
         </p:spPr>
@@ -5366,7 +5393,7 @@
               <a:gd name="adj2" fmla="val 90374"/>
             </a:avLst>
           </a:prstGeom>
-          <a:ln>
+          <a:ln w="15875">
             <a:tailEnd type="triangle"/>
           </a:ln>
         </p:spPr>
@@ -5441,7 +5468,7 @@
               <a:gd name="adj2" fmla="val 58494"/>
             </a:avLst>
           </a:prstGeom>
-          <a:ln>
+          <a:ln w="19050">
             <a:headEnd type="triangle"/>
             <a:tailEnd type="triangle"/>
           </a:ln>
@@ -5471,6 +5498,13 @@
   <p:clrMapOvr>
     <a:masterClrMapping/>
   </p:clrMapOvr>
+  <p:timing>
+    <p:tnLst>
+      <p:par>
+        <p:cTn id="1" dur="indefinite" restart="never" nodeType="tmRoot"/>
+      </p:par>
+    </p:tnLst>
+  </p:timing>
 </p:sld>
 </file>
 
@@ -5548,6 +5582,13 @@
   <p:clrMapOvr>
     <a:masterClrMapping/>
   </p:clrMapOvr>
+  <p:timing>
+    <p:tnLst>
+      <p:par>
+        <p:cTn id="1" dur="indefinite" restart="never" nodeType="tmRoot"/>
+      </p:par>
+    </p:tnLst>
+  </p:timing>
 </p:sld>
 </file>
 
@@ -5659,6 +5700,13 @@
   <p:clrMapOvr>
     <a:masterClrMapping/>
   </p:clrMapOvr>
+  <p:timing>
+    <p:tnLst>
+      <p:par>
+        <p:cTn id="1" dur="indefinite" restart="never" nodeType="tmRoot"/>
+      </p:par>
+    </p:tnLst>
+  </p:timing>
 </p:sld>
 </file>
 
@@ -6268,6 +6316,13 @@
   <p:clrMapOvr>
     <a:masterClrMapping/>
   </p:clrMapOvr>
+  <p:timing>
+    <p:tnLst>
+      <p:par>
+        <p:cTn id="1" dur="indefinite" restart="never" nodeType="tmRoot"/>
+      </p:par>
+    </p:tnLst>
+  </p:timing>
 </p:sld>
 </file>
 
@@ -6345,6 +6400,13 @@
   <p:clrMapOvr>
     <a:masterClrMapping/>
   </p:clrMapOvr>
+  <p:timing>
+    <p:tnLst>
+      <p:par>
+        <p:cTn id="1" dur="indefinite" restart="never" nodeType="tmRoot"/>
+      </p:par>
+    </p:tnLst>
+  </p:timing>
 </p:sld>
 </file>
 
@@ -6386,15 +6448,7 @@
             </a:r>
             <a:r>
               <a:rPr lang="ru-RU" dirty="0" smtClean="0"/>
-              <a:t> </a:t>
-            </a:r>
-            <a:r>
-              <a:rPr lang="ru-RU" dirty="0" smtClean="0"/>
-              <a:t>2020 </a:t>
-            </a:r>
-            <a:r>
-              <a:rPr lang="ru-RU" dirty="0" smtClean="0"/>
-              <a:t>году </a:t>
+              <a:t> 2020 году </a:t>
             </a:r>
             <a:endParaRPr lang="ru-RU" dirty="0"/>
           </a:p>
@@ -6737,6 +6791,13 @@
   <p:clrMapOvr>
     <a:masterClrMapping/>
   </p:clrMapOvr>
+  <p:timing>
+    <p:tnLst>
+      <p:par>
+        <p:cTn id="1" dur="indefinite" restart="never" nodeType="tmRoot"/>
+      </p:par>
+    </p:tnLst>
+  </p:timing>
 </p:sld>
 </file>
 
@@ -7003,6 +7064,13 @@
   <p:clrMapOvr>
     <a:masterClrMapping/>
   </p:clrMapOvr>
+  <p:timing>
+    <p:tnLst>
+      <p:par>
+        <p:cTn id="1" dur="indefinite" restart="never" nodeType="tmRoot"/>
+      </p:par>
+    </p:tnLst>
+  </p:timing>
 </p:sld>
 </file>
 
@@ -7617,6 +7685,13 @@
   <p:clrMapOvr>
     <a:masterClrMapping/>
   </p:clrMapOvr>
+  <p:timing>
+    <p:tnLst>
+      <p:par>
+        <p:cTn id="1" dur="indefinite" restart="never" nodeType="tmRoot"/>
+      </p:par>
+    </p:tnLst>
+  </p:timing>
 </p:sld>
 </file>
 
@@ -8232,6 +8307,13 @@
   <p:clrMapOvr>
     <a:masterClrMapping/>
   </p:clrMapOvr>
+  <p:timing>
+    <p:tnLst>
+      <p:par>
+        <p:cTn id="1" dur="indefinite" restart="never" nodeType="tmRoot"/>
+      </p:par>
+    </p:tnLst>
+  </p:timing>
 </p:sld>
 </file>
 
@@ -8309,6 +8391,13 @@
   <p:clrMapOvr>
     <a:masterClrMapping/>
   </p:clrMapOvr>
+  <p:timing>
+    <p:tnLst>
+      <p:par>
+        <p:cTn id="1" dur="indefinite" restart="never" nodeType="tmRoot"/>
+      </p:par>
+    </p:tnLst>
+  </p:timing>
 </p:sld>
 </file>
 
@@ -8842,6 +8931,13 @@
   <p:clrMapOvr>
     <a:masterClrMapping/>
   </p:clrMapOvr>
+  <p:timing>
+    <p:tnLst>
+      <p:par>
+        <p:cTn id="1" dur="indefinite" restart="never" nodeType="tmRoot"/>
+      </p:par>
+    </p:tnLst>
+  </p:timing>
 </p:sld>
 </file>
 
@@ -9700,6 +9796,13 @@
   <p:clrMapOvr>
     <a:masterClrMapping/>
   </p:clrMapOvr>
+  <p:timing>
+    <p:tnLst>
+      <p:par>
+        <p:cTn id="1" dur="indefinite" restart="never" nodeType="tmRoot"/>
+      </p:par>
+    </p:tnLst>
+  </p:timing>
 </p:sld>
 </file>
 
@@ -10774,6 +10877,13 @@
   <p:clrMapOvr>
     <a:masterClrMapping/>
   </p:clrMapOvr>
+  <p:timing>
+    <p:tnLst>
+      <p:par>
+        <p:cTn id="1" dur="indefinite" restart="never" nodeType="tmRoot"/>
+      </p:par>
+    </p:tnLst>
+  </p:timing>
 </p:sld>
 </file>
 
@@ -11581,6 +11691,13 @@
   <p:clrMapOvr>
     <a:masterClrMapping/>
   </p:clrMapOvr>
+  <p:timing>
+    <p:tnLst>
+      <p:par>
+        <p:cTn id="1" dur="indefinite" restart="never" nodeType="tmRoot"/>
+      </p:par>
+    </p:tnLst>
+  </p:timing>
 </p:sld>
 </file>
 
@@ -11648,12 +11765,8 @@
           <a:lstStyle/>
           <a:p>
             <a:r>
-              <a:rPr lang="en-US" sz="3200" dirty="0" err="1" smtClean="0"/>
-              <a:t>OpenTelemetry</a:t>
-            </a:r>
-            <a:r>
               <a:rPr lang="en-US" sz="3200" dirty="0" smtClean="0"/>
-              <a:t> DOTNET</a:t>
+              <a:t>OpenTelemetry DOTNET</a:t>
             </a:r>
             <a:endParaRPr lang="ru-RU" sz="3200" dirty="0"/>
           </a:p>
@@ -11669,6 +11782,2027 @@
   <p:clrMapOvr>
     <a:masterClrMapping/>
   </p:clrMapOvr>
+  <p:timing>
+    <p:tnLst>
+      <p:par>
+        <p:cTn id="1" dur="indefinite" restart="never" nodeType="tmRoot"/>
+      </p:par>
+    </p:tnLst>
+  </p:timing>
+</p:sld>
+</file>
+
+<file path=ppt/slides/slide25.xml><?xml version="1.0" encoding="utf-8"?>
+<p:sld xmlns:a="http://schemas.openxmlformats.org/drawingml/2006/main" xmlns:r="http://schemas.openxmlformats.org/officeDocument/2006/relationships" xmlns:p="http://schemas.openxmlformats.org/presentationml/2006/main">
+  <p:cSld>
+    <p:spTree>
+      <p:nvGrpSpPr>
+        <p:cNvPr id="1" name=""/>
+        <p:cNvGrpSpPr/>
+        <p:nvPr/>
+      </p:nvGrpSpPr>
+      <p:grpSpPr>
+        <a:xfrm>
+          <a:off x="0" y="0"/>
+          <a:ext cx="0" cy="0"/>
+          <a:chOff x="0" y="0"/>
+          <a:chExt cx="0" cy="0"/>
+        </a:xfrm>
+      </p:grpSpPr>
+      <p:pic>
+        <p:nvPicPr>
+          <p:cNvPr id="4" name="Рисунок 3"/>
+          <p:cNvPicPr>
+            <a:picLocks noChangeAspect="1"/>
+          </p:cNvPicPr>
+          <p:nvPr/>
+        </p:nvPicPr>
+        <p:blipFill>
+          <a:blip r:embed="rId2"/>
+          <a:stretch>
+            <a:fillRect/>
+          </a:stretch>
+        </p:blipFill>
+        <p:spPr>
+          <a:xfrm>
+            <a:off x="8496300" y="143669"/>
+            <a:ext cx="2857500" cy="1076325"/>
+          </a:xfrm>
+          <a:prstGeom prst="rect">
+            <a:avLst/>
+          </a:prstGeom>
+        </p:spPr>
+      </p:pic>
+      <p:sp>
+        <p:nvSpPr>
+          <p:cNvPr id="20" name="TextBox 19"/>
+          <p:cNvSpPr txBox="1"/>
+          <p:nvPr/>
+        </p:nvSpPr>
+        <p:spPr>
+          <a:xfrm>
+            <a:off x="838200" y="1036873"/>
+            <a:ext cx="5986793" cy="584775"/>
+          </a:xfrm>
+          <a:prstGeom prst="rect">
+            <a:avLst/>
+          </a:prstGeom>
+          <a:noFill/>
+        </p:spPr>
+        <p:txBody>
+          <a:bodyPr wrap="square" rtlCol="0">
+            <a:spAutoFit/>
+          </a:bodyPr>
+          <a:lstStyle/>
+          <a:p>
+            <a:r>
+              <a:rPr lang="en-US" sz="2800" dirty="0" smtClean="0"/>
+              <a:t>OpenTelemetry</a:t>
+            </a:r>
+            <a:r>
+              <a:rPr lang="en-US" sz="3200" dirty="0" smtClean="0"/>
+              <a:t> DOTNET</a:t>
+            </a:r>
+            <a:endParaRPr lang="ru-RU" sz="3200" dirty="0"/>
+          </a:p>
+        </p:txBody>
+      </p:sp>
+      <p:sp>
+        <p:nvSpPr>
+          <p:cNvPr id="3" name="TextBox 2"/>
+          <p:cNvSpPr txBox="1"/>
+          <p:nvPr/>
+        </p:nvSpPr>
+        <p:spPr>
+          <a:xfrm>
+            <a:off x="1174364" y="2338511"/>
+            <a:ext cx="4330737" cy="369332"/>
+          </a:xfrm>
+          <a:prstGeom prst="rect">
+            <a:avLst/>
+          </a:prstGeom>
+          <a:noFill/>
+        </p:spPr>
+        <p:txBody>
+          <a:bodyPr wrap="none" rtlCol="0">
+            <a:spAutoFit/>
+          </a:bodyPr>
+          <a:lstStyle/>
+          <a:p>
+            <a:r>
+              <a:rPr lang="en-US" dirty="0" smtClean="0"/>
+              <a:t>System.Diagnostics.DiagnosticSource ≥ 7.0.0</a:t>
+            </a:r>
+            <a:endParaRPr lang="ru-RU" dirty="0"/>
+          </a:p>
+        </p:txBody>
+      </p:sp>
+      <p:pic>
+        <p:nvPicPr>
+          <p:cNvPr id="1026" name="Picture 2" descr="NuGet Gallery | Home"/>
+          <p:cNvPicPr>
+            <a:picLocks noChangeAspect="1" noChangeArrowheads="1"/>
+          </p:cNvPicPr>
+          <p:nvPr/>
+        </p:nvPicPr>
+        <p:blipFill>
+          <a:blip r:embed="rId3" cstate="print">
+            <a:extLst>
+              <a:ext uri="{28A0092B-C50C-407E-A947-70E740481C1C}">
+                <a14:useLocalDpi xmlns:a14="http://schemas.microsoft.com/office/drawing/2010/main" val="0"/>
+              </a:ext>
+            </a:extLst>
+          </a:blip>
+          <a:srcRect/>
+          <a:stretch>
+            <a:fillRect/>
+          </a:stretch>
+        </p:blipFill>
+        <p:spPr bwMode="auto">
+          <a:xfrm>
+            <a:off x="838200" y="2303245"/>
+            <a:ext cx="404598" cy="404598"/>
+          </a:xfrm>
+          <a:prstGeom prst="rect">
+            <a:avLst/>
+          </a:prstGeom>
+          <a:noFill/>
+          <a:extLst>
+            <a:ext uri="{909E8E84-426E-40DD-AFC4-6F175D3DCCD1}">
+              <a14:hiddenFill xmlns:a14="http://schemas.microsoft.com/office/drawing/2010/main">
+                <a:solidFill>
+                  <a:srgbClr val="FFFFFF"/>
+                </a:solidFill>
+              </a14:hiddenFill>
+            </a:ext>
+          </a:extLst>
+        </p:spPr>
+      </p:pic>
+      <p:sp>
+        <p:nvSpPr>
+          <p:cNvPr id="7" name="TextBox 6"/>
+          <p:cNvSpPr txBox="1"/>
+          <p:nvPr/>
+        </p:nvSpPr>
+        <p:spPr>
+          <a:xfrm>
+            <a:off x="1174364" y="3252067"/>
+            <a:ext cx="2928815" cy="369332"/>
+          </a:xfrm>
+          <a:prstGeom prst="rect">
+            <a:avLst/>
+          </a:prstGeom>
+          <a:noFill/>
+        </p:spPr>
+        <p:txBody>
+          <a:bodyPr wrap="none" rtlCol="0">
+            <a:spAutoFit/>
+          </a:bodyPr>
+          <a:lstStyle/>
+          <a:p>
+            <a:r>
+              <a:rPr lang="en-US" dirty="0" smtClean="0"/>
+              <a:t>Microsoft.Extensions.Logging</a:t>
+            </a:r>
+            <a:endParaRPr lang="ru-RU" dirty="0"/>
+          </a:p>
+        </p:txBody>
+      </p:sp>
+      <p:pic>
+        <p:nvPicPr>
+          <p:cNvPr id="8" name="Picture 2" descr="NuGet Gallery | Home"/>
+          <p:cNvPicPr>
+            <a:picLocks noChangeAspect="1" noChangeArrowheads="1"/>
+          </p:cNvPicPr>
+          <p:nvPr/>
+        </p:nvPicPr>
+        <p:blipFill>
+          <a:blip r:embed="rId3" cstate="print">
+            <a:extLst>
+              <a:ext uri="{28A0092B-C50C-407E-A947-70E740481C1C}">
+                <a14:useLocalDpi xmlns:a14="http://schemas.microsoft.com/office/drawing/2010/main" val="0"/>
+              </a:ext>
+            </a:extLst>
+          </a:blip>
+          <a:srcRect/>
+          <a:stretch>
+            <a:fillRect/>
+          </a:stretch>
+        </p:blipFill>
+        <p:spPr bwMode="auto">
+          <a:xfrm>
+            <a:off x="838200" y="3216801"/>
+            <a:ext cx="404598" cy="404598"/>
+          </a:xfrm>
+          <a:prstGeom prst="rect">
+            <a:avLst/>
+          </a:prstGeom>
+          <a:noFill/>
+          <a:extLst>
+            <a:ext uri="{909E8E84-426E-40DD-AFC4-6F175D3DCCD1}">
+              <a14:hiddenFill xmlns:a14="http://schemas.microsoft.com/office/drawing/2010/main">
+                <a:solidFill>
+                  <a:srgbClr val="FFFFFF"/>
+                </a:solidFill>
+              </a14:hiddenFill>
+            </a:ext>
+          </a:extLst>
+        </p:spPr>
+      </p:pic>
+      <p:sp>
+        <p:nvSpPr>
+          <p:cNvPr id="9" name="TextBox 8"/>
+          <p:cNvSpPr txBox="1"/>
+          <p:nvPr/>
+        </p:nvSpPr>
+        <p:spPr>
+          <a:xfrm>
+            <a:off x="730250" y="1639281"/>
+            <a:ext cx="7369953" cy="646331"/>
+          </a:xfrm>
+          <a:prstGeom prst="rect">
+            <a:avLst/>
+          </a:prstGeom>
+          <a:noFill/>
+        </p:spPr>
+        <p:txBody>
+          <a:bodyPr wrap="square" rtlCol="0">
+            <a:spAutoFit/>
+          </a:bodyPr>
+          <a:lstStyle/>
+          <a:p>
+            <a:r>
+              <a:rPr lang="ru-RU" dirty="0" smtClean="0"/>
+              <a:t>Трассировка, метрики базируются на объектах </a:t>
+            </a:r>
+            <a:r>
+              <a:rPr lang="en-US" dirty="0" err="1" smtClean="0"/>
+              <a:t>ActivitySource</a:t>
+            </a:r>
+            <a:r>
+              <a:rPr lang="en-US" dirty="0" smtClean="0"/>
+              <a:t>, Activity, Meter.</a:t>
+            </a:r>
+            <a:endParaRPr lang="ru-RU" dirty="0"/>
+          </a:p>
+        </p:txBody>
+      </p:sp>
+      <p:sp>
+        <p:nvSpPr>
+          <p:cNvPr id="10" name="TextBox 9"/>
+          <p:cNvSpPr txBox="1"/>
+          <p:nvPr/>
+        </p:nvSpPr>
+        <p:spPr>
+          <a:xfrm>
+            <a:off x="730250" y="2900721"/>
+            <a:ext cx="7369953" cy="369332"/>
+          </a:xfrm>
+          <a:prstGeom prst="rect">
+            <a:avLst/>
+          </a:prstGeom>
+          <a:noFill/>
+        </p:spPr>
+        <p:txBody>
+          <a:bodyPr wrap="square" rtlCol="0">
+            <a:spAutoFit/>
+          </a:bodyPr>
+          <a:lstStyle/>
+          <a:p>
+            <a:r>
+              <a:rPr lang="ru-RU" dirty="0" err="1" smtClean="0"/>
+              <a:t>Логирование</a:t>
+            </a:r>
+            <a:r>
+              <a:rPr lang="ru-RU" dirty="0" smtClean="0"/>
+              <a:t> базируется на инфраструктуре </a:t>
+            </a:r>
+            <a:r>
+              <a:rPr lang="ru-RU" dirty="0" err="1" smtClean="0"/>
+              <a:t>логирования</a:t>
+            </a:r>
+            <a:r>
+              <a:rPr lang="ru-RU" dirty="0" smtClean="0"/>
+              <a:t> </a:t>
+            </a:r>
+            <a:r>
+              <a:rPr lang="en-US" dirty="0" smtClean="0"/>
+              <a:t>.NET Core.</a:t>
+            </a:r>
+            <a:endParaRPr lang="ru-RU" dirty="0"/>
+          </a:p>
+        </p:txBody>
+      </p:sp>
+    </p:spTree>
+    <p:extLst>
+      <p:ext uri="{BB962C8B-B14F-4D97-AF65-F5344CB8AC3E}">
+        <p14:creationId xmlns:p14="http://schemas.microsoft.com/office/powerpoint/2010/main" val="3223986886"/>
+      </p:ext>
+    </p:extLst>
+  </p:cSld>
+  <p:clrMapOvr>
+    <a:masterClrMapping/>
+  </p:clrMapOvr>
+  <p:timing>
+    <p:tnLst>
+      <p:par>
+        <p:cTn id="1" dur="indefinite" restart="never" nodeType="tmRoot"/>
+      </p:par>
+    </p:tnLst>
+  </p:timing>
+</p:sld>
+</file>
+
+<file path=ppt/slides/slide26.xml><?xml version="1.0" encoding="utf-8"?>
+<p:sld xmlns:a="http://schemas.openxmlformats.org/drawingml/2006/main" xmlns:r="http://schemas.openxmlformats.org/officeDocument/2006/relationships" xmlns:p="http://schemas.openxmlformats.org/presentationml/2006/main">
+  <p:cSld>
+    <p:spTree>
+      <p:nvGrpSpPr>
+        <p:cNvPr id="1" name=""/>
+        <p:cNvGrpSpPr/>
+        <p:nvPr/>
+      </p:nvGrpSpPr>
+      <p:grpSpPr>
+        <a:xfrm>
+          <a:off x="0" y="0"/>
+          <a:ext cx="0" cy="0"/>
+          <a:chOff x="0" y="0"/>
+          <a:chExt cx="0" cy="0"/>
+        </a:xfrm>
+      </p:grpSpPr>
+      <p:pic>
+        <p:nvPicPr>
+          <p:cNvPr id="4" name="Рисунок 3"/>
+          <p:cNvPicPr>
+            <a:picLocks noChangeAspect="1"/>
+          </p:cNvPicPr>
+          <p:nvPr/>
+        </p:nvPicPr>
+        <p:blipFill>
+          <a:blip r:embed="rId2"/>
+          <a:stretch>
+            <a:fillRect/>
+          </a:stretch>
+        </p:blipFill>
+        <p:spPr>
+          <a:xfrm>
+            <a:off x="8496300" y="143669"/>
+            <a:ext cx="2857500" cy="1076325"/>
+          </a:xfrm>
+          <a:prstGeom prst="rect">
+            <a:avLst/>
+          </a:prstGeom>
+        </p:spPr>
+      </p:pic>
+      <p:sp>
+        <p:nvSpPr>
+          <p:cNvPr id="20" name="TextBox 19"/>
+          <p:cNvSpPr txBox="1"/>
+          <p:nvPr/>
+        </p:nvSpPr>
+        <p:spPr>
+          <a:xfrm>
+            <a:off x="838200" y="1036873"/>
+            <a:ext cx="5986793" cy="584775"/>
+          </a:xfrm>
+          <a:prstGeom prst="rect">
+            <a:avLst/>
+          </a:prstGeom>
+          <a:noFill/>
+        </p:spPr>
+        <p:txBody>
+          <a:bodyPr wrap="square" rtlCol="0">
+            <a:spAutoFit/>
+          </a:bodyPr>
+          <a:lstStyle/>
+          <a:p>
+            <a:r>
+              <a:rPr lang="en-US" sz="2800" dirty="0" smtClean="0"/>
+              <a:t>OpenTelemetry</a:t>
+            </a:r>
+            <a:r>
+              <a:rPr lang="en-US" sz="3200" dirty="0" smtClean="0"/>
+              <a:t> DOTNET</a:t>
+            </a:r>
+            <a:endParaRPr lang="ru-RU" sz="3200" dirty="0"/>
+          </a:p>
+        </p:txBody>
+      </p:sp>
+      <p:sp>
+        <p:nvSpPr>
+          <p:cNvPr id="36" name="TextBox 35"/>
+          <p:cNvSpPr txBox="1"/>
+          <p:nvPr/>
+        </p:nvSpPr>
+        <p:spPr>
+          <a:xfrm>
+            <a:off x="838200" y="2271584"/>
+            <a:ext cx="2364960" cy="1758573"/>
+          </a:xfrm>
+          <a:prstGeom prst="rect">
+            <a:avLst/>
+          </a:prstGeom>
+          <a:solidFill>
+            <a:schemeClr val="accent2">
+              <a:lumMod val="40000"/>
+              <a:lumOff val="60000"/>
+            </a:schemeClr>
+          </a:solidFill>
+        </p:spPr>
+        <p:txBody>
+          <a:bodyPr wrap="square" rtlCol="0">
+            <a:noAutofit/>
+          </a:bodyPr>
+          <a:lstStyle/>
+          <a:p>
+            <a:r>
+              <a:rPr lang="en-US" sz="2400" dirty="0" smtClean="0"/>
+              <a:t>Traces</a:t>
+            </a:r>
+            <a:endParaRPr lang="ru-RU" sz="2400" dirty="0"/>
+          </a:p>
+        </p:txBody>
+      </p:sp>
+      <p:sp>
+        <p:nvSpPr>
+          <p:cNvPr id="37" name="TextBox 36"/>
+          <p:cNvSpPr txBox="1"/>
+          <p:nvPr/>
+        </p:nvSpPr>
+        <p:spPr>
+          <a:xfrm>
+            <a:off x="838200" y="4256379"/>
+            <a:ext cx="1294181" cy="461665"/>
+          </a:xfrm>
+          <a:prstGeom prst="rect">
+            <a:avLst/>
+          </a:prstGeom>
+          <a:solidFill>
+            <a:schemeClr val="accent6">
+              <a:lumMod val="40000"/>
+              <a:lumOff val="60000"/>
+            </a:schemeClr>
+          </a:solidFill>
+        </p:spPr>
+        <p:txBody>
+          <a:bodyPr wrap="square" rtlCol="0">
+            <a:spAutoFit/>
+          </a:bodyPr>
+          <a:lstStyle/>
+          <a:p>
+            <a:pPr algn="ctr"/>
+            <a:r>
+              <a:rPr lang="en-US" sz="2400" dirty="0" smtClean="0"/>
+              <a:t>Metrics</a:t>
+            </a:r>
+            <a:endParaRPr lang="ru-RU" sz="2400" dirty="0"/>
+          </a:p>
+        </p:txBody>
+      </p:sp>
+      <p:sp>
+        <p:nvSpPr>
+          <p:cNvPr id="38" name="TextBox 37"/>
+          <p:cNvSpPr txBox="1"/>
+          <p:nvPr/>
+        </p:nvSpPr>
+        <p:spPr>
+          <a:xfrm>
+            <a:off x="838201" y="5556544"/>
+            <a:ext cx="1294181" cy="461665"/>
+          </a:xfrm>
+          <a:prstGeom prst="rect">
+            <a:avLst/>
+          </a:prstGeom>
+          <a:solidFill>
+            <a:schemeClr val="accent4">
+              <a:lumMod val="40000"/>
+              <a:lumOff val="60000"/>
+            </a:schemeClr>
+          </a:solidFill>
+        </p:spPr>
+        <p:txBody>
+          <a:bodyPr wrap="square" rtlCol="0">
+            <a:spAutoFit/>
+          </a:bodyPr>
+          <a:lstStyle/>
+          <a:p>
+            <a:pPr algn="ctr"/>
+            <a:r>
+              <a:rPr lang="en-US" sz="2400" dirty="0" smtClean="0"/>
+              <a:t>Baggage</a:t>
+            </a:r>
+            <a:endParaRPr lang="ru-RU" sz="2400" dirty="0"/>
+          </a:p>
+        </p:txBody>
+      </p:sp>
+      <p:sp>
+        <p:nvSpPr>
+          <p:cNvPr id="39" name="TextBox 38"/>
+          <p:cNvSpPr txBox="1"/>
+          <p:nvPr/>
+        </p:nvSpPr>
+        <p:spPr>
+          <a:xfrm>
+            <a:off x="838201" y="4894167"/>
+            <a:ext cx="1294181" cy="461665"/>
+          </a:xfrm>
+          <a:prstGeom prst="rect">
+            <a:avLst/>
+          </a:prstGeom>
+          <a:solidFill>
+            <a:srgbClr val="A9EBE0"/>
+          </a:solidFill>
+        </p:spPr>
+        <p:txBody>
+          <a:bodyPr wrap="square" rtlCol="0">
+            <a:spAutoFit/>
+          </a:bodyPr>
+          <a:lstStyle/>
+          <a:p>
+            <a:pPr algn="ctr"/>
+            <a:r>
+              <a:rPr lang="en-US" sz="2400" dirty="0" smtClean="0"/>
+              <a:t>Logs</a:t>
+            </a:r>
+            <a:endParaRPr lang="ru-RU" sz="2400" dirty="0"/>
+          </a:p>
+        </p:txBody>
+      </p:sp>
+      <p:sp>
+        <p:nvSpPr>
+          <p:cNvPr id="40" name="Стрелка вправо 39"/>
+          <p:cNvSpPr/>
+          <p:nvPr/>
+        </p:nvSpPr>
+        <p:spPr>
+          <a:xfrm>
+            <a:off x="3090028" y="2801245"/>
+            <a:ext cx="1091901" cy="235887"/>
+          </a:xfrm>
+          <a:prstGeom prst="rightArrow">
+            <a:avLst/>
+          </a:prstGeom>
+          <a:ln w="12700">
+            <a:solidFill>
+              <a:schemeClr val="accent1">
+                <a:shade val="50000"/>
+              </a:schemeClr>
+            </a:solidFill>
+          </a:ln>
+        </p:spPr>
+        <p:style>
+          <a:lnRef idx="2">
+            <a:schemeClr val="accent1">
+              <a:shade val="50000"/>
+            </a:schemeClr>
+          </a:lnRef>
+          <a:fillRef idx="1">
+            <a:schemeClr val="accent1"/>
+          </a:fillRef>
+          <a:effectRef idx="0">
+            <a:schemeClr val="accent1"/>
+          </a:effectRef>
+          <a:fontRef idx="minor">
+            <a:schemeClr val="lt1"/>
+          </a:fontRef>
+        </p:style>
+        <p:txBody>
+          <a:bodyPr rtlCol="0" anchor="ctr"/>
+          <a:lstStyle/>
+          <a:p>
+            <a:pPr algn="ctr"/>
+            <a:endParaRPr lang="ru-RU"/>
+          </a:p>
+        </p:txBody>
+      </p:sp>
+      <p:sp>
+        <p:nvSpPr>
+          <p:cNvPr id="41" name="Стрелка вправо 40"/>
+          <p:cNvSpPr/>
+          <p:nvPr/>
+        </p:nvSpPr>
+        <p:spPr>
+          <a:xfrm>
+            <a:off x="2132381" y="4369068"/>
+            <a:ext cx="2098253" cy="281085"/>
+          </a:xfrm>
+          <a:prstGeom prst="rightArrow">
+            <a:avLst/>
+          </a:prstGeom>
+        </p:spPr>
+        <p:style>
+          <a:lnRef idx="2">
+            <a:schemeClr val="accent1">
+              <a:shade val="50000"/>
+            </a:schemeClr>
+          </a:lnRef>
+          <a:fillRef idx="1">
+            <a:schemeClr val="accent1"/>
+          </a:fillRef>
+          <a:effectRef idx="0">
+            <a:schemeClr val="accent1"/>
+          </a:effectRef>
+          <a:fontRef idx="minor">
+            <a:schemeClr val="lt1"/>
+          </a:fontRef>
+        </p:style>
+        <p:txBody>
+          <a:bodyPr rtlCol="0" anchor="ctr"/>
+          <a:lstStyle/>
+          <a:p>
+            <a:pPr algn="ctr"/>
+            <a:endParaRPr lang="ru-RU"/>
+          </a:p>
+        </p:txBody>
+      </p:sp>
+      <p:sp>
+        <p:nvSpPr>
+          <p:cNvPr id="42" name="TextBox 41"/>
+          <p:cNvSpPr txBox="1"/>
+          <p:nvPr/>
+        </p:nvSpPr>
+        <p:spPr>
+          <a:xfrm>
+            <a:off x="4195797" y="2707114"/>
+            <a:ext cx="4567204" cy="400110"/>
+          </a:xfrm>
+          <a:prstGeom prst="rect">
+            <a:avLst/>
+          </a:prstGeom>
+          <a:solidFill>
+            <a:schemeClr val="accent2">
+              <a:lumMod val="40000"/>
+              <a:lumOff val="60000"/>
+            </a:schemeClr>
+          </a:solidFill>
+          <a:ln>
+            <a:solidFill>
+              <a:schemeClr val="accent2">
+                <a:lumMod val="75000"/>
+              </a:schemeClr>
+            </a:solidFill>
+          </a:ln>
+        </p:spPr>
+        <p:txBody>
+          <a:bodyPr wrap="square" rtlCol="0">
+            <a:spAutoFit/>
+          </a:bodyPr>
+          <a:lstStyle/>
+          <a:p>
+            <a:r>
+              <a:rPr lang="en-US" sz="2000" dirty="0"/>
+              <a:t>System.Diagnostics.Activity</a:t>
+            </a:r>
+            <a:endParaRPr lang="ru-RU" sz="2000" dirty="0"/>
+          </a:p>
+        </p:txBody>
+      </p:sp>
+      <p:sp>
+        <p:nvSpPr>
+          <p:cNvPr id="43" name="TextBox 42"/>
+          <p:cNvSpPr txBox="1"/>
+          <p:nvPr/>
+        </p:nvSpPr>
+        <p:spPr>
+          <a:xfrm>
+            <a:off x="4218302" y="4256379"/>
+            <a:ext cx="4554504" cy="461665"/>
+          </a:xfrm>
+          <a:prstGeom prst="rect">
+            <a:avLst/>
+          </a:prstGeom>
+          <a:solidFill>
+            <a:schemeClr val="accent6">
+              <a:lumMod val="40000"/>
+              <a:lumOff val="60000"/>
+            </a:schemeClr>
+          </a:solidFill>
+        </p:spPr>
+        <p:txBody>
+          <a:bodyPr wrap="square" rtlCol="0">
+            <a:spAutoFit/>
+          </a:bodyPr>
+          <a:lstStyle/>
+          <a:p>
+            <a:pPr algn="ctr"/>
+            <a:r>
+              <a:rPr lang="en-US" sz="2400" dirty="0" smtClean="0"/>
+              <a:t>System.Diagnostics.Metrics.Meter</a:t>
+            </a:r>
+            <a:endParaRPr lang="en-US" sz="2400" dirty="0"/>
+          </a:p>
+        </p:txBody>
+      </p:sp>
+      <p:sp>
+        <p:nvSpPr>
+          <p:cNvPr id="44" name="TextBox 43"/>
+          <p:cNvSpPr txBox="1"/>
+          <p:nvPr/>
+        </p:nvSpPr>
+        <p:spPr>
+          <a:xfrm>
+            <a:off x="4230634" y="4894167"/>
+            <a:ext cx="4542172" cy="461665"/>
+          </a:xfrm>
+          <a:prstGeom prst="rect">
+            <a:avLst/>
+          </a:prstGeom>
+          <a:solidFill>
+            <a:srgbClr val="A9EBE0"/>
+          </a:solidFill>
+        </p:spPr>
+        <p:txBody>
+          <a:bodyPr wrap="square" rtlCol="0">
+            <a:spAutoFit/>
+          </a:bodyPr>
+          <a:lstStyle/>
+          <a:p>
+            <a:r>
+              <a:rPr lang="en-US" sz="2400" dirty="0" smtClean="0"/>
+              <a:t>ILoggerFactory.CreateLogger()</a:t>
+            </a:r>
+            <a:endParaRPr lang="ru-RU" sz="2400" dirty="0"/>
+          </a:p>
+        </p:txBody>
+      </p:sp>
+      <p:sp>
+        <p:nvSpPr>
+          <p:cNvPr id="45" name="Стрелка вправо 44"/>
+          <p:cNvSpPr/>
+          <p:nvPr/>
+        </p:nvSpPr>
+        <p:spPr>
+          <a:xfrm>
+            <a:off x="2115877" y="5006856"/>
+            <a:ext cx="2114757" cy="250534"/>
+          </a:xfrm>
+          <a:prstGeom prst="rightArrow">
+            <a:avLst/>
+          </a:prstGeom>
+        </p:spPr>
+        <p:style>
+          <a:lnRef idx="2">
+            <a:schemeClr val="accent1">
+              <a:shade val="50000"/>
+            </a:schemeClr>
+          </a:lnRef>
+          <a:fillRef idx="1">
+            <a:schemeClr val="accent1"/>
+          </a:fillRef>
+          <a:effectRef idx="0">
+            <a:schemeClr val="accent1"/>
+          </a:effectRef>
+          <a:fontRef idx="minor">
+            <a:schemeClr val="lt1"/>
+          </a:fontRef>
+        </p:style>
+        <p:txBody>
+          <a:bodyPr rtlCol="0" anchor="ctr"/>
+          <a:lstStyle/>
+          <a:p>
+            <a:pPr algn="ctr"/>
+            <a:endParaRPr lang="ru-RU"/>
+          </a:p>
+        </p:txBody>
+      </p:sp>
+      <p:sp>
+        <p:nvSpPr>
+          <p:cNvPr id="46" name="TextBox 45"/>
+          <p:cNvSpPr txBox="1"/>
+          <p:nvPr/>
+        </p:nvSpPr>
+        <p:spPr>
+          <a:xfrm>
+            <a:off x="4230634" y="5556543"/>
+            <a:ext cx="4554504" cy="461665"/>
+          </a:xfrm>
+          <a:prstGeom prst="rect">
+            <a:avLst/>
+          </a:prstGeom>
+          <a:solidFill>
+            <a:schemeClr val="accent4">
+              <a:lumMod val="40000"/>
+              <a:lumOff val="60000"/>
+            </a:schemeClr>
+          </a:solidFill>
+        </p:spPr>
+        <p:txBody>
+          <a:bodyPr wrap="square" rtlCol="0">
+            <a:spAutoFit/>
+          </a:bodyPr>
+          <a:lstStyle/>
+          <a:p>
+            <a:r>
+              <a:rPr lang="en-US" sz="2400" dirty="0" err="1" smtClean="0"/>
+              <a:t>OpenTelemetry.Baggage</a:t>
+            </a:r>
+            <a:endParaRPr lang="ru-RU" sz="2400" dirty="0"/>
+          </a:p>
+        </p:txBody>
+      </p:sp>
+      <p:sp>
+        <p:nvSpPr>
+          <p:cNvPr id="47" name="TextBox 46"/>
+          <p:cNvSpPr txBox="1"/>
+          <p:nvPr/>
+        </p:nvSpPr>
+        <p:spPr>
+          <a:xfrm>
+            <a:off x="1174365" y="2690833"/>
+            <a:ext cx="1886336" cy="400110"/>
+          </a:xfrm>
+          <a:prstGeom prst="rect">
+            <a:avLst/>
+          </a:prstGeom>
+          <a:solidFill>
+            <a:schemeClr val="accent2">
+              <a:lumMod val="60000"/>
+              <a:lumOff val="40000"/>
+            </a:schemeClr>
+          </a:solidFill>
+          <a:ln>
+            <a:solidFill>
+              <a:schemeClr val="accent1">
+                <a:shade val="50000"/>
+              </a:schemeClr>
+            </a:solidFill>
+          </a:ln>
+        </p:spPr>
+        <p:txBody>
+          <a:bodyPr wrap="square" rtlCol="0">
+            <a:spAutoFit/>
+          </a:bodyPr>
+          <a:lstStyle/>
+          <a:p>
+            <a:r>
+              <a:rPr lang="en-US" sz="2000" dirty="0" smtClean="0"/>
+              <a:t>Span</a:t>
+            </a:r>
+            <a:endParaRPr lang="ru-RU" sz="2000" dirty="0"/>
+          </a:p>
+        </p:txBody>
+      </p:sp>
+      <p:sp>
+        <p:nvSpPr>
+          <p:cNvPr id="48" name="TextBox 47"/>
+          <p:cNvSpPr txBox="1"/>
+          <p:nvPr/>
+        </p:nvSpPr>
+        <p:spPr>
+          <a:xfrm>
+            <a:off x="1174364" y="3084949"/>
+            <a:ext cx="1886337" cy="400110"/>
+          </a:xfrm>
+          <a:prstGeom prst="rect">
+            <a:avLst/>
+          </a:prstGeom>
+          <a:solidFill>
+            <a:schemeClr val="accent2">
+              <a:lumMod val="60000"/>
+              <a:lumOff val="40000"/>
+            </a:schemeClr>
+          </a:solidFill>
+          <a:ln cmpd="sng">
+            <a:solidFill>
+              <a:schemeClr val="accent1">
+                <a:shade val="50000"/>
+              </a:schemeClr>
+            </a:solidFill>
+            <a:prstDash val="solid"/>
+          </a:ln>
+        </p:spPr>
+        <p:txBody>
+          <a:bodyPr wrap="square" rtlCol="0">
+            <a:spAutoFit/>
+          </a:bodyPr>
+          <a:lstStyle/>
+          <a:p>
+            <a:r>
+              <a:rPr lang="en-US" sz="2000" dirty="0" err="1" smtClean="0"/>
+              <a:t>SpanContext</a:t>
+            </a:r>
+            <a:endParaRPr lang="ru-RU" sz="2400" dirty="0"/>
+          </a:p>
+        </p:txBody>
+      </p:sp>
+      <p:sp>
+        <p:nvSpPr>
+          <p:cNvPr id="49" name="TextBox 48"/>
+          <p:cNvSpPr txBox="1"/>
+          <p:nvPr/>
+        </p:nvSpPr>
+        <p:spPr>
+          <a:xfrm>
+            <a:off x="4195797" y="3130906"/>
+            <a:ext cx="4567204" cy="400110"/>
+          </a:xfrm>
+          <a:prstGeom prst="rect">
+            <a:avLst/>
+          </a:prstGeom>
+          <a:solidFill>
+            <a:schemeClr val="accent2">
+              <a:lumMod val="40000"/>
+              <a:lumOff val="60000"/>
+            </a:schemeClr>
+          </a:solidFill>
+          <a:ln>
+            <a:solidFill>
+              <a:schemeClr val="accent2">
+                <a:lumMod val="75000"/>
+              </a:schemeClr>
+            </a:solidFill>
+          </a:ln>
+        </p:spPr>
+        <p:txBody>
+          <a:bodyPr wrap="square" rtlCol="0">
+            <a:spAutoFit/>
+          </a:bodyPr>
+          <a:lstStyle/>
+          <a:p>
+            <a:r>
+              <a:rPr lang="en-US" sz="2000" dirty="0" err="1" smtClean="0"/>
+              <a:t>System.Diagnostics.ActivityContext</a:t>
+            </a:r>
+            <a:endParaRPr lang="ru-RU" sz="2000" dirty="0"/>
+          </a:p>
+        </p:txBody>
+      </p:sp>
+      <p:sp>
+        <p:nvSpPr>
+          <p:cNvPr id="50" name="Стрелка вправо 49"/>
+          <p:cNvSpPr/>
+          <p:nvPr/>
+        </p:nvSpPr>
+        <p:spPr>
+          <a:xfrm>
+            <a:off x="3090395" y="3196578"/>
+            <a:ext cx="1091901" cy="235887"/>
+          </a:xfrm>
+          <a:prstGeom prst="rightArrow">
+            <a:avLst/>
+          </a:prstGeom>
+          <a:ln w="12700">
+            <a:solidFill>
+              <a:schemeClr val="accent1">
+                <a:shade val="50000"/>
+              </a:schemeClr>
+            </a:solidFill>
+          </a:ln>
+        </p:spPr>
+        <p:style>
+          <a:lnRef idx="2">
+            <a:schemeClr val="accent1">
+              <a:shade val="50000"/>
+            </a:schemeClr>
+          </a:lnRef>
+          <a:fillRef idx="1">
+            <a:schemeClr val="accent1"/>
+          </a:fillRef>
+          <a:effectRef idx="0">
+            <a:schemeClr val="accent1"/>
+          </a:effectRef>
+          <a:fontRef idx="minor">
+            <a:schemeClr val="lt1"/>
+          </a:fontRef>
+        </p:style>
+        <p:txBody>
+          <a:bodyPr rtlCol="0" anchor="ctr"/>
+          <a:lstStyle/>
+          <a:p>
+            <a:pPr algn="ctr"/>
+            <a:endParaRPr lang="ru-RU"/>
+          </a:p>
+        </p:txBody>
+      </p:sp>
+      <p:sp>
+        <p:nvSpPr>
+          <p:cNvPr id="51" name="TextBox 50"/>
+          <p:cNvSpPr txBox="1"/>
+          <p:nvPr/>
+        </p:nvSpPr>
+        <p:spPr>
+          <a:xfrm>
+            <a:off x="838200" y="1754539"/>
+            <a:ext cx="1795300" cy="400110"/>
+          </a:xfrm>
+          <a:prstGeom prst="rect">
+            <a:avLst/>
+          </a:prstGeom>
+          <a:noFill/>
+        </p:spPr>
+        <p:txBody>
+          <a:bodyPr wrap="none" rtlCol="0">
+            <a:spAutoFit/>
+          </a:bodyPr>
+          <a:lstStyle/>
+          <a:p>
+            <a:r>
+              <a:rPr lang="en-US" sz="2000" dirty="0"/>
+              <a:t>OpenTelemetry</a:t>
+            </a:r>
+            <a:endParaRPr lang="ru-RU" dirty="0"/>
+          </a:p>
+        </p:txBody>
+      </p:sp>
+      <p:sp>
+        <p:nvSpPr>
+          <p:cNvPr id="52" name="TextBox 51"/>
+          <p:cNvSpPr txBox="1"/>
+          <p:nvPr/>
+        </p:nvSpPr>
+        <p:spPr>
+          <a:xfrm>
+            <a:off x="4582484" y="1766960"/>
+            <a:ext cx="1045030" cy="400110"/>
+          </a:xfrm>
+          <a:prstGeom prst="rect">
+            <a:avLst/>
+          </a:prstGeom>
+          <a:noFill/>
+        </p:spPr>
+        <p:txBody>
+          <a:bodyPr wrap="none" rtlCol="0">
+            <a:spAutoFit/>
+          </a:bodyPr>
+          <a:lstStyle/>
+          <a:p>
+            <a:r>
+              <a:rPr lang="en-US" sz="2000" dirty="0" smtClean="0"/>
+              <a:t>DOTNET</a:t>
+            </a:r>
+            <a:endParaRPr lang="ru-RU" dirty="0"/>
+          </a:p>
+        </p:txBody>
+      </p:sp>
+      <p:cxnSp>
+        <p:nvCxnSpPr>
+          <p:cNvPr id="53" name="Прямая соединительная линия 52"/>
+          <p:cNvCxnSpPr/>
+          <p:nvPr/>
+        </p:nvCxnSpPr>
+        <p:spPr>
+          <a:xfrm>
+            <a:off x="3715982" y="2081179"/>
+            <a:ext cx="0" cy="4040221"/>
+          </a:xfrm>
+          <a:prstGeom prst="line">
+            <a:avLst/>
+          </a:prstGeom>
+          <a:ln w="31750">
+            <a:prstDash val="dash"/>
+          </a:ln>
+        </p:spPr>
+        <p:style>
+          <a:lnRef idx="1">
+            <a:schemeClr val="accent1"/>
+          </a:lnRef>
+          <a:fillRef idx="0">
+            <a:schemeClr val="accent1"/>
+          </a:fillRef>
+          <a:effectRef idx="0">
+            <a:schemeClr val="accent1"/>
+          </a:effectRef>
+          <a:fontRef idx="minor">
+            <a:schemeClr val="tx1"/>
+          </a:fontRef>
+        </p:style>
+      </p:cxnSp>
+      <p:sp>
+        <p:nvSpPr>
+          <p:cNvPr id="54" name="TextBox 53"/>
+          <p:cNvSpPr txBox="1"/>
+          <p:nvPr/>
+        </p:nvSpPr>
+        <p:spPr>
+          <a:xfrm>
+            <a:off x="1174364" y="3475820"/>
+            <a:ext cx="1886337" cy="461665"/>
+          </a:xfrm>
+          <a:prstGeom prst="rect">
+            <a:avLst/>
+          </a:prstGeom>
+          <a:solidFill>
+            <a:schemeClr val="accent2">
+              <a:lumMod val="60000"/>
+              <a:lumOff val="40000"/>
+            </a:schemeClr>
+          </a:solidFill>
+          <a:ln cmpd="sng">
+            <a:solidFill>
+              <a:schemeClr val="accent1">
+                <a:shade val="50000"/>
+              </a:schemeClr>
+            </a:solidFill>
+            <a:prstDash val="solid"/>
+          </a:ln>
+        </p:spPr>
+        <p:txBody>
+          <a:bodyPr wrap="square" rtlCol="0">
+            <a:spAutoFit/>
+          </a:bodyPr>
+          <a:lstStyle/>
+          <a:p>
+            <a:r>
+              <a:rPr lang="en-US" sz="2000" dirty="0" smtClean="0"/>
+              <a:t>Span</a:t>
+            </a:r>
+            <a:r>
+              <a:rPr lang="en-US" sz="2400" dirty="0" smtClean="0"/>
+              <a:t> </a:t>
+            </a:r>
+            <a:r>
+              <a:rPr lang="en-US" sz="2000" dirty="0" smtClean="0"/>
+              <a:t>Attributes</a:t>
+            </a:r>
+            <a:endParaRPr lang="ru-RU" sz="2400" dirty="0"/>
+          </a:p>
+        </p:txBody>
+      </p:sp>
+      <p:sp>
+        <p:nvSpPr>
+          <p:cNvPr id="55" name="Стрелка вправо 54"/>
+          <p:cNvSpPr/>
+          <p:nvPr/>
+        </p:nvSpPr>
+        <p:spPr>
+          <a:xfrm>
+            <a:off x="3102728" y="3601345"/>
+            <a:ext cx="1091901" cy="235887"/>
+          </a:xfrm>
+          <a:prstGeom prst="rightArrow">
+            <a:avLst/>
+          </a:prstGeom>
+          <a:ln w="12700">
+            <a:solidFill>
+              <a:schemeClr val="accent1">
+                <a:shade val="50000"/>
+              </a:schemeClr>
+            </a:solidFill>
+          </a:ln>
+        </p:spPr>
+        <p:style>
+          <a:lnRef idx="2">
+            <a:schemeClr val="accent1">
+              <a:shade val="50000"/>
+            </a:schemeClr>
+          </a:lnRef>
+          <a:fillRef idx="1">
+            <a:schemeClr val="accent1"/>
+          </a:fillRef>
+          <a:effectRef idx="0">
+            <a:schemeClr val="accent1"/>
+          </a:effectRef>
+          <a:fontRef idx="minor">
+            <a:schemeClr val="lt1"/>
+          </a:fontRef>
+        </p:style>
+        <p:txBody>
+          <a:bodyPr rtlCol="0" anchor="ctr"/>
+          <a:lstStyle/>
+          <a:p>
+            <a:pPr algn="ctr"/>
+            <a:endParaRPr lang="ru-RU"/>
+          </a:p>
+        </p:txBody>
+      </p:sp>
+      <p:sp>
+        <p:nvSpPr>
+          <p:cNvPr id="56" name="TextBox 55"/>
+          <p:cNvSpPr txBox="1"/>
+          <p:nvPr/>
+        </p:nvSpPr>
+        <p:spPr>
+          <a:xfrm>
+            <a:off x="4195797" y="3550006"/>
+            <a:ext cx="4567204" cy="400110"/>
+          </a:xfrm>
+          <a:prstGeom prst="rect">
+            <a:avLst/>
+          </a:prstGeom>
+          <a:solidFill>
+            <a:schemeClr val="accent2">
+              <a:lumMod val="40000"/>
+              <a:lumOff val="60000"/>
+            </a:schemeClr>
+          </a:solidFill>
+          <a:ln>
+            <a:solidFill>
+              <a:schemeClr val="accent2">
+                <a:lumMod val="75000"/>
+              </a:schemeClr>
+            </a:solidFill>
+          </a:ln>
+        </p:spPr>
+        <p:txBody>
+          <a:bodyPr wrap="square" rtlCol="0">
+            <a:spAutoFit/>
+          </a:bodyPr>
+          <a:lstStyle/>
+          <a:p>
+            <a:r>
+              <a:rPr lang="en-US" sz="2000" dirty="0" err="1"/>
+              <a:t>System.Diagnostics.</a:t>
+            </a:r>
+            <a:r>
+              <a:rPr lang="en-US" sz="2000" dirty="0" err="1" smtClean="0"/>
+              <a:t>ActivityTagsCollection</a:t>
+            </a:r>
+            <a:endParaRPr lang="ru-RU" sz="2000" dirty="0"/>
+          </a:p>
+        </p:txBody>
+      </p:sp>
+    </p:spTree>
+    <p:extLst>
+      <p:ext uri="{BB962C8B-B14F-4D97-AF65-F5344CB8AC3E}">
+        <p14:creationId xmlns:p14="http://schemas.microsoft.com/office/powerpoint/2010/main" val="591366704"/>
+      </p:ext>
+    </p:extLst>
+  </p:cSld>
+  <p:clrMapOvr>
+    <a:masterClrMapping/>
+  </p:clrMapOvr>
+  <p:timing>
+    <p:tnLst>
+      <p:par>
+        <p:cTn id="1" dur="indefinite" restart="never" nodeType="tmRoot"/>
+      </p:par>
+    </p:tnLst>
+  </p:timing>
+</p:sld>
+</file>
+
+<file path=ppt/slides/slide27.xml><?xml version="1.0" encoding="utf-8"?>
+<p:sld xmlns:a="http://schemas.openxmlformats.org/drawingml/2006/main" xmlns:r="http://schemas.openxmlformats.org/officeDocument/2006/relationships" xmlns:p="http://schemas.openxmlformats.org/presentationml/2006/main">
+  <p:cSld>
+    <p:spTree>
+      <p:nvGrpSpPr>
+        <p:cNvPr id="1" name=""/>
+        <p:cNvGrpSpPr/>
+        <p:nvPr/>
+      </p:nvGrpSpPr>
+      <p:grpSpPr>
+        <a:xfrm>
+          <a:off x="0" y="0"/>
+          <a:ext cx="0" cy="0"/>
+          <a:chOff x="0" y="0"/>
+          <a:chExt cx="0" cy="0"/>
+        </a:xfrm>
+      </p:grpSpPr>
+      <p:pic>
+        <p:nvPicPr>
+          <p:cNvPr id="4" name="Рисунок 3"/>
+          <p:cNvPicPr>
+            <a:picLocks noChangeAspect="1"/>
+          </p:cNvPicPr>
+          <p:nvPr/>
+        </p:nvPicPr>
+        <p:blipFill>
+          <a:blip r:embed="rId2"/>
+          <a:stretch>
+            <a:fillRect/>
+          </a:stretch>
+        </p:blipFill>
+        <p:spPr>
+          <a:xfrm>
+            <a:off x="8496300" y="143669"/>
+            <a:ext cx="2857500" cy="1076325"/>
+          </a:xfrm>
+          <a:prstGeom prst="rect">
+            <a:avLst/>
+          </a:prstGeom>
+        </p:spPr>
+      </p:pic>
+      <p:sp>
+        <p:nvSpPr>
+          <p:cNvPr id="20" name="TextBox 19"/>
+          <p:cNvSpPr txBox="1"/>
+          <p:nvPr/>
+        </p:nvSpPr>
+        <p:spPr>
+          <a:xfrm>
+            <a:off x="838200" y="1036873"/>
+            <a:ext cx="5986793" cy="584775"/>
+          </a:xfrm>
+          <a:prstGeom prst="rect">
+            <a:avLst/>
+          </a:prstGeom>
+          <a:noFill/>
+        </p:spPr>
+        <p:txBody>
+          <a:bodyPr wrap="square" rtlCol="0">
+            <a:spAutoFit/>
+          </a:bodyPr>
+          <a:lstStyle/>
+          <a:p>
+            <a:r>
+              <a:rPr lang="en-US" sz="2800" dirty="0" smtClean="0"/>
+              <a:t>OpenTelemetry</a:t>
+            </a:r>
+            <a:r>
+              <a:rPr lang="en-US" sz="3200" dirty="0" smtClean="0"/>
+              <a:t> DOTNET</a:t>
+            </a:r>
+            <a:endParaRPr lang="ru-RU" sz="3200" dirty="0"/>
+          </a:p>
+        </p:txBody>
+      </p:sp>
+      <p:sp>
+        <p:nvSpPr>
+          <p:cNvPr id="9" name="TextBox 8"/>
+          <p:cNvSpPr txBox="1"/>
+          <p:nvPr/>
+        </p:nvSpPr>
+        <p:spPr>
+          <a:xfrm>
+            <a:off x="730250" y="1639281"/>
+            <a:ext cx="7369953" cy="584775"/>
+          </a:xfrm>
+          <a:prstGeom prst="rect">
+            <a:avLst/>
+          </a:prstGeom>
+          <a:noFill/>
+        </p:spPr>
+        <p:txBody>
+          <a:bodyPr wrap="square" rtlCol="0">
+            <a:spAutoFit/>
+          </a:bodyPr>
+          <a:lstStyle/>
+          <a:p>
+            <a:r>
+              <a:rPr lang="ru-RU" sz="3200" b="1" dirty="0" smtClean="0"/>
+              <a:t>Внедрение в приложение.</a:t>
+            </a:r>
+            <a:endParaRPr lang="ru-RU" sz="3200" b="1" dirty="0"/>
+          </a:p>
+        </p:txBody>
+      </p:sp>
+      <p:sp>
+        <p:nvSpPr>
+          <p:cNvPr id="2" name="TextBox 1"/>
+          <p:cNvSpPr txBox="1"/>
+          <p:nvPr/>
+        </p:nvSpPr>
+        <p:spPr>
+          <a:xfrm>
+            <a:off x="838200" y="2432649"/>
+            <a:ext cx="8722901" cy="2862322"/>
+          </a:xfrm>
+          <a:prstGeom prst="rect">
+            <a:avLst/>
+          </a:prstGeom>
+          <a:noFill/>
+        </p:spPr>
+        <p:txBody>
+          <a:bodyPr wrap="none" rtlCol="0">
+            <a:spAutoFit/>
+          </a:bodyPr>
+          <a:lstStyle/>
+          <a:p>
+            <a:pPr marL="342900" indent="-342900">
+              <a:buAutoNum type="arabicPeriod"/>
+            </a:pPr>
+            <a:r>
+              <a:rPr lang="ru-RU" dirty="0" smtClean="0"/>
+              <a:t>Добавьте </a:t>
+            </a:r>
+            <a:r>
+              <a:rPr lang="en-US" dirty="0" err="1" smtClean="0"/>
+              <a:t>NuGet</a:t>
+            </a:r>
+            <a:r>
+              <a:rPr lang="en-US" dirty="0" smtClean="0"/>
+              <a:t> </a:t>
+            </a:r>
+            <a:r>
+              <a:rPr lang="ru-RU" dirty="0" smtClean="0"/>
+              <a:t>пакет </a:t>
+            </a:r>
+            <a:r>
+              <a:rPr lang="en-US" dirty="0" err="1" smtClean="0"/>
+              <a:t>OpenTelemetry</a:t>
+            </a:r>
+            <a:r>
+              <a:rPr lang="en-US" dirty="0" smtClean="0"/>
+              <a:t>.</a:t>
+            </a:r>
+          </a:p>
+          <a:p>
+            <a:pPr marL="342900" indent="-342900">
+              <a:buAutoNum type="arabicPeriod"/>
+            </a:pPr>
+            <a:r>
+              <a:rPr lang="ru-RU" dirty="0" smtClean="0"/>
+              <a:t>Добавьте </a:t>
+            </a:r>
+            <a:r>
+              <a:rPr lang="en-US" dirty="0" err="1" smtClean="0"/>
+              <a:t>NuGet</a:t>
+            </a:r>
+            <a:r>
+              <a:rPr lang="ru-RU" dirty="0" smtClean="0"/>
+              <a:t> пакет для экспортера телеметрии, например:</a:t>
+            </a:r>
+          </a:p>
+          <a:p>
+            <a:pPr marL="800100" lvl="1" indent="-342900">
+              <a:buFont typeface="Arial" panose="020B0604020202020204" pitchFamily="34" charset="0"/>
+              <a:buChar char="•"/>
+            </a:pPr>
+            <a:r>
+              <a:rPr lang="en-US" dirty="0" err="1" smtClean="0"/>
+              <a:t>OpenTelemetry.Exporter.Console</a:t>
+            </a:r>
+            <a:endParaRPr lang="en-US" dirty="0" smtClean="0"/>
+          </a:p>
+          <a:p>
+            <a:pPr marL="800100" lvl="1" indent="-342900">
+              <a:buFont typeface="Arial" panose="020B0604020202020204" pitchFamily="34" charset="0"/>
+              <a:buChar char="•"/>
+            </a:pPr>
+            <a:r>
+              <a:rPr lang="en-US" dirty="0" err="1" smtClean="0"/>
+              <a:t>OpenTelemetry.Exporter.Jaeger</a:t>
+            </a:r>
+            <a:endParaRPr lang="en-US" dirty="0" smtClean="0"/>
+          </a:p>
+          <a:p>
+            <a:pPr marL="342900" indent="-342900">
+              <a:buFont typeface="+mj-lt"/>
+              <a:buAutoNum type="arabicPeriod"/>
+            </a:pPr>
+            <a:r>
+              <a:rPr lang="ru-RU" dirty="0" smtClean="0"/>
+              <a:t>Добавьте </a:t>
+            </a:r>
+            <a:r>
+              <a:rPr lang="en-US" dirty="0" err="1" smtClean="0"/>
+              <a:t>NuGet</a:t>
+            </a:r>
+            <a:r>
+              <a:rPr lang="ru-RU" dirty="0" smtClean="0"/>
+              <a:t> пакеты </a:t>
+            </a:r>
+            <a:r>
+              <a:rPr lang="ru-RU" dirty="0" err="1" smtClean="0"/>
+              <a:t>инструментирования</a:t>
+            </a:r>
+            <a:r>
+              <a:rPr lang="ru-RU" dirty="0" smtClean="0"/>
+              <a:t>, например:</a:t>
+            </a:r>
+          </a:p>
+          <a:p>
+            <a:pPr marL="800100" lvl="1" indent="-342900">
+              <a:buFont typeface="Arial" panose="020B0604020202020204" pitchFamily="34" charset="0"/>
+              <a:buChar char="•"/>
+            </a:pPr>
+            <a:r>
+              <a:rPr lang="en-US" dirty="0" err="1" smtClean="0"/>
+              <a:t>OpenTelemetry.Instrumentation.ApsNetCore</a:t>
+            </a:r>
+            <a:endParaRPr lang="en-US" dirty="0" smtClean="0"/>
+          </a:p>
+          <a:p>
+            <a:pPr marL="800100" lvl="1" indent="-342900">
+              <a:buFont typeface="Arial" panose="020B0604020202020204" pitchFamily="34" charset="0"/>
+              <a:buChar char="•"/>
+            </a:pPr>
+            <a:r>
+              <a:rPr lang="en-US" dirty="0" err="1" smtClean="0"/>
+              <a:t>OpenTelemetry.Instrumentation.Http</a:t>
+            </a:r>
+            <a:endParaRPr lang="en-US" dirty="0" smtClean="0"/>
+          </a:p>
+          <a:p>
+            <a:pPr marL="800100" lvl="1" indent="-342900">
+              <a:buFont typeface="Arial" panose="020B0604020202020204" pitchFamily="34" charset="0"/>
+              <a:buChar char="•"/>
+            </a:pPr>
+            <a:r>
+              <a:rPr lang="en-US" dirty="0" err="1" smtClean="0"/>
+              <a:t>OpenTelemetry.Instrumentation.EntityFrameworkCore</a:t>
+            </a:r>
+            <a:endParaRPr lang="en-US" dirty="0" smtClean="0"/>
+          </a:p>
+          <a:p>
+            <a:pPr marL="800100" lvl="1" indent="-342900">
+              <a:buFont typeface="Arial" panose="020B0604020202020204" pitchFamily="34" charset="0"/>
+              <a:buChar char="•"/>
+            </a:pPr>
+            <a:r>
+              <a:rPr lang="en-US" dirty="0" err="1" smtClean="0"/>
+              <a:t>OpenTelemetry.Instrumentation.Wcf</a:t>
+            </a:r>
+            <a:endParaRPr lang="en-US" dirty="0" smtClean="0"/>
+          </a:p>
+          <a:p>
+            <a:pPr marL="342900" indent="-342900">
+              <a:buFont typeface="+mj-lt"/>
+              <a:buAutoNum type="arabicPeriod"/>
+            </a:pPr>
+            <a:r>
+              <a:rPr lang="ru-RU" dirty="0" smtClean="0"/>
+              <a:t>Настройте провайдер </a:t>
+            </a:r>
+            <a:r>
+              <a:rPr lang="ru-RU" dirty="0" err="1" smtClean="0"/>
+              <a:t>трейссировок</a:t>
+            </a:r>
+            <a:r>
+              <a:rPr lang="ru-RU" dirty="0" smtClean="0"/>
+              <a:t>, подключив </a:t>
+            </a:r>
+            <a:r>
+              <a:rPr lang="ru-RU" dirty="0" err="1" smtClean="0"/>
+              <a:t>инструментирование</a:t>
+            </a:r>
+            <a:r>
+              <a:rPr lang="ru-RU" dirty="0" smtClean="0"/>
+              <a:t> и </a:t>
+            </a:r>
+            <a:r>
+              <a:rPr lang="ru-RU" dirty="0" err="1" smtClean="0"/>
+              <a:t>экпортеры</a:t>
+            </a:r>
+            <a:endParaRPr lang="ru-RU" dirty="0"/>
+          </a:p>
+        </p:txBody>
+      </p:sp>
+    </p:spTree>
+    <p:extLst>
+      <p:ext uri="{BB962C8B-B14F-4D97-AF65-F5344CB8AC3E}">
+        <p14:creationId xmlns:p14="http://schemas.microsoft.com/office/powerpoint/2010/main" val="2119874801"/>
+      </p:ext>
+    </p:extLst>
+  </p:cSld>
+  <p:clrMapOvr>
+    <a:masterClrMapping/>
+  </p:clrMapOvr>
+  <p:timing>
+    <p:tnLst>
+      <p:par>
+        <p:cTn id="1" dur="indefinite" restart="never" nodeType="tmRoot"/>
+      </p:par>
+    </p:tnLst>
+  </p:timing>
+</p:sld>
+</file>
+
+<file path=ppt/slides/slide28.xml><?xml version="1.0" encoding="utf-8"?>
+<p:sld xmlns:a="http://schemas.openxmlformats.org/drawingml/2006/main" xmlns:r="http://schemas.openxmlformats.org/officeDocument/2006/relationships" xmlns:p="http://schemas.openxmlformats.org/presentationml/2006/main">
+  <p:cSld>
+    <p:spTree>
+      <p:nvGrpSpPr>
+        <p:cNvPr id="1" name=""/>
+        <p:cNvGrpSpPr/>
+        <p:nvPr/>
+      </p:nvGrpSpPr>
+      <p:grpSpPr>
+        <a:xfrm>
+          <a:off x="0" y="0"/>
+          <a:ext cx="0" cy="0"/>
+          <a:chOff x="0" y="0"/>
+          <a:chExt cx="0" cy="0"/>
+        </a:xfrm>
+      </p:grpSpPr>
+      <p:pic>
+        <p:nvPicPr>
+          <p:cNvPr id="4" name="Рисунок 3"/>
+          <p:cNvPicPr>
+            <a:picLocks noChangeAspect="1"/>
+          </p:cNvPicPr>
+          <p:nvPr/>
+        </p:nvPicPr>
+        <p:blipFill>
+          <a:blip r:embed="rId2"/>
+          <a:stretch>
+            <a:fillRect/>
+          </a:stretch>
+        </p:blipFill>
+        <p:spPr>
+          <a:xfrm>
+            <a:off x="8496300" y="143669"/>
+            <a:ext cx="2857500" cy="1076325"/>
+          </a:xfrm>
+          <a:prstGeom prst="rect">
+            <a:avLst/>
+          </a:prstGeom>
+        </p:spPr>
+      </p:pic>
+      <p:sp>
+        <p:nvSpPr>
+          <p:cNvPr id="20" name="TextBox 19"/>
+          <p:cNvSpPr txBox="1"/>
+          <p:nvPr/>
+        </p:nvSpPr>
+        <p:spPr>
+          <a:xfrm>
+            <a:off x="838200" y="1036873"/>
+            <a:ext cx="5986793" cy="584775"/>
+          </a:xfrm>
+          <a:prstGeom prst="rect">
+            <a:avLst/>
+          </a:prstGeom>
+          <a:noFill/>
+        </p:spPr>
+        <p:txBody>
+          <a:bodyPr wrap="square" rtlCol="0">
+            <a:spAutoFit/>
+          </a:bodyPr>
+          <a:lstStyle/>
+          <a:p>
+            <a:r>
+              <a:rPr lang="en-US" sz="2800" dirty="0" smtClean="0"/>
+              <a:t>OpenTelemetry</a:t>
+            </a:r>
+            <a:r>
+              <a:rPr lang="en-US" sz="3200" dirty="0" smtClean="0"/>
+              <a:t> DOTNET</a:t>
+            </a:r>
+            <a:endParaRPr lang="ru-RU" sz="3200" dirty="0"/>
+          </a:p>
+        </p:txBody>
+      </p:sp>
+      <p:sp>
+        <p:nvSpPr>
+          <p:cNvPr id="2" name="TextBox 1"/>
+          <p:cNvSpPr txBox="1"/>
+          <p:nvPr/>
+        </p:nvSpPr>
+        <p:spPr>
+          <a:xfrm>
+            <a:off x="838200" y="2926585"/>
+            <a:ext cx="5711820" cy="369332"/>
+          </a:xfrm>
+          <a:prstGeom prst="rect">
+            <a:avLst/>
+          </a:prstGeom>
+          <a:noFill/>
+        </p:spPr>
+        <p:txBody>
+          <a:bodyPr wrap="none" rtlCol="0">
+            <a:spAutoFit/>
+          </a:bodyPr>
+          <a:lstStyle/>
+          <a:p>
+            <a:r>
+              <a:rPr lang="en-US" dirty="0"/>
+              <a:t>https://github.com/open-telemetry/opentelemetry-dotnet</a:t>
+            </a:r>
+            <a:endParaRPr lang="ru-RU" dirty="0"/>
+          </a:p>
+        </p:txBody>
+      </p:sp>
+      <p:sp>
+        <p:nvSpPr>
+          <p:cNvPr id="3" name="TextBox 2"/>
+          <p:cNvSpPr txBox="1"/>
+          <p:nvPr/>
+        </p:nvSpPr>
+        <p:spPr>
+          <a:xfrm>
+            <a:off x="838200" y="1811547"/>
+            <a:ext cx="2440605" cy="523220"/>
+          </a:xfrm>
+          <a:prstGeom prst="rect">
+            <a:avLst/>
+          </a:prstGeom>
+          <a:noFill/>
+        </p:spPr>
+        <p:txBody>
+          <a:bodyPr wrap="none" rtlCol="0">
+            <a:spAutoFit/>
+          </a:bodyPr>
+          <a:lstStyle/>
+          <a:p>
+            <a:r>
+              <a:rPr lang="ru-RU" sz="2800" b="1" dirty="0" smtClean="0"/>
+              <a:t>Где всё взять ?</a:t>
+            </a:r>
+            <a:endParaRPr lang="ru-RU" sz="2800" b="1" dirty="0"/>
+          </a:p>
+        </p:txBody>
+      </p:sp>
+      <p:sp>
+        <p:nvSpPr>
+          <p:cNvPr id="5" name="TextBox 4"/>
+          <p:cNvSpPr txBox="1"/>
+          <p:nvPr/>
+        </p:nvSpPr>
+        <p:spPr>
+          <a:xfrm>
+            <a:off x="838200" y="3885926"/>
+            <a:ext cx="6451574" cy="369332"/>
+          </a:xfrm>
+          <a:prstGeom prst="rect">
+            <a:avLst/>
+          </a:prstGeom>
+          <a:noFill/>
+        </p:spPr>
+        <p:txBody>
+          <a:bodyPr wrap="none" rtlCol="0">
+            <a:spAutoFit/>
+          </a:bodyPr>
+          <a:lstStyle/>
+          <a:p>
+            <a:r>
+              <a:rPr lang="en-US" dirty="0"/>
+              <a:t>https://github.com/open-telemetry/opentelemetry-dotnet-contrib</a:t>
+            </a:r>
+            <a:endParaRPr lang="ru-RU" dirty="0"/>
+          </a:p>
+        </p:txBody>
+      </p:sp>
+      <p:sp>
+        <p:nvSpPr>
+          <p:cNvPr id="7" name="TextBox 6"/>
+          <p:cNvSpPr txBox="1"/>
+          <p:nvPr/>
+        </p:nvSpPr>
+        <p:spPr>
+          <a:xfrm>
+            <a:off x="838200" y="3485816"/>
+            <a:ext cx="5159682" cy="400110"/>
+          </a:xfrm>
+          <a:prstGeom prst="rect">
+            <a:avLst/>
+          </a:prstGeom>
+          <a:noFill/>
+        </p:spPr>
+        <p:txBody>
+          <a:bodyPr wrap="none" rtlCol="0">
+            <a:spAutoFit/>
+          </a:bodyPr>
+          <a:lstStyle/>
+          <a:p>
+            <a:r>
+              <a:rPr lang="ru-RU" sz="2000" dirty="0" err="1" smtClean="0"/>
+              <a:t>Дополнительнительное</a:t>
+            </a:r>
+            <a:r>
+              <a:rPr lang="ru-RU" sz="2000" dirty="0" smtClean="0"/>
+              <a:t> </a:t>
+            </a:r>
+            <a:r>
+              <a:rPr lang="ru-RU" sz="2000" dirty="0" err="1" smtClean="0"/>
+              <a:t>инструментирование</a:t>
+            </a:r>
+            <a:endParaRPr lang="ru-RU" sz="2000" dirty="0"/>
+          </a:p>
+        </p:txBody>
+      </p:sp>
+      <p:sp>
+        <p:nvSpPr>
+          <p:cNvPr id="8" name="TextBox 7"/>
+          <p:cNvSpPr txBox="1"/>
+          <p:nvPr/>
+        </p:nvSpPr>
+        <p:spPr>
+          <a:xfrm>
+            <a:off x="838200" y="2524666"/>
+            <a:ext cx="5931111" cy="400110"/>
+          </a:xfrm>
+          <a:prstGeom prst="rect">
+            <a:avLst/>
+          </a:prstGeom>
+          <a:noFill/>
+        </p:spPr>
+        <p:txBody>
+          <a:bodyPr wrap="none" rtlCol="0">
+            <a:spAutoFit/>
+          </a:bodyPr>
+          <a:lstStyle/>
+          <a:p>
+            <a:r>
+              <a:rPr lang="ru-RU" sz="2000" dirty="0" smtClean="0"/>
+              <a:t>Экспортеры, базовая функции, </a:t>
+            </a:r>
+            <a:r>
+              <a:rPr lang="ru-RU" sz="2000" dirty="0" err="1" smtClean="0"/>
+              <a:t>инструментирование</a:t>
+            </a:r>
+            <a:endParaRPr lang="ru-RU" sz="2000" dirty="0"/>
+          </a:p>
+        </p:txBody>
+      </p:sp>
+    </p:spTree>
+    <p:extLst>
+      <p:ext uri="{BB962C8B-B14F-4D97-AF65-F5344CB8AC3E}">
+        <p14:creationId xmlns:p14="http://schemas.microsoft.com/office/powerpoint/2010/main" val="4190754541"/>
+      </p:ext>
+    </p:extLst>
+  </p:cSld>
+  <p:clrMapOvr>
+    <a:masterClrMapping/>
+  </p:clrMapOvr>
+  <p:timing>
+    <p:tnLst>
+      <p:par>
+        <p:cTn id="1" dur="indefinite" restart="never" nodeType="tmRoot"/>
+      </p:par>
+    </p:tnLst>
+  </p:timing>
+</p:sld>
+</file>
+
+<file path=ppt/slides/slide29.xml><?xml version="1.0" encoding="utf-8"?>
+<p:sld xmlns:a="http://schemas.openxmlformats.org/drawingml/2006/main" xmlns:r="http://schemas.openxmlformats.org/officeDocument/2006/relationships" xmlns:p="http://schemas.openxmlformats.org/presentationml/2006/main">
+  <p:cSld>
+    <p:spTree>
+      <p:nvGrpSpPr>
+        <p:cNvPr id="1" name=""/>
+        <p:cNvGrpSpPr/>
+        <p:nvPr/>
+      </p:nvGrpSpPr>
+      <p:grpSpPr>
+        <a:xfrm>
+          <a:off x="0" y="0"/>
+          <a:ext cx="0" cy="0"/>
+          <a:chOff x="0" y="0"/>
+          <a:chExt cx="0" cy="0"/>
+        </a:xfrm>
+      </p:grpSpPr>
+      <p:pic>
+        <p:nvPicPr>
+          <p:cNvPr id="4" name="Рисунок 3"/>
+          <p:cNvPicPr>
+            <a:picLocks noChangeAspect="1"/>
+          </p:cNvPicPr>
+          <p:nvPr/>
+        </p:nvPicPr>
+        <p:blipFill>
+          <a:blip r:embed="rId2"/>
+          <a:stretch>
+            <a:fillRect/>
+          </a:stretch>
+        </p:blipFill>
+        <p:spPr>
+          <a:xfrm>
+            <a:off x="8496300" y="143669"/>
+            <a:ext cx="2857500" cy="1076325"/>
+          </a:xfrm>
+          <a:prstGeom prst="rect">
+            <a:avLst/>
+          </a:prstGeom>
+        </p:spPr>
+      </p:pic>
+      <p:sp>
+        <p:nvSpPr>
+          <p:cNvPr id="20" name="TextBox 19"/>
+          <p:cNvSpPr txBox="1"/>
+          <p:nvPr/>
+        </p:nvSpPr>
+        <p:spPr>
+          <a:xfrm>
+            <a:off x="838200" y="1036873"/>
+            <a:ext cx="5986793" cy="584775"/>
+          </a:xfrm>
+          <a:prstGeom prst="rect">
+            <a:avLst/>
+          </a:prstGeom>
+          <a:noFill/>
+        </p:spPr>
+        <p:txBody>
+          <a:bodyPr wrap="square" rtlCol="0">
+            <a:spAutoFit/>
+          </a:bodyPr>
+          <a:lstStyle/>
+          <a:p>
+            <a:r>
+              <a:rPr lang="en-US" sz="3200" dirty="0" smtClean="0"/>
+              <a:t>OpenTelemetry DOTNET</a:t>
+            </a:r>
+            <a:endParaRPr lang="ru-RU" sz="3200" dirty="0"/>
+          </a:p>
+        </p:txBody>
+      </p:sp>
+      <p:pic>
+        <p:nvPicPr>
+          <p:cNvPr id="37" name="Рисунок 36"/>
+          <p:cNvPicPr>
+            <a:picLocks noChangeAspect="1"/>
+          </p:cNvPicPr>
+          <p:nvPr/>
+        </p:nvPicPr>
+        <p:blipFill>
+          <a:blip r:embed="rId2"/>
+          <a:stretch>
+            <a:fillRect/>
+          </a:stretch>
+        </p:blipFill>
+        <p:spPr>
+          <a:xfrm>
+            <a:off x="838200" y="2117946"/>
+            <a:ext cx="2857500" cy="1076325"/>
+          </a:xfrm>
+          <a:prstGeom prst="rect">
+            <a:avLst/>
+          </a:prstGeom>
+        </p:spPr>
+      </p:pic>
+      <p:sp>
+        <p:nvSpPr>
+          <p:cNvPr id="11" name="Крест 10"/>
+          <p:cNvSpPr/>
+          <p:nvPr/>
+        </p:nvSpPr>
+        <p:spPr>
+          <a:xfrm>
+            <a:off x="3831596" y="2403918"/>
+            <a:ext cx="511804" cy="504382"/>
+          </a:xfrm>
+          <a:prstGeom prst="plus">
+            <a:avLst>
+              <a:gd name="adj" fmla="val 40278"/>
+            </a:avLst>
+          </a:prstGeom>
+          <a:solidFill>
+            <a:schemeClr val="tx1"/>
+          </a:solidFill>
+        </p:spPr>
+        <p:style>
+          <a:lnRef idx="2">
+            <a:schemeClr val="accent1">
+              <a:shade val="50000"/>
+            </a:schemeClr>
+          </a:lnRef>
+          <a:fillRef idx="1">
+            <a:schemeClr val="accent1"/>
+          </a:fillRef>
+          <a:effectRef idx="0">
+            <a:schemeClr val="accent1"/>
+          </a:effectRef>
+          <a:fontRef idx="minor">
+            <a:schemeClr val="lt1"/>
+          </a:fontRef>
+        </p:style>
+        <p:txBody>
+          <a:bodyPr rtlCol="0" anchor="ctr"/>
+          <a:lstStyle/>
+          <a:p>
+            <a:pPr algn="ctr"/>
+            <a:endParaRPr lang="ru-RU"/>
+          </a:p>
+        </p:txBody>
+      </p:sp>
+      <p:pic>
+        <p:nvPicPr>
+          <p:cNvPr id="4099" name="Picture 3" descr="Jaeger: open source, end-to-end distributed tracing"/>
+          <p:cNvPicPr>
+            <a:picLocks noChangeAspect="1" noChangeArrowheads="1"/>
+          </p:cNvPicPr>
+          <p:nvPr/>
+        </p:nvPicPr>
+        <p:blipFill>
+          <a:blip r:embed="rId3" cstate="print">
+            <a:extLst>
+              <a:ext uri="{28A0092B-C50C-407E-A947-70E740481C1C}">
+                <a14:useLocalDpi xmlns:a14="http://schemas.microsoft.com/office/drawing/2010/main" val="0"/>
+              </a:ext>
+            </a:extLst>
+          </a:blip>
+          <a:srcRect/>
+          <a:stretch>
+            <a:fillRect/>
+          </a:stretch>
+        </p:blipFill>
+        <p:spPr bwMode="auto">
+          <a:xfrm>
+            <a:off x="4729495" y="1725041"/>
+            <a:ext cx="1634494" cy="1862137"/>
+          </a:xfrm>
+          <a:prstGeom prst="rect">
+            <a:avLst/>
+          </a:prstGeom>
+          <a:noFill/>
+          <a:extLst>
+            <a:ext uri="{909E8E84-426E-40DD-AFC4-6F175D3DCCD1}">
+              <a14:hiddenFill xmlns:a14="http://schemas.microsoft.com/office/drawing/2010/main">
+                <a:solidFill>
+                  <a:srgbClr val="FFFFFF"/>
+                </a:solidFill>
+              </a14:hiddenFill>
+            </a:ext>
+          </a:extLst>
+        </p:spPr>
+      </p:pic>
+    </p:spTree>
+    <p:extLst>
+      <p:ext uri="{BB962C8B-B14F-4D97-AF65-F5344CB8AC3E}">
+        <p14:creationId xmlns:p14="http://schemas.microsoft.com/office/powerpoint/2010/main" val="456740924"/>
+      </p:ext>
+    </p:extLst>
+  </p:cSld>
+  <p:clrMapOvr>
+    <a:masterClrMapping/>
+  </p:clrMapOvr>
+  <p:timing>
+    <p:tnLst>
+      <p:par>
+        <p:cTn id="1" dur="indefinite" restart="never" nodeType="tmRoot"/>
+      </p:par>
+    </p:tnLst>
+  </p:timing>
 </p:sld>
 </file>
 
@@ -12082,6 +14216,3564 @@
     <p:extLst>
       <p:ext uri="{BB962C8B-B14F-4D97-AF65-F5344CB8AC3E}">
         <p14:creationId xmlns:p14="http://schemas.microsoft.com/office/powerpoint/2010/main" val="3692552909"/>
+      </p:ext>
+    </p:extLst>
+  </p:cSld>
+  <p:clrMapOvr>
+    <a:masterClrMapping/>
+  </p:clrMapOvr>
+  <p:timing>
+    <p:tnLst>
+      <p:par>
+        <p:cTn id="1" dur="indefinite" restart="never" nodeType="tmRoot"/>
+      </p:par>
+    </p:tnLst>
+  </p:timing>
+</p:sld>
+</file>
+
+<file path=ppt/slides/slide30.xml><?xml version="1.0" encoding="utf-8"?>
+<p:sld xmlns:a="http://schemas.openxmlformats.org/drawingml/2006/main" xmlns:r="http://schemas.openxmlformats.org/officeDocument/2006/relationships" xmlns:p="http://schemas.openxmlformats.org/presentationml/2006/main">
+  <p:cSld>
+    <p:spTree>
+      <p:nvGrpSpPr>
+        <p:cNvPr id="1" name=""/>
+        <p:cNvGrpSpPr/>
+        <p:nvPr/>
+      </p:nvGrpSpPr>
+      <p:grpSpPr>
+        <a:xfrm>
+          <a:off x="0" y="0"/>
+          <a:ext cx="0" cy="0"/>
+          <a:chOff x="0" y="0"/>
+          <a:chExt cx="0" cy="0"/>
+        </a:xfrm>
+      </p:grpSpPr>
+      <p:pic>
+        <p:nvPicPr>
+          <p:cNvPr id="4" name="Рисунок 3"/>
+          <p:cNvPicPr>
+            <a:picLocks noChangeAspect="1"/>
+          </p:cNvPicPr>
+          <p:nvPr/>
+        </p:nvPicPr>
+        <p:blipFill>
+          <a:blip r:embed="rId2"/>
+          <a:stretch>
+            <a:fillRect/>
+          </a:stretch>
+        </p:blipFill>
+        <p:spPr>
+          <a:xfrm>
+            <a:off x="8496300" y="143669"/>
+            <a:ext cx="2857500" cy="1076325"/>
+          </a:xfrm>
+          <a:prstGeom prst="rect">
+            <a:avLst/>
+          </a:prstGeom>
+        </p:spPr>
+      </p:pic>
+      <p:sp>
+        <p:nvSpPr>
+          <p:cNvPr id="20" name="TextBox 19"/>
+          <p:cNvSpPr txBox="1"/>
+          <p:nvPr/>
+        </p:nvSpPr>
+        <p:spPr>
+          <a:xfrm>
+            <a:off x="838200" y="1036873"/>
+            <a:ext cx="5986793" cy="584775"/>
+          </a:xfrm>
+          <a:prstGeom prst="rect">
+            <a:avLst/>
+          </a:prstGeom>
+          <a:noFill/>
+        </p:spPr>
+        <p:txBody>
+          <a:bodyPr wrap="square" rtlCol="0">
+            <a:spAutoFit/>
+          </a:bodyPr>
+          <a:lstStyle/>
+          <a:p>
+            <a:r>
+              <a:rPr lang="en-US" sz="3200" dirty="0" smtClean="0"/>
+              <a:t>OpenTelemetry + JAEGER</a:t>
+            </a:r>
+            <a:endParaRPr lang="ru-RU" sz="3200" dirty="0"/>
+          </a:p>
+        </p:txBody>
+      </p:sp>
+      <p:sp>
+        <p:nvSpPr>
+          <p:cNvPr id="2" name="TextBox 1"/>
+          <p:cNvSpPr txBox="1"/>
+          <p:nvPr/>
+        </p:nvSpPr>
+        <p:spPr>
+          <a:xfrm>
+            <a:off x="838200" y="2133600"/>
+            <a:ext cx="2349500" cy="2019300"/>
+          </a:xfrm>
+          <a:prstGeom prst="rect">
+            <a:avLst/>
+          </a:prstGeom>
+          <a:solidFill>
+            <a:schemeClr val="accent5">
+              <a:lumMod val="20000"/>
+              <a:lumOff val="80000"/>
+            </a:schemeClr>
+          </a:solidFill>
+          <a:ln>
+            <a:solidFill>
+              <a:schemeClr val="tx1"/>
+            </a:solidFill>
+            <a:prstDash val="dash"/>
+          </a:ln>
+        </p:spPr>
+        <p:txBody>
+          <a:bodyPr wrap="square" rtlCol="0">
+            <a:noAutofit/>
+          </a:bodyPr>
+          <a:lstStyle/>
+          <a:p>
+            <a:endParaRPr lang="ru-RU" dirty="0"/>
+          </a:p>
+        </p:txBody>
+      </p:sp>
+      <p:sp>
+        <p:nvSpPr>
+          <p:cNvPr id="6" name="TextBox 5"/>
+          <p:cNvSpPr txBox="1"/>
+          <p:nvPr/>
+        </p:nvSpPr>
+        <p:spPr>
+          <a:xfrm>
+            <a:off x="990600" y="3498334"/>
+            <a:ext cx="2057400" cy="369332"/>
+          </a:xfrm>
+          <a:prstGeom prst="rect">
+            <a:avLst/>
+          </a:prstGeom>
+          <a:solidFill>
+            <a:schemeClr val="accent6">
+              <a:lumMod val="40000"/>
+              <a:lumOff val="60000"/>
+            </a:schemeClr>
+          </a:solidFill>
+          <a:ln>
+            <a:solidFill>
+              <a:schemeClr val="tx1">
+                <a:lumMod val="65000"/>
+                <a:lumOff val="35000"/>
+              </a:schemeClr>
+            </a:solidFill>
+          </a:ln>
+        </p:spPr>
+        <p:txBody>
+          <a:bodyPr wrap="square" rtlCol="0">
+            <a:spAutoFit/>
+          </a:bodyPr>
+          <a:lstStyle/>
+          <a:p>
+            <a:r>
+              <a:rPr lang="en-US" dirty="0" err="1" smtClean="0"/>
+              <a:t>OpenTelemetry.SDK</a:t>
+            </a:r>
+            <a:endParaRPr lang="ru-RU" dirty="0"/>
+          </a:p>
+        </p:txBody>
+      </p:sp>
+      <p:sp>
+        <p:nvSpPr>
+          <p:cNvPr id="9" name="TextBox 8"/>
+          <p:cNvSpPr txBox="1"/>
+          <p:nvPr/>
+        </p:nvSpPr>
+        <p:spPr>
+          <a:xfrm>
+            <a:off x="990600" y="2729984"/>
+            <a:ext cx="2057400" cy="369332"/>
+          </a:xfrm>
+          <a:prstGeom prst="rect">
+            <a:avLst/>
+          </a:prstGeom>
+          <a:solidFill>
+            <a:schemeClr val="accent4">
+              <a:lumMod val="40000"/>
+              <a:lumOff val="60000"/>
+            </a:schemeClr>
+          </a:solidFill>
+          <a:ln>
+            <a:solidFill>
+              <a:schemeClr val="tx1">
+                <a:lumMod val="65000"/>
+                <a:lumOff val="35000"/>
+              </a:schemeClr>
+            </a:solidFill>
+          </a:ln>
+        </p:spPr>
+        <p:txBody>
+          <a:bodyPr wrap="square" rtlCol="0">
+            <a:spAutoFit/>
+          </a:bodyPr>
+          <a:lstStyle/>
+          <a:p>
+            <a:r>
+              <a:rPr lang="en-US" dirty="0" smtClean="0"/>
+              <a:t>.NET Application</a:t>
+            </a:r>
+            <a:endParaRPr lang="ru-RU" dirty="0"/>
+          </a:p>
+        </p:txBody>
+      </p:sp>
+      <p:sp>
+        <p:nvSpPr>
+          <p:cNvPr id="10" name="TextBox 9"/>
+          <p:cNvSpPr txBox="1"/>
+          <p:nvPr/>
+        </p:nvSpPr>
+        <p:spPr>
+          <a:xfrm>
+            <a:off x="990600" y="3110468"/>
+            <a:ext cx="2057400" cy="369332"/>
+          </a:xfrm>
+          <a:prstGeom prst="rect">
+            <a:avLst/>
+          </a:prstGeom>
+          <a:solidFill>
+            <a:schemeClr val="accent4">
+              <a:lumMod val="40000"/>
+              <a:lumOff val="60000"/>
+            </a:schemeClr>
+          </a:solidFill>
+          <a:ln>
+            <a:solidFill>
+              <a:schemeClr val="tx1">
+                <a:lumMod val="65000"/>
+                <a:lumOff val="35000"/>
+              </a:schemeClr>
+            </a:solidFill>
+          </a:ln>
+        </p:spPr>
+        <p:txBody>
+          <a:bodyPr wrap="square" rtlCol="0">
+            <a:spAutoFit/>
+          </a:bodyPr>
+          <a:lstStyle/>
+          <a:p>
+            <a:r>
+              <a:rPr lang="en-US" dirty="0" smtClean="0"/>
+              <a:t>Instrumentation</a:t>
+            </a:r>
+            <a:endParaRPr lang="ru-RU" dirty="0"/>
+          </a:p>
+        </p:txBody>
+      </p:sp>
+      <p:sp>
+        <p:nvSpPr>
+          <p:cNvPr id="11" name="TextBox 10"/>
+          <p:cNvSpPr txBox="1"/>
+          <p:nvPr/>
+        </p:nvSpPr>
+        <p:spPr>
+          <a:xfrm>
+            <a:off x="4312294" y="3110984"/>
+            <a:ext cx="1381754" cy="1333500"/>
+          </a:xfrm>
+          <a:prstGeom prst="rect">
+            <a:avLst/>
+          </a:prstGeom>
+          <a:solidFill>
+            <a:schemeClr val="accent6">
+              <a:lumMod val="60000"/>
+              <a:lumOff val="40000"/>
+            </a:schemeClr>
+          </a:solidFill>
+          <a:ln>
+            <a:solidFill>
+              <a:schemeClr val="tx1"/>
+            </a:solidFill>
+            <a:prstDash val="dash"/>
+          </a:ln>
+        </p:spPr>
+        <p:txBody>
+          <a:bodyPr wrap="square" rtlCol="0">
+            <a:noAutofit/>
+          </a:bodyPr>
+          <a:lstStyle/>
+          <a:p>
+            <a:pPr algn="ctr"/>
+            <a:r>
+              <a:rPr lang="en-US" dirty="0" smtClean="0"/>
+              <a:t>JAEGER </a:t>
+            </a:r>
+          </a:p>
+          <a:p>
+            <a:pPr algn="ctr"/>
+            <a:r>
+              <a:rPr lang="en-US" dirty="0" smtClean="0"/>
+              <a:t>COLLECTOR</a:t>
+            </a:r>
+            <a:endParaRPr lang="ru-RU" dirty="0"/>
+          </a:p>
+        </p:txBody>
+      </p:sp>
+      <p:sp>
+        <p:nvSpPr>
+          <p:cNvPr id="13" name="TextBox 12"/>
+          <p:cNvSpPr txBox="1"/>
+          <p:nvPr/>
+        </p:nvSpPr>
+        <p:spPr>
+          <a:xfrm>
+            <a:off x="7778750" y="2964164"/>
+            <a:ext cx="1435100" cy="1480320"/>
+          </a:xfrm>
+          <a:prstGeom prst="rect">
+            <a:avLst/>
+          </a:prstGeom>
+          <a:solidFill>
+            <a:schemeClr val="accent6">
+              <a:lumMod val="60000"/>
+              <a:lumOff val="40000"/>
+            </a:schemeClr>
+          </a:solidFill>
+          <a:ln>
+            <a:solidFill>
+              <a:schemeClr val="tx1"/>
+            </a:solidFill>
+            <a:prstDash val="dash"/>
+          </a:ln>
+        </p:spPr>
+        <p:txBody>
+          <a:bodyPr wrap="square" rtlCol="0">
+            <a:noAutofit/>
+          </a:bodyPr>
+          <a:lstStyle/>
+          <a:p>
+            <a:pPr algn="ctr"/>
+            <a:r>
+              <a:rPr lang="en-US" dirty="0" smtClean="0"/>
+              <a:t>JAEGER </a:t>
+            </a:r>
+          </a:p>
+          <a:p>
+            <a:pPr algn="ctr"/>
+            <a:r>
+              <a:rPr lang="en-US" dirty="0" smtClean="0"/>
+              <a:t>QUERY</a:t>
+            </a:r>
+            <a:endParaRPr lang="ru-RU" dirty="0"/>
+          </a:p>
+        </p:txBody>
+      </p:sp>
+      <p:sp>
+        <p:nvSpPr>
+          <p:cNvPr id="8" name="Цилиндр 7"/>
+          <p:cNvSpPr/>
+          <p:nvPr/>
+        </p:nvSpPr>
+        <p:spPr>
+          <a:xfrm>
+            <a:off x="5972684" y="5050455"/>
+            <a:ext cx="1320800" cy="558800"/>
+          </a:xfrm>
+          <a:prstGeom prst="can">
+            <a:avLst/>
+          </a:prstGeom>
+        </p:spPr>
+        <p:style>
+          <a:lnRef idx="2">
+            <a:schemeClr val="accent1">
+              <a:shade val="50000"/>
+            </a:schemeClr>
+          </a:lnRef>
+          <a:fillRef idx="1">
+            <a:schemeClr val="accent1"/>
+          </a:fillRef>
+          <a:effectRef idx="0">
+            <a:schemeClr val="accent1"/>
+          </a:effectRef>
+          <a:fontRef idx="minor">
+            <a:schemeClr val="lt1"/>
+          </a:fontRef>
+        </p:style>
+        <p:txBody>
+          <a:bodyPr rtlCol="0" anchor="ctr"/>
+          <a:lstStyle/>
+          <a:p>
+            <a:pPr algn="ctr"/>
+            <a:endParaRPr lang="ru-RU"/>
+          </a:p>
+        </p:txBody>
+      </p:sp>
+      <p:sp>
+        <p:nvSpPr>
+          <p:cNvPr id="14" name="Прямоугольник 13"/>
+          <p:cNvSpPr/>
+          <p:nvPr/>
+        </p:nvSpPr>
+        <p:spPr>
+          <a:xfrm>
+            <a:off x="7880350" y="3687286"/>
+            <a:ext cx="1219200" cy="572532"/>
+          </a:xfrm>
+          <a:prstGeom prst="rect">
+            <a:avLst/>
+          </a:prstGeom>
+        </p:spPr>
+        <p:style>
+          <a:lnRef idx="2">
+            <a:schemeClr val="accent1">
+              <a:shade val="50000"/>
+            </a:schemeClr>
+          </a:lnRef>
+          <a:fillRef idx="1">
+            <a:schemeClr val="accent1"/>
+          </a:fillRef>
+          <a:effectRef idx="0">
+            <a:schemeClr val="accent1"/>
+          </a:effectRef>
+          <a:fontRef idx="minor">
+            <a:schemeClr val="lt1"/>
+          </a:fontRef>
+        </p:style>
+        <p:txBody>
+          <a:bodyPr rtlCol="0" anchor="ctr"/>
+          <a:lstStyle/>
+          <a:p>
+            <a:pPr algn="ctr"/>
+            <a:r>
+              <a:rPr lang="en-US" dirty="0" smtClean="0"/>
+              <a:t>JAEGER UI</a:t>
+            </a:r>
+            <a:endParaRPr lang="ru-RU" dirty="0"/>
+          </a:p>
+        </p:txBody>
+      </p:sp>
+      <p:cxnSp>
+        <p:nvCxnSpPr>
+          <p:cNvPr id="21" name="Прямая со стрелкой 20"/>
+          <p:cNvCxnSpPr>
+            <a:stCxn id="6" idx="3"/>
+          </p:cNvCxnSpPr>
+          <p:nvPr/>
+        </p:nvCxnSpPr>
+        <p:spPr>
+          <a:xfrm>
+            <a:off x="3048000" y="3683000"/>
+            <a:ext cx="1264294" cy="4286"/>
+          </a:xfrm>
+          <a:prstGeom prst="straightConnector1">
+            <a:avLst/>
+          </a:prstGeom>
+          <a:ln w="38100">
+            <a:tailEnd type="triangle"/>
+          </a:ln>
+        </p:spPr>
+        <p:style>
+          <a:lnRef idx="1">
+            <a:schemeClr val="accent1"/>
+          </a:lnRef>
+          <a:fillRef idx="0">
+            <a:schemeClr val="accent1"/>
+          </a:fillRef>
+          <a:effectRef idx="0">
+            <a:schemeClr val="accent1"/>
+          </a:effectRef>
+          <a:fontRef idx="minor">
+            <a:schemeClr val="tx1"/>
+          </a:fontRef>
+        </p:style>
+      </p:cxnSp>
+      <p:cxnSp>
+        <p:nvCxnSpPr>
+          <p:cNvPr id="23" name="Соединительная линия уступом 22"/>
+          <p:cNvCxnSpPr>
+            <a:stCxn id="11" idx="3"/>
+          </p:cNvCxnSpPr>
+          <p:nvPr/>
+        </p:nvCxnSpPr>
+        <p:spPr>
+          <a:xfrm>
+            <a:off x="5694048" y="3777734"/>
+            <a:ext cx="704528" cy="1272721"/>
+          </a:xfrm>
+          <a:prstGeom prst="bentConnector2">
+            <a:avLst/>
+          </a:prstGeom>
+          <a:ln w="31750">
+            <a:tailEnd type="triangle"/>
+          </a:ln>
+        </p:spPr>
+        <p:style>
+          <a:lnRef idx="1">
+            <a:schemeClr val="accent1"/>
+          </a:lnRef>
+          <a:fillRef idx="0">
+            <a:schemeClr val="accent1"/>
+          </a:fillRef>
+          <a:effectRef idx="0">
+            <a:schemeClr val="accent1"/>
+          </a:effectRef>
+          <a:fontRef idx="minor">
+            <a:schemeClr val="tx1"/>
+          </a:fontRef>
+        </p:style>
+      </p:cxnSp>
+      <p:cxnSp>
+        <p:nvCxnSpPr>
+          <p:cNvPr id="25" name="Соединительная линия уступом 24"/>
+          <p:cNvCxnSpPr>
+            <a:stCxn id="13" idx="1"/>
+          </p:cNvCxnSpPr>
+          <p:nvPr/>
+        </p:nvCxnSpPr>
+        <p:spPr>
+          <a:xfrm rot="10800000" flipV="1">
+            <a:off x="6790696" y="3704324"/>
+            <a:ext cx="988054" cy="1346130"/>
+          </a:xfrm>
+          <a:prstGeom prst="bentConnector2">
+            <a:avLst/>
+          </a:prstGeom>
+          <a:ln w="38100">
+            <a:tailEnd type="triangle"/>
+          </a:ln>
+        </p:spPr>
+        <p:style>
+          <a:lnRef idx="1">
+            <a:schemeClr val="accent1"/>
+          </a:lnRef>
+          <a:fillRef idx="0">
+            <a:schemeClr val="accent1"/>
+          </a:fillRef>
+          <a:effectRef idx="0">
+            <a:schemeClr val="accent1"/>
+          </a:effectRef>
+          <a:fontRef idx="minor">
+            <a:schemeClr val="tx1"/>
+          </a:fontRef>
+        </p:style>
+      </p:cxnSp>
+      <p:pic>
+        <p:nvPicPr>
+          <p:cNvPr id="6146" name="Picture 2" descr="Internet Tips: Choosing a Web Browser"/>
+          <p:cNvPicPr>
+            <a:picLocks noChangeAspect="1" noChangeArrowheads="1"/>
+          </p:cNvPicPr>
+          <p:nvPr/>
+        </p:nvPicPr>
+        <p:blipFill>
+          <a:blip r:embed="rId3" cstate="print">
+            <a:extLst>
+              <a:ext uri="{28A0092B-C50C-407E-A947-70E740481C1C}">
+                <a14:useLocalDpi xmlns:a14="http://schemas.microsoft.com/office/drawing/2010/main" val="0"/>
+              </a:ext>
+            </a:extLst>
+          </a:blip>
+          <a:srcRect/>
+          <a:stretch>
+            <a:fillRect/>
+          </a:stretch>
+        </p:blipFill>
+        <p:spPr bwMode="auto">
+          <a:xfrm>
+            <a:off x="10508992" y="3587234"/>
+            <a:ext cx="781308" cy="781308"/>
+          </a:xfrm>
+          <a:prstGeom prst="rect">
+            <a:avLst/>
+          </a:prstGeom>
+          <a:noFill/>
+          <a:extLst>
+            <a:ext uri="{909E8E84-426E-40DD-AFC4-6F175D3DCCD1}">
+              <a14:hiddenFill xmlns:a14="http://schemas.microsoft.com/office/drawing/2010/main">
+                <a:solidFill>
+                  <a:srgbClr val="FFFFFF"/>
+                </a:solidFill>
+              </a14:hiddenFill>
+            </a:ext>
+          </a:extLst>
+        </p:spPr>
+      </p:pic>
+      <p:cxnSp>
+        <p:nvCxnSpPr>
+          <p:cNvPr id="27" name="Прямая со стрелкой 26"/>
+          <p:cNvCxnSpPr>
+            <a:stCxn id="6146" idx="1"/>
+            <a:endCxn id="14" idx="3"/>
+          </p:cNvCxnSpPr>
+          <p:nvPr/>
+        </p:nvCxnSpPr>
+        <p:spPr>
+          <a:xfrm flipH="1" flipV="1">
+            <a:off x="9099550" y="3973552"/>
+            <a:ext cx="1409442" cy="4336"/>
+          </a:xfrm>
+          <a:prstGeom prst="straightConnector1">
+            <a:avLst/>
+          </a:prstGeom>
+          <a:ln w="38100">
+            <a:tailEnd type="triangle"/>
+          </a:ln>
+        </p:spPr>
+        <p:style>
+          <a:lnRef idx="1">
+            <a:schemeClr val="accent1"/>
+          </a:lnRef>
+          <a:fillRef idx="0">
+            <a:schemeClr val="accent1"/>
+          </a:fillRef>
+          <a:effectRef idx="0">
+            <a:schemeClr val="accent1"/>
+          </a:effectRef>
+          <a:fontRef idx="minor">
+            <a:schemeClr val="tx1"/>
+          </a:fontRef>
+        </p:style>
+      </p:cxnSp>
+      <p:pic>
+        <p:nvPicPr>
+          <p:cNvPr id="6148" name="Picture 4" descr="Elastic NV - Wikipedia"/>
+          <p:cNvPicPr>
+            <a:picLocks noChangeAspect="1" noChangeArrowheads="1"/>
+          </p:cNvPicPr>
+          <p:nvPr/>
+        </p:nvPicPr>
+        <p:blipFill>
+          <a:blip r:embed="rId4" cstate="print">
+            <a:extLst>
+              <a:ext uri="{28A0092B-C50C-407E-A947-70E740481C1C}">
+                <a14:useLocalDpi xmlns:a14="http://schemas.microsoft.com/office/drawing/2010/main" val="0"/>
+              </a:ext>
+            </a:extLst>
+          </a:blip>
+          <a:srcRect/>
+          <a:stretch>
+            <a:fillRect/>
+          </a:stretch>
+        </p:blipFill>
+        <p:spPr bwMode="auto">
+          <a:xfrm>
+            <a:off x="5103055" y="4379002"/>
+            <a:ext cx="1131573" cy="1131573"/>
+          </a:xfrm>
+          <a:prstGeom prst="rect">
+            <a:avLst/>
+          </a:prstGeom>
+          <a:noFill/>
+          <a:extLst>
+            <a:ext uri="{909E8E84-426E-40DD-AFC4-6F175D3DCCD1}">
+              <a14:hiddenFill xmlns:a14="http://schemas.microsoft.com/office/drawing/2010/main">
+                <a:solidFill>
+                  <a:srgbClr val="FFFFFF"/>
+                </a:solidFill>
+              </a14:hiddenFill>
+            </a:ext>
+          </a:extLst>
+        </p:spPr>
+      </p:pic>
+      <p:sp>
+        <p:nvSpPr>
+          <p:cNvPr id="29" name="TextBox 28"/>
+          <p:cNvSpPr txBox="1"/>
+          <p:nvPr/>
+        </p:nvSpPr>
+        <p:spPr>
+          <a:xfrm>
+            <a:off x="3260575" y="3364468"/>
+            <a:ext cx="660758" cy="646331"/>
+          </a:xfrm>
+          <a:prstGeom prst="rect">
+            <a:avLst/>
+          </a:prstGeom>
+          <a:noFill/>
+        </p:spPr>
+        <p:txBody>
+          <a:bodyPr wrap="none" rtlCol="0">
+            <a:spAutoFit/>
+          </a:bodyPr>
+          <a:lstStyle/>
+          <a:p>
+            <a:r>
+              <a:rPr lang="en-US" dirty="0" smtClean="0"/>
+              <a:t>OTLP</a:t>
+            </a:r>
+          </a:p>
+          <a:p>
+            <a:r>
+              <a:rPr lang="en-US" dirty="0" err="1" smtClean="0"/>
+              <a:t>gRPC</a:t>
+            </a:r>
+            <a:endParaRPr lang="ru-RU" dirty="0"/>
+          </a:p>
+        </p:txBody>
+      </p:sp>
+      <p:sp>
+        <p:nvSpPr>
+          <p:cNvPr id="32" name="TextBox 31"/>
+          <p:cNvSpPr txBox="1"/>
+          <p:nvPr/>
+        </p:nvSpPr>
+        <p:spPr>
+          <a:xfrm>
+            <a:off x="9523860" y="3604220"/>
+            <a:ext cx="675121" cy="369332"/>
+          </a:xfrm>
+          <a:prstGeom prst="rect">
+            <a:avLst/>
+          </a:prstGeom>
+          <a:noFill/>
+        </p:spPr>
+        <p:txBody>
+          <a:bodyPr wrap="none" rtlCol="0">
+            <a:spAutoFit/>
+          </a:bodyPr>
+          <a:lstStyle/>
+          <a:p>
+            <a:r>
+              <a:rPr lang="en-US" dirty="0" smtClean="0"/>
+              <a:t>HTTP</a:t>
+            </a:r>
+            <a:endParaRPr lang="ru-RU" dirty="0"/>
+          </a:p>
+        </p:txBody>
+      </p:sp>
+      <p:sp>
+        <p:nvSpPr>
+          <p:cNvPr id="33" name="TextBox 32"/>
+          <p:cNvSpPr txBox="1"/>
+          <p:nvPr/>
+        </p:nvSpPr>
+        <p:spPr>
+          <a:xfrm>
+            <a:off x="5688655" y="3450788"/>
+            <a:ext cx="675121" cy="369332"/>
+          </a:xfrm>
+          <a:prstGeom prst="rect">
+            <a:avLst/>
+          </a:prstGeom>
+          <a:noFill/>
+        </p:spPr>
+        <p:txBody>
+          <a:bodyPr wrap="none" rtlCol="0">
+            <a:spAutoFit/>
+          </a:bodyPr>
+          <a:lstStyle/>
+          <a:p>
+            <a:r>
+              <a:rPr lang="en-US" dirty="0" smtClean="0"/>
+              <a:t>HTTP</a:t>
+            </a:r>
+            <a:endParaRPr lang="ru-RU" dirty="0"/>
+          </a:p>
+        </p:txBody>
+      </p:sp>
+      <p:sp>
+        <p:nvSpPr>
+          <p:cNvPr id="34" name="TextBox 33"/>
+          <p:cNvSpPr txBox="1"/>
+          <p:nvPr/>
+        </p:nvSpPr>
+        <p:spPr>
+          <a:xfrm>
+            <a:off x="6824993" y="3216353"/>
+            <a:ext cx="675121" cy="369332"/>
+          </a:xfrm>
+          <a:prstGeom prst="rect">
+            <a:avLst/>
+          </a:prstGeom>
+          <a:noFill/>
+        </p:spPr>
+        <p:txBody>
+          <a:bodyPr wrap="none" rtlCol="0">
+            <a:spAutoFit/>
+          </a:bodyPr>
+          <a:lstStyle/>
+          <a:p>
+            <a:r>
+              <a:rPr lang="en-US" dirty="0" smtClean="0"/>
+              <a:t>HTTP</a:t>
+            </a:r>
+            <a:endParaRPr lang="ru-RU" dirty="0"/>
+          </a:p>
+        </p:txBody>
+      </p:sp>
+      <p:sp>
+        <p:nvSpPr>
+          <p:cNvPr id="35" name="TextBox 34"/>
+          <p:cNvSpPr txBox="1"/>
+          <p:nvPr/>
+        </p:nvSpPr>
+        <p:spPr>
+          <a:xfrm>
+            <a:off x="7841109" y="5155168"/>
+            <a:ext cx="2667883" cy="369332"/>
+          </a:xfrm>
+          <a:prstGeom prst="rect">
+            <a:avLst/>
+          </a:prstGeom>
+          <a:solidFill>
+            <a:schemeClr val="accent6">
+              <a:lumMod val="20000"/>
+              <a:lumOff val="80000"/>
+            </a:schemeClr>
+          </a:solidFill>
+          <a:ln>
+            <a:solidFill>
+              <a:schemeClr val="tx1">
+                <a:lumMod val="65000"/>
+                <a:lumOff val="35000"/>
+              </a:schemeClr>
+            </a:solidFill>
+          </a:ln>
+        </p:spPr>
+        <p:txBody>
+          <a:bodyPr wrap="square" rtlCol="0">
+            <a:spAutoFit/>
+          </a:bodyPr>
+          <a:lstStyle/>
+          <a:p>
+            <a:r>
+              <a:rPr lang="en-US" b="1" dirty="0" smtClean="0"/>
+              <a:t>jaeger-span-</a:t>
+            </a:r>
+            <a:r>
+              <a:rPr lang="en-US" b="1" dirty="0" err="1" smtClean="0"/>
+              <a:t>nnnn</a:t>
+            </a:r>
+            <a:endParaRPr lang="ru-RU" dirty="0"/>
+          </a:p>
+        </p:txBody>
+      </p:sp>
+      <p:sp>
+        <p:nvSpPr>
+          <p:cNvPr id="36" name="TextBox 35"/>
+          <p:cNvSpPr txBox="1"/>
+          <p:nvPr/>
+        </p:nvSpPr>
+        <p:spPr>
+          <a:xfrm>
+            <a:off x="7841109" y="5555980"/>
+            <a:ext cx="2667883" cy="369332"/>
+          </a:xfrm>
+          <a:prstGeom prst="rect">
+            <a:avLst/>
+          </a:prstGeom>
+          <a:solidFill>
+            <a:schemeClr val="accent2">
+              <a:lumMod val="20000"/>
+              <a:lumOff val="80000"/>
+            </a:schemeClr>
+          </a:solidFill>
+          <a:ln>
+            <a:solidFill>
+              <a:schemeClr val="tx1">
+                <a:lumMod val="65000"/>
+                <a:lumOff val="35000"/>
+              </a:schemeClr>
+            </a:solidFill>
+          </a:ln>
+        </p:spPr>
+        <p:txBody>
+          <a:bodyPr wrap="square" rtlCol="0">
+            <a:spAutoFit/>
+          </a:bodyPr>
+          <a:lstStyle/>
+          <a:p>
+            <a:r>
+              <a:rPr lang="en-US" b="1" dirty="0" smtClean="0"/>
+              <a:t>jaeger-service-</a:t>
+            </a:r>
+            <a:r>
+              <a:rPr lang="en-US" b="1" dirty="0" err="1" smtClean="0"/>
+              <a:t>nnnn</a:t>
+            </a:r>
+            <a:endParaRPr lang="ru-RU" dirty="0"/>
+          </a:p>
+        </p:txBody>
+      </p:sp>
+      <p:sp>
+        <p:nvSpPr>
+          <p:cNvPr id="37" name="TextBox 36"/>
+          <p:cNvSpPr txBox="1"/>
+          <p:nvPr/>
+        </p:nvSpPr>
+        <p:spPr>
+          <a:xfrm>
+            <a:off x="7841109" y="5959220"/>
+            <a:ext cx="2667883" cy="369332"/>
+          </a:xfrm>
+          <a:prstGeom prst="rect">
+            <a:avLst/>
+          </a:prstGeom>
+          <a:solidFill>
+            <a:schemeClr val="tx2">
+              <a:lumMod val="20000"/>
+              <a:lumOff val="80000"/>
+            </a:schemeClr>
+          </a:solidFill>
+          <a:ln>
+            <a:solidFill>
+              <a:schemeClr val="tx1">
+                <a:lumMod val="65000"/>
+                <a:lumOff val="35000"/>
+              </a:schemeClr>
+            </a:solidFill>
+          </a:ln>
+        </p:spPr>
+        <p:txBody>
+          <a:bodyPr wrap="square" rtlCol="0">
+            <a:spAutoFit/>
+          </a:bodyPr>
+          <a:lstStyle/>
+          <a:p>
+            <a:r>
+              <a:rPr lang="en-US" b="1" dirty="0" smtClean="0"/>
+              <a:t>jaeger-dependencies-</a:t>
+            </a:r>
+            <a:r>
+              <a:rPr lang="en-US" b="1" dirty="0" err="1" smtClean="0"/>
+              <a:t>nnn</a:t>
+            </a:r>
+            <a:endParaRPr lang="en-US" b="1" dirty="0"/>
+          </a:p>
+        </p:txBody>
+      </p:sp>
+      <p:cxnSp>
+        <p:nvCxnSpPr>
+          <p:cNvPr id="39" name="Соединительная линия уступом 38"/>
+          <p:cNvCxnSpPr>
+            <a:stCxn id="8" idx="4"/>
+            <a:endCxn id="37" idx="1"/>
+          </p:cNvCxnSpPr>
+          <p:nvPr/>
+        </p:nvCxnSpPr>
+        <p:spPr>
+          <a:xfrm>
+            <a:off x="7293484" y="5329855"/>
+            <a:ext cx="547625" cy="814031"/>
+          </a:xfrm>
+          <a:prstGeom prst="bentConnector3">
+            <a:avLst/>
+          </a:prstGeom>
+          <a:ln w="19050">
+            <a:tailEnd type="arrow"/>
+          </a:ln>
+        </p:spPr>
+        <p:style>
+          <a:lnRef idx="1">
+            <a:schemeClr val="accent1"/>
+          </a:lnRef>
+          <a:fillRef idx="0">
+            <a:schemeClr val="accent1"/>
+          </a:fillRef>
+          <a:effectRef idx="0">
+            <a:schemeClr val="accent1"/>
+          </a:effectRef>
+          <a:fontRef idx="minor">
+            <a:schemeClr val="tx1"/>
+          </a:fontRef>
+        </p:style>
+      </p:cxnSp>
+      <p:cxnSp>
+        <p:nvCxnSpPr>
+          <p:cNvPr id="41" name="Прямая со стрелкой 40"/>
+          <p:cNvCxnSpPr>
+            <a:stCxn id="8" idx="4"/>
+            <a:endCxn id="35" idx="1"/>
+          </p:cNvCxnSpPr>
+          <p:nvPr/>
+        </p:nvCxnSpPr>
+        <p:spPr>
+          <a:xfrm>
+            <a:off x="7293484" y="5329855"/>
+            <a:ext cx="547625" cy="9979"/>
+          </a:xfrm>
+          <a:prstGeom prst="straightConnector1">
+            <a:avLst/>
+          </a:prstGeom>
+          <a:ln w="19050">
+            <a:tailEnd type="arrow"/>
+          </a:ln>
+        </p:spPr>
+        <p:style>
+          <a:lnRef idx="1">
+            <a:schemeClr val="accent1"/>
+          </a:lnRef>
+          <a:fillRef idx="0">
+            <a:schemeClr val="accent1"/>
+          </a:fillRef>
+          <a:effectRef idx="0">
+            <a:schemeClr val="accent1"/>
+          </a:effectRef>
+          <a:fontRef idx="minor">
+            <a:schemeClr val="tx1"/>
+          </a:fontRef>
+        </p:style>
+      </p:cxnSp>
+      <p:cxnSp>
+        <p:nvCxnSpPr>
+          <p:cNvPr id="43" name="Соединительная линия уступом 42"/>
+          <p:cNvCxnSpPr>
+            <a:stCxn id="8" idx="4"/>
+            <a:endCxn id="36" idx="1"/>
+          </p:cNvCxnSpPr>
+          <p:nvPr/>
+        </p:nvCxnSpPr>
+        <p:spPr>
+          <a:xfrm>
+            <a:off x="7293484" y="5329855"/>
+            <a:ext cx="547625" cy="410791"/>
+          </a:xfrm>
+          <a:prstGeom prst="bentConnector3">
+            <a:avLst/>
+          </a:prstGeom>
+          <a:ln w="19050">
+            <a:tailEnd type="arrow"/>
+          </a:ln>
+        </p:spPr>
+        <p:style>
+          <a:lnRef idx="1">
+            <a:schemeClr val="accent1"/>
+          </a:lnRef>
+          <a:fillRef idx="0">
+            <a:schemeClr val="accent1"/>
+          </a:fillRef>
+          <a:effectRef idx="0">
+            <a:schemeClr val="accent1"/>
+          </a:effectRef>
+          <a:fontRef idx="minor">
+            <a:schemeClr val="tx1"/>
+          </a:fontRef>
+        </p:style>
+      </p:cxnSp>
+    </p:spTree>
+    <p:extLst>
+      <p:ext uri="{BB962C8B-B14F-4D97-AF65-F5344CB8AC3E}">
+        <p14:creationId xmlns:p14="http://schemas.microsoft.com/office/powerpoint/2010/main" val="1856265865"/>
+      </p:ext>
+    </p:extLst>
+  </p:cSld>
+  <p:clrMapOvr>
+    <a:masterClrMapping/>
+  </p:clrMapOvr>
+  <p:timing>
+    <p:tnLst>
+      <p:par>
+        <p:cTn id="1" dur="indefinite" restart="never" nodeType="tmRoot"/>
+      </p:par>
+    </p:tnLst>
+  </p:timing>
+</p:sld>
+</file>
+
+<file path=ppt/slides/slide31.xml><?xml version="1.0" encoding="utf-8"?>
+<p:sld xmlns:a="http://schemas.openxmlformats.org/drawingml/2006/main" xmlns:r="http://schemas.openxmlformats.org/officeDocument/2006/relationships" xmlns:p="http://schemas.openxmlformats.org/presentationml/2006/main">
+  <p:cSld>
+    <p:spTree>
+      <p:nvGrpSpPr>
+        <p:cNvPr id="1" name=""/>
+        <p:cNvGrpSpPr/>
+        <p:nvPr/>
+      </p:nvGrpSpPr>
+      <p:grpSpPr>
+        <a:xfrm>
+          <a:off x="0" y="0"/>
+          <a:ext cx="0" cy="0"/>
+          <a:chOff x="0" y="0"/>
+          <a:chExt cx="0" cy="0"/>
+        </a:xfrm>
+      </p:grpSpPr>
+      <p:pic>
+        <p:nvPicPr>
+          <p:cNvPr id="4" name="Рисунок 3"/>
+          <p:cNvPicPr>
+            <a:picLocks noChangeAspect="1"/>
+          </p:cNvPicPr>
+          <p:nvPr/>
+        </p:nvPicPr>
+        <p:blipFill>
+          <a:blip r:embed="rId2"/>
+          <a:stretch>
+            <a:fillRect/>
+          </a:stretch>
+        </p:blipFill>
+        <p:spPr>
+          <a:xfrm>
+            <a:off x="8496300" y="143669"/>
+            <a:ext cx="2857500" cy="1076325"/>
+          </a:xfrm>
+          <a:prstGeom prst="rect">
+            <a:avLst/>
+          </a:prstGeom>
+        </p:spPr>
+      </p:pic>
+      <p:sp>
+        <p:nvSpPr>
+          <p:cNvPr id="20" name="TextBox 19"/>
+          <p:cNvSpPr txBox="1"/>
+          <p:nvPr/>
+        </p:nvSpPr>
+        <p:spPr>
+          <a:xfrm>
+            <a:off x="838200" y="1036873"/>
+            <a:ext cx="5986793" cy="584775"/>
+          </a:xfrm>
+          <a:prstGeom prst="rect">
+            <a:avLst/>
+          </a:prstGeom>
+          <a:noFill/>
+        </p:spPr>
+        <p:txBody>
+          <a:bodyPr wrap="square" rtlCol="0">
+            <a:spAutoFit/>
+          </a:bodyPr>
+          <a:lstStyle/>
+          <a:p>
+            <a:r>
+              <a:rPr lang="ru-RU" sz="3200" dirty="0" smtClean="0"/>
+              <a:t>Почему </a:t>
+            </a:r>
+            <a:r>
+              <a:rPr lang="en-US" sz="3200" dirty="0" smtClean="0"/>
+              <a:t>JAEGER</a:t>
+            </a:r>
+            <a:r>
+              <a:rPr lang="ru-RU" sz="3200" dirty="0" smtClean="0"/>
+              <a:t> ?</a:t>
+            </a:r>
+            <a:endParaRPr lang="ru-RU" sz="3200" dirty="0"/>
+          </a:p>
+        </p:txBody>
+      </p:sp>
+    </p:spTree>
+    <p:extLst>
+      <p:ext uri="{BB962C8B-B14F-4D97-AF65-F5344CB8AC3E}">
+        <p14:creationId xmlns:p14="http://schemas.microsoft.com/office/powerpoint/2010/main" val="1074100044"/>
+      </p:ext>
+    </p:extLst>
+  </p:cSld>
+  <p:clrMapOvr>
+    <a:masterClrMapping/>
+  </p:clrMapOvr>
+  <p:timing>
+    <p:tnLst>
+      <p:par>
+        <p:cTn id="1" dur="indefinite" restart="never" nodeType="tmRoot"/>
+      </p:par>
+    </p:tnLst>
+  </p:timing>
+</p:sld>
+</file>
+
+<file path=ppt/slides/slide32.xml><?xml version="1.0" encoding="utf-8"?>
+<p:sld xmlns:a="http://schemas.openxmlformats.org/drawingml/2006/main" xmlns:r="http://schemas.openxmlformats.org/officeDocument/2006/relationships" xmlns:p="http://schemas.openxmlformats.org/presentationml/2006/main">
+  <p:cSld>
+    <p:spTree>
+      <p:nvGrpSpPr>
+        <p:cNvPr id="1" name=""/>
+        <p:cNvGrpSpPr/>
+        <p:nvPr/>
+      </p:nvGrpSpPr>
+      <p:grpSpPr>
+        <a:xfrm>
+          <a:off x="0" y="0"/>
+          <a:ext cx="0" cy="0"/>
+          <a:chOff x="0" y="0"/>
+          <a:chExt cx="0" cy="0"/>
+        </a:xfrm>
+      </p:grpSpPr>
+      <p:pic>
+        <p:nvPicPr>
+          <p:cNvPr id="4" name="Рисунок 3"/>
+          <p:cNvPicPr>
+            <a:picLocks noChangeAspect="1"/>
+          </p:cNvPicPr>
+          <p:nvPr/>
+        </p:nvPicPr>
+        <p:blipFill>
+          <a:blip r:embed="rId2"/>
+          <a:stretch>
+            <a:fillRect/>
+          </a:stretch>
+        </p:blipFill>
+        <p:spPr>
+          <a:xfrm>
+            <a:off x="8496300" y="143669"/>
+            <a:ext cx="2857500" cy="1076325"/>
+          </a:xfrm>
+          <a:prstGeom prst="rect">
+            <a:avLst/>
+          </a:prstGeom>
+        </p:spPr>
+      </p:pic>
+      <p:sp>
+        <p:nvSpPr>
+          <p:cNvPr id="20" name="TextBox 19"/>
+          <p:cNvSpPr txBox="1"/>
+          <p:nvPr/>
+        </p:nvSpPr>
+        <p:spPr>
+          <a:xfrm>
+            <a:off x="838200" y="1036873"/>
+            <a:ext cx="5986793" cy="584775"/>
+          </a:xfrm>
+          <a:prstGeom prst="rect">
+            <a:avLst/>
+          </a:prstGeom>
+          <a:noFill/>
+        </p:spPr>
+        <p:txBody>
+          <a:bodyPr wrap="square" rtlCol="0">
+            <a:spAutoFit/>
+          </a:bodyPr>
+          <a:lstStyle/>
+          <a:p>
+            <a:r>
+              <a:rPr lang="ru-RU" sz="3200" dirty="0" smtClean="0"/>
+              <a:t>Почему </a:t>
+            </a:r>
+            <a:r>
+              <a:rPr lang="en-US" sz="3200" dirty="0" smtClean="0"/>
+              <a:t>JAEGER</a:t>
+            </a:r>
+            <a:r>
+              <a:rPr lang="ru-RU" sz="3200" dirty="0" smtClean="0"/>
+              <a:t> ?</a:t>
+            </a:r>
+            <a:endParaRPr lang="ru-RU" sz="3200" dirty="0"/>
+          </a:p>
+        </p:txBody>
+      </p:sp>
+      <p:sp>
+        <p:nvSpPr>
+          <p:cNvPr id="3" name="TextBox 2"/>
+          <p:cNvSpPr txBox="1"/>
+          <p:nvPr/>
+        </p:nvSpPr>
+        <p:spPr>
+          <a:xfrm>
+            <a:off x="838200" y="1778000"/>
+            <a:ext cx="2254913" cy="461665"/>
+          </a:xfrm>
+          <a:prstGeom prst="rect">
+            <a:avLst/>
+          </a:prstGeom>
+          <a:noFill/>
+        </p:spPr>
+        <p:txBody>
+          <a:bodyPr wrap="none" rtlCol="0">
+            <a:spAutoFit/>
+          </a:bodyPr>
+          <a:lstStyle/>
+          <a:p>
+            <a:r>
+              <a:rPr lang="ru-RU" sz="2400" b="1" dirty="0" smtClean="0"/>
+              <a:t>Масштабируем</a:t>
+            </a:r>
+            <a:endParaRPr lang="ru-RU" b="1" dirty="0"/>
+          </a:p>
+        </p:txBody>
+      </p:sp>
+      <p:pic>
+        <p:nvPicPr>
+          <p:cNvPr id="8194" name="Picture 2" descr="Architecture"/>
+          <p:cNvPicPr>
+            <a:picLocks noChangeAspect="1" noChangeArrowheads="1"/>
+          </p:cNvPicPr>
+          <p:nvPr/>
+        </p:nvPicPr>
+        <p:blipFill>
+          <a:blip r:embed="rId3">
+            <a:extLst>
+              <a:ext uri="{28A0092B-C50C-407E-A947-70E740481C1C}">
+                <a14:useLocalDpi xmlns:a14="http://schemas.microsoft.com/office/drawing/2010/main" val="0"/>
+              </a:ext>
+            </a:extLst>
+          </a:blip>
+          <a:srcRect/>
+          <a:stretch>
+            <a:fillRect/>
+          </a:stretch>
+        </p:blipFill>
+        <p:spPr bwMode="auto">
+          <a:xfrm>
+            <a:off x="2324555" y="2648466"/>
+            <a:ext cx="7991265" cy="2838945"/>
+          </a:xfrm>
+          <a:prstGeom prst="rect">
+            <a:avLst/>
+          </a:prstGeom>
+          <a:noFill/>
+          <a:extLst>
+            <a:ext uri="{909E8E84-426E-40DD-AFC4-6F175D3DCCD1}">
+              <a14:hiddenFill xmlns:a14="http://schemas.microsoft.com/office/drawing/2010/main">
+                <a:solidFill>
+                  <a:srgbClr val="FFFFFF"/>
+                </a:solidFill>
+              </a14:hiddenFill>
+            </a:ext>
+          </a:extLst>
+        </p:spPr>
+      </p:pic>
+    </p:spTree>
+    <p:extLst>
+      <p:ext uri="{BB962C8B-B14F-4D97-AF65-F5344CB8AC3E}">
+        <p14:creationId xmlns:p14="http://schemas.microsoft.com/office/powerpoint/2010/main" val="3798335867"/>
+      </p:ext>
+    </p:extLst>
+  </p:cSld>
+  <p:clrMapOvr>
+    <a:masterClrMapping/>
+  </p:clrMapOvr>
+  <p:timing>
+    <p:tnLst>
+      <p:par>
+        <p:cTn id="1" dur="indefinite" restart="never" nodeType="tmRoot"/>
+      </p:par>
+    </p:tnLst>
+  </p:timing>
+</p:sld>
+</file>
+
+<file path=ppt/slides/slide33.xml><?xml version="1.0" encoding="utf-8"?>
+<p:sld xmlns:a="http://schemas.openxmlformats.org/drawingml/2006/main" xmlns:r="http://schemas.openxmlformats.org/officeDocument/2006/relationships" xmlns:p="http://schemas.openxmlformats.org/presentationml/2006/main">
+  <p:cSld>
+    <p:spTree>
+      <p:nvGrpSpPr>
+        <p:cNvPr id="1" name=""/>
+        <p:cNvGrpSpPr/>
+        <p:nvPr/>
+      </p:nvGrpSpPr>
+      <p:grpSpPr>
+        <a:xfrm>
+          <a:off x="0" y="0"/>
+          <a:ext cx="0" cy="0"/>
+          <a:chOff x="0" y="0"/>
+          <a:chExt cx="0" cy="0"/>
+        </a:xfrm>
+      </p:grpSpPr>
+      <p:pic>
+        <p:nvPicPr>
+          <p:cNvPr id="4" name="Рисунок 3"/>
+          <p:cNvPicPr>
+            <a:picLocks noChangeAspect="1"/>
+          </p:cNvPicPr>
+          <p:nvPr/>
+        </p:nvPicPr>
+        <p:blipFill>
+          <a:blip r:embed="rId2"/>
+          <a:stretch>
+            <a:fillRect/>
+          </a:stretch>
+        </p:blipFill>
+        <p:spPr>
+          <a:xfrm>
+            <a:off x="8496300" y="143669"/>
+            <a:ext cx="2857500" cy="1076325"/>
+          </a:xfrm>
+          <a:prstGeom prst="rect">
+            <a:avLst/>
+          </a:prstGeom>
+        </p:spPr>
+      </p:pic>
+      <p:sp>
+        <p:nvSpPr>
+          <p:cNvPr id="20" name="TextBox 19"/>
+          <p:cNvSpPr txBox="1"/>
+          <p:nvPr/>
+        </p:nvSpPr>
+        <p:spPr>
+          <a:xfrm>
+            <a:off x="838200" y="1036873"/>
+            <a:ext cx="5986793" cy="584775"/>
+          </a:xfrm>
+          <a:prstGeom prst="rect">
+            <a:avLst/>
+          </a:prstGeom>
+          <a:noFill/>
+        </p:spPr>
+        <p:txBody>
+          <a:bodyPr wrap="square" rtlCol="0">
+            <a:spAutoFit/>
+          </a:bodyPr>
+          <a:lstStyle/>
+          <a:p>
+            <a:r>
+              <a:rPr lang="ru-RU" sz="3200" dirty="0" smtClean="0"/>
+              <a:t>Почему </a:t>
+            </a:r>
+            <a:r>
+              <a:rPr lang="en-US" sz="3200" dirty="0" smtClean="0"/>
+              <a:t>JAEGER</a:t>
+            </a:r>
+            <a:r>
+              <a:rPr lang="ru-RU" sz="3200" dirty="0" smtClean="0"/>
+              <a:t> ?</a:t>
+            </a:r>
+            <a:endParaRPr lang="ru-RU" sz="3200" dirty="0"/>
+          </a:p>
+        </p:txBody>
+      </p:sp>
+      <p:sp>
+        <p:nvSpPr>
+          <p:cNvPr id="3" name="TextBox 2"/>
+          <p:cNvSpPr txBox="1"/>
+          <p:nvPr/>
+        </p:nvSpPr>
+        <p:spPr>
+          <a:xfrm>
+            <a:off x="838200" y="1778000"/>
+            <a:ext cx="1977849" cy="369332"/>
+          </a:xfrm>
+          <a:prstGeom prst="rect">
+            <a:avLst/>
+          </a:prstGeom>
+          <a:noFill/>
+        </p:spPr>
+        <p:txBody>
+          <a:bodyPr wrap="none" rtlCol="0">
+            <a:spAutoFit/>
+          </a:bodyPr>
+          <a:lstStyle/>
+          <a:p>
+            <a:r>
+              <a:rPr lang="ru-RU" dirty="0" smtClean="0"/>
+              <a:t>Масштабируемый</a:t>
+            </a:r>
+            <a:endParaRPr lang="ru-RU" dirty="0"/>
+          </a:p>
+        </p:txBody>
+      </p:sp>
+      <p:sp>
+        <p:nvSpPr>
+          <p:cNvPr id="8" name="TextBox 7"/>
+          <p:cNvSpPr txBox="1"/>
+          <p:nvPr/>
+        </p:nvSpPr>
+        <p:spPr>
+          <a:xfrm>
+            <a:off x="838200" y="2176171"/>
+            <a:ext cx="1491114" cy="461665"/>
+          </a:xfrm>
+          <a:prstGeom prst="rect">
+            <a:avLst/>
+          </a:prstGeom>
+          <a:noFill/>
+        </p:spPr>
+        <p:txBody>
+          <a:bodyPr wrap="none" rtlCol="0">
+            <a:spAutoFit/>
+          </a:bodyPr>
+          <a:lstStyle/>
+          <a:p>
+            <a:r>
+              <a:rPr lang="ru-RU" sz="2400" b="1" dirty="0" smtClean="0"/>
+              <a:t>Хранение</a:t>
+            </a:r>
+            <a:endParaRPr lang="ru-RU" sz="2400" b="1" dirty="0"/>
+          </a:p>
+        </p:txBody>
+      </p:sp>
+      <p:pic>
+        <p:nvPicPr>
+          <p:cNvPr id="10242" name="Picture 2" descr="Apache Cassandra - Wikipedia"/>
+          <p:cNvPicPr>
+            <a:picLocks noChangeAspect="1" noChangeArrowheads="1"/>
+          </p:cNvPicPr>
+          <p:nvPr/>
+        </p:nvPicPr>
+        <p:blipFill>
+          <a:blip r:embed="rId3" cstate="print">
+            <a:extLst>
+              <a:ext uri="{28A0092B-C50C-407E-A947-70E740481C1C}">
+                <a14:useLocalDpi xmlns:a14="http://schemas.microsoft.com/office/drawing/2010/main" val="0"/>
+              </a:ext>
+            </a:extLst>
+          </a:blip>
+          <a:srcRect/>
+          <a:stretch>
+            <a:fillRect/>
+          </a:stretch>
+        </p:blipFill>
+        <p:spPr bwMode="auto">
+          <a:xfrm>
+            <a:off x="2116123" y="3769409"/>
+            <a:ext cx="1111984" cy="745030"/>
+          </a:xfrm>
+          <a:prstGeom prst="rect">
+            <a:avLst/>
+          </a:prstGeom>
+          <a:noFill/>
+          <a:extLst>
+            <a:ext uri="{909E8E84-426E-40DD-AFC4-6F175D3DCCD1}">
+              <a14:hiddenFill xmlns:a14="http://schemas.microsoft.com/office/drawing/2010/main">
+                <a:solidFill>
+                  <a:srgbClr val="FFFFFF"/>
+                </a:solidFill>
+              </a14:hiddenFill>
+            </a:ext>
+          </a:extLst>
+        </p:spPr>
+      </p:pic>
+      <p:pic>
+        <p:nvPicPr>
+          <p:cNvPr id="10" name="Picture 4" descr="Elastic NV - Wikipedia"/>
+          <p:cNvPicPr>
+            <a:picLocks noChangeAspect="1" noChangeArrowheads="1"/>
+          </p:cNvPicPr>
+          <p:nvPr/>
+        </p:nvPicPr>
+        <p:blipFill>
+          <a:blip r:embed="rId4" cstate="print">
+            <a:extLst>
+              <a:ext uri="{28A0092B-C50C-407E-A947-70E740481C1C}">
+                <a14:useLocalDpi xmlns:a14="http://schemas.microsoft.com/office/drawing/2010/main" val="0"/>
+              </a:ext>
+            </a:extLst>
+          </a:blip>
+          <a:srcRect/>
+          <a:stretch>
+            <a:fillRect/>
+          </a:stretch>
+        </p:blipFill>
+        <p:spPr bwMode="auto">
+          <a:xfrm>
+            <a:off x="2116123" y="2637836"/>
+            <a:ext cx="1131573" cy="1131573"/>
+          </a:xfrm>
+          <a:prstGeom prst="rect">
+            <a:avLst/>
+          </a:prstGeom>
+          <a:noFill/>
+          <a:extLst>
+            <a:ext uri="{909E8E84-426E-40DD-AFC4-6F175D3DCCD1}">
+              <a14:hiddenFill xmlns:a14="http://schemas.microsoft.com/office/drawing/2010/main">
+                <a:solidFill>
+                  <a:srgbClr val="FFFFFF"/>
+                </a:solidFill>
+              </a14:hiddenFill>
+            </a:ext>
+          </a:extLst>
+        </p:spPr>
+      </p:pic>
+      <p:sp>
+        <p:nvSpPr>
+          <p:cNvPr id="6" name="Прямоугольник 5"/>
+          <p:cNvSpPr/>
+          <p:nvPr/>
+        </p:nvSpPr>
+        <p:spPr>
+          <a:xfrm>
+            <a:off x="2116123" y="4785597"/>
+            <a:ext cx="1383712" cy="369332"/>
+          </a:xfrm>
+          <a:prstGeom prst="rect">
+            <a:avLst/>
+          </a:prstGeom>
+        </p:spPr>
+        <p:txBody>
+          <a:bodyPr wrap="none">
+            <a:spAutoFit/>
+          </a:bodyPr>
+          <a:lstStyle/>
+          <a:p>
+            <a:r>
+              <a:rPr lang="en-US" b="1" dirty="0" err="1" smtClean="0"/>
+              <a:t>gRPC</a:t>
+            </a:r>
+            <a:r>
+              <a:rPr lang="en-US" b="1" dirty="0" smtClean="0"/>
+              <a:t> Plug-in</a:t>
+            </a:r>
+            <a:endParaRPr lang="en-US" b="1" i="0" dirty="0">
+              <a:solidFill>
+                <a:srgbClr val="363636"/>
+              </a:solidFill>
+              <a:effectLst/>
+              <a:latin typeface="Pontano Sans"/>
+            </a:endParaRPr>
+          </a:p>
+        </p:txBody>
+      </p:sp>
+      <p:sp>
+        <p:nvSpPr>
+          <p:cNvPr id="7" name="TextBox 6"/>
+          <p:cNvSpPr txBox="1"/>
+          <p:nvPr/>
+        </p:nvSpPr>
+        <p:spPr>
+          <a:xfrm>
+            <a:off x="6878181" y="3943595"/>
+            <a:ext cx="689822" cy="396658"/>
+          </a:xfrm>
+          <a:prstGeom prst="rect">
+            <a:avLst/>
+          </a:prstGeom>
+          <a:noFill/>
+        </p:spPr>
+        <p:txBody>
+          <a:bodyPr wrap="square" rtlCol="0">
+            <a:noAutofit/>
+          </a:bodyPr>
+          <a:lstStyle/>
+          <a:p>
+            <a:r>
+              <a:rPr lang="en-US" b="1" dirty="0"/>
+              <a:t>YDB</a:t>
+            </a:r>
+          </a:p>
+          <a:p>
+            <a:endParaRPr lang="ru-RU" dirty="0"/>
+          </a:p>
+        </p:txBody>
+      </p:sp>
+      <p:pic>
+        <p:nvPicPr>
+          <p:cNvPr id="10244" name="Picture 4" descr="upload.wikimedia.org/wikipedia/commons/thumb/c/..."/>
+          <p:cNvPicPr>
+            <a:picLocks noChangeAspect="1" noChangeArrowheads="1"/>
+          </p:cNvPicPr>
+          <p:nvPr/>
+        </p:nvPicPr>
+        <p:blipFill>
+          <a:blip r:embed="rId5">
+            <a:extLst>
+              <a:ext uri="{28A0092B-C50C-407E-A947-70E740481C1C}">
+                <a14:useLocalDpi xmlns:a14="http://schemas.microsoft.com/office/drawing/2010/main" val="0"/>
+              </a:ext>
+            </a:extLst>
+          </a:blip>
+          <a:srcRect/>
+          <a:stretch>
+            <a:fillRect/>
+          </a:stretch>
+        </p:blipFill>
+        <p:spPr bwMode="auto">
+          <a:xfrm>
+            <a:off x="6477147" y="2972484"/>
+            <a:ext cx="2151698" cy="796925"/>
+          </a:xfrm>
+          <a:prstGeom prst="rect">
+            <a:avLst/>
+          </a:prstGeom>
+          <a:noFill/>
+          <a:extLst>
+            <a:ext uri="{909E8E84-426E-40DD-AFC4-6F175D3DCCD1}">
+              <a14:hiddenFill xmlns:a14="http://schemas.microsoft.com/office/drawing/2010/main">
+                <a:solidFill>
+                  <a:srgbClr val="FFFFFF"/>
+                </a:solidFill>
+              </a14:hiddenFill>
+            </a:ext>
+          </a:extLst>
+        </p:spPr>
+      </p:pic>
+      <p:pic>
+        <p:nvPicPr>
+          <p:cNvPr id="10246" name="Picture 6" descr="GitHub - ClickHouse/ClickHouse: ClickHouse® is a free analytics DBMS for  big data"/>
+          <p:cNvPicPr>
+            <a:picLocks noChangeAspect="1" noChangeArrowheads="1"/>
+          </p:cNvPicPr>
+          <p:nvPr/>
+        </p:nvPicPr>
+        <p:blipFill>
+          <a:blip r:embed="rId6" cstate="print">
+            <a:extLst>
+              <a:ext uri="{28A0092B-C50C-407E-A947-70E740481C1C}">
+                <a14:useLocalDpi xmlns:a14="http://schemas.microsoft.com/office/drawing/2010/main" val="0"/>
+              </a:ext>
+            </a:extLst>
+          </a:blip>
+          <a:srcRect/>
+          <a:stretch>
+            <a:fillRect/>
+          </a:stretch>
+        </p:blipFill>
+        <p:spPr bwMode="auto">
+          <a:xfrm>
+            <a:off x="6980898" y="4741394"/>
+            <a:ext cx="1515402" cy="757701"/>
+          </a:xfrm>
+          <a:prstGeom prst="rect">
+            <a:avLst/>
+          </a:prstGeom>
+          <a:noFill/>
+          <a:extLst>
+            <a:ext uri="{909E8E84-426E-40DD-AFC4-6F175D3DCCD1}">
+              <a14:hiddenFill xmlns:a14="http://schemas.microsoft.com/office/drawing/2010/main">
+                <a:solidFill>
+                  <a:srgbClr val="FFFFFF"/>
+                </a:solidFill>
+              </a14:hiddenFill>
+            </a:ext>
+          </a:extLst>
+        </p:spPr>
+      </p:pic>
+      <p:cxnSp>
+        <p:nvCxnSpPr>
+          <p:cNvPr id="11" name="Соединительная линия уступом 10"/>
+          <p:cNvCxnSpPr>
+            <a:stCxn id="8" idx="2"/>
+            <a:endCxn id="10" idx="1"/>
+          </p:cNvCxnSpPr>
+          <p:nvPr/>
+        </p:nvCxnSpPr>
+        <p:spPr>
+          <a:xfrm rot="16200000" flipH="1">
+            <a:off x="1567047" y="2654546"/>
+            <a:ext cx="565787" cy="532366"/>
+          </a:xfrm>
+          <a:prstGeom prst="bentConnector2">
+            <a:avLst/>
+          </a:prstGeom>
+          <a:ln w="25400">
+            <a:tailEnd type="arrow"/>
+          </a:ln>
+        </p:spPr>
+        <p:style>
+          <a:lnRef idx="1">
+            <a:schemeClr val="accent1"/>
+          </a:lnRef>
+          <a:fillRef idx="0">
+            <a:schemeClr val="accent1"/>
+          </a:fillRef>
+          <a:effectRef idx="0">
+            <a:schemeClr val="accent1"/>
+          </a:effectRef>
+          <a:fontRef idx="minor">
+            <a:schemeClr val="tx1"/>
+          </a:fontRef>
+        </p:style>
+      </p:cxnSp>
+      <p:cxnSp>
+        <p:nvCxnSpPr>
+          <p:cNvPr id="13" name="Соединительная линия уступом 12"/>
+          <p:cNvCxnSpPr>
+            <a:stCxn id="8" idx="2"/>
+            <a:endCxn id="10242" idx="1"/>
+          </p:cNvCxnSpPr>
+          <p:nvPr/>
+        </p:nvCxnSpPr>
+        <p:spPr>
+          <a:xfrm rot="16200000" flipH="1">
+            <a:off x="1097896" y="3123697"/>
+            <a:ext cx="1504088" cy="532366"/>
+          </a:xfrm>
+          <a:prstGeom prst="bentConnector2">
+            <a:avLst/>
+          </a:prstGeom>
+          <a:ln w="25400">
+            <a:tailEnd type="arrow"/>
+          </a:ln>
+        </p:spPr>
+        <p:style>
+          <a:lnRef idx="1">
+            <a:schemeClr val="accent1"/>
+          </a:lnRef>
+          <a:fillRef idx="0">
+            <a:schemeClr val="accent1"/>
+          </a:fillRef>
+          <a:effectRef idx="0">
+            <a:schemeClr val="accent1"/>
+          </a:effectRef>
+          <a:fontRef idx="minor">
+            <a:schemeClr val="tx1"/>
+          </a:fontRef>
+        </p:style>
+      </p:cxnSp>
+      <p:cxnSp>
+        <p:nvCxnSpPr>
+          <p:cNvPr id="15" name="Соединительная линия уступом 14"/>
+          <p:cNvCxnSpPr>
+            <a:stCxn id="8" idx="2"/>
+            <a:endCxn id="6" idx="1"/>
+          </p:cNvCxnSpPr>
+          <p:nvPr/>
+        </p:nvCxnSpPr>
+        <p:spPr>
+          <a:xfrm rot="16200000" flipH="1">
+            <a:off x="683727" y="3537866"/>
+            <a:ext cx="2332427" cy="532366"/>
+          </a:xfrm>
+          <a:prstGeom prst="bentConnector2">
+            <a:avLst/>
+          </a:prstGeom>
+          <a:ln w="25400">
+            <a:tailEnd type="arrow"/>
+          </a:ln>
+        </p:spPr>
+        <p:style>
+          <a:lnRef idx="1">
+            <a:schemeClr val="accent1"/>
+          </a:lnRef>
+          <a:fillRef idx="0">
+            <a:schemeClr val="accent1"/>
+          </a:fillRef>
+          <a:effectRef idx="0">
+            <a:schemeClr val="accent1"/>
+          </a:effectRef>
+          <a:fontRef idx="minor">
+            <a:schemeClr val="tx1"/>
+          </a:fontRef>
+        </p:style>
+      </p:cxnSp>
+      <p:cxnSp>
+        <p:nvCxnSpPr>
+          <p:cNvPr id="17" name="Соединительная линия уступом 16"/>
+          <p:cNvCxnSpPr>
+            <a:stCxn id="6" idx="3"/>
+          </p:cNvCxnSpPr>
+          <p:nvPr/>
+        </p:nvCxnSpPr>
+        <p:spPr>
+          <a:xfrm flipV="1">
+            <a:off x="3499835" y="3370946"/>
+            <a:ext cx="3481063" cy="1599317"/>
+          </a:xfrm>
+          <a:prstGeom prst="bentConnector3">
+            <a:avLst>
+              <a:gd name="adj1" fmla="val 48541"/>
+            </a:avLst>
+          </a:prstGeom>
+          <a:ln w="25400">
+            <a:tailEnd type="arrow"/>
+          </a:ln>
+        </p:spPr>
+        <p:style>
+          <a:lnRef idx="1">
+            <a:schemeClr val="accent1"/>
+          </a:lnRef>
+          <a:fillRef idx="0">
+            <a:schemeClr val="accent1"/>
+          </a:fillRef>
+          <a:effectRef idx="0">
+            <a:schemeClr val="accent1"/>
+          </a:effectRef>
+          <a:fontRef idx="minor">
+            <a:schemeClr val="tx1"/>
+          </a:fontRef>
+        </p:style>
+      </p:cxnSp>
+      <p:cxnSp>
+        <p:nvCxnSpPr>
+          <p:cNvPr id="23" name="Соединительная линия уступом 22"/>
+          <p:cNvCxnSpPr>
+            <a:stCxn id="6" idx="3"/>
+            <a:endCxn id="7" idx="1"/>
+          </p:cNvCxnSpPr>
+          <p:nvPr/>
+        </p:nvCxnSpPr>
+        <p:spPr>
+          <a:xfrm flipV="1">
+            <a:off x="3499835" y="4141924"/>
+            <a:ext cx="3378346" cy="828339"/>
+          </a:xfrm>
+          <a:prstGeom prst="bentConnector3">
+            <a:avLst/>
+          </a:prstGeom>
+          <a:ln w="25400">
+            <a:tailEnd type="arrow"/>
+          </a:ln>
+        </p:spPr>
+        <p:style>
+          <a:lnRef idx="1">
+            <a:schemeClr val="accent1"/>
+          </a:lnRef>
+          <a:fillRef idx="0">
+            <a:schemeClr val="accent1"/>
+          </a:fillRef>
+          <a:effectRef idx="0">
+            <a:schemeClr val="accent1"/>
+          </a:effectRef>
+          <a:fontRef idx="minor">
+            <a:schemeClr val="tx1"/>
+          </a:fontRef>
+        </p:style>
+      </p:cxnSp>
+      <p:cxnSp>
+        <p:nvCxnSpPr>
+          <p:cNvPr id="25" name="Соединительная линия уступом 24"/>
+          <p:cNvCxnSpPr>
+            <a:stCxn id="6" idx="3"/>
+            <a:endCxn id="10246" idx="1"/>
+          </p:cNvCxnSpPr>
+          <p:nvPr/>
+        </p:nvCxnSpPr>
+        <p:spPr>
+          <a:xfrm>
+            <a:off x="3499835" y="4970263"/>
+            <a:ext cx="3481063" cy="149982"/>
+          </a:xfrm>
+          <a:prstGeom prst="bentConnector3">
+            <a:avLst>
+              <a:gd name="adj1" fmla="val 48541"/>
+            </a:avLst>
+          </a:prstGeom>
+          <a:ln w="25400">
+            <a:tailEnd type="arrow"/>
+          </a:ln>
+        </p:spPr>
+        <p:style>
+          <a:lnRef idx="1">
+            <a:schemeClr val="accent1"/>
+          </a:lnRef>
+          <a:fillRef idx="0">
+            <a:schemeClr val="accent1"/>
+          </a:fillRef>
+          <a:effectRef idx="0">
+            <a:schemeClr val="accent1"/>
+          </a:effectRef>
+          <a:fontRef idx="minor">
+            <a:schemeClr val="tx1"/>
+          </a:fontRef>
+        </p:style>
+      </p:cxnSp>
+    </p:spTree>
+    <p:extLst>
+      <p:ext uri="{BB962C8B-B14F-4D97-AF65-F5344CB8AC3E}">
+        <p14:creationId xmlns:p14="http://schemas.microsoft.com/office/powerpoint/2010/main" val="2082731574"/>
+      </p:ext>
+    </p:extLst>
+  </p:cSld>
+  <p:clrMapOvr>
+    <a:masterClrMapping/>
+  </p:clrMapOvr>
+  <p:timing>
+    <p:tnLst>
+      <p:par>
+        <p:cTn id="1" dur="indefinite" restart="never" nodeType="tmRoot"/>
+      </p:par>
+    </p:tnLst>
+  </p:timing>
+</p:sld>
+</file>
+
+<file path=ppt/slides/slide34.xml><?xml version="1.0" encoding="utf-8"?>
+<p:sld xmlns:a="http://schemas.openxmlformats.org/drawingml/2006/main" xmlns:r="http://schemas.openxmlformats.org/officeDocument/2006/relationships" xmlns:p="http://schemas.openxmlformats.org/presentationml/2006/main">
+  <p:cSld>
+    <p:spTree>
+      <p:nvGrpSpPr>
+        <p:cNvPr id="1" name=""/>
+        <p:cNvGrpSpPr/>
+        <p:nvPr/>
+      </p:nvGrpSpPr>
+      <p:grpSpPr>
+        <a:xfrm>
+          <a:off x="0" y="0"/>
+          <a:ext cx="0" cy="0"/>
+          <a:chOff x="0" y="0"/>
+          <a:chExt cx="0" cy="0"/>
+        </a:xfrm>
+      </p:grpSpPr>
+      <p:pic>
+        <p:nvPicPr>
+          <p:cNvPr id="4" name="Рисунок 3"/>
+          <p:cNvPicPr>
+            <a:picLocks noChangeAspect="1"/>
+          </p:cNvPicPr>
+          <p:nvPr/>
+        </p:nvPicPr>
+        <p:blipFill>
+          <a:blip r:embed="rId2"/>
+          <a:stretch>
+            <a:fillRect/>
+          </a:stretch>
+        </p:blipFill>
+        <p:spPr>
+          <a:xfrm>
+            <a:off x="8496300" y="143669"/>
+            <a:ext cx="2857500" cy="1076325"/>
+          </a:xfrm>
+          <a:prstGeom prst="rect">
+            <a:avLst/>
+          </a:prstGeom>
+        </p:spPr>
+      </p:pic>
+      <p:sp>
+        <p:nvSpPr>
+          <p:cNvPr id="20" name="TextBox 19"/>
+          <p:cNvSpPr txBox="1"/>
+          <p:nvPr/>
+        </p:nvSpPr>
+        <p:spPr>
+          <a:xfrm>
+            <a:off x="838200" y="1036873"/>
+            <a:ext cx="5986793" cy="584775"/>
+          </a:xfrm>
+          <a:prstGeom prst="rect">
+            <a:avLst/>
+          </a:prstGeom>
+          <a:noFill/>
+        </p:spPr>
+        <p:txBody>
+          <a:bodyPr wrap="square" rtlCol="0">
+            <a:spAutoFit/>
+          </a:bodyPr>
+          <a:lstStyle/>
+          <a:p>
+            <a:r>
+              <a:rPr lang="ru-RU" sz="3200" dirty="0" smtClean="0"/>
+              <a:t>Почему </a:t>
+            </a:r>
+            <a:r>
+              <a:rPr lang="en-US" sz="3200" dirty="0" smtClean="0"/>
+              <a:t>JAEGER</a:t>
+            </a:r>
+            <a:r>
+              <a:rPr lang="ru-RU" sz="3200" dirty="0" smtClean="0"/>
+              <a:t> ?</a:t>
+            </a:r>
+            <a:endParaRPr lang="ru-RU" sz="3200" dirty="0"/>
+          </a:p>
+        </p:txBody>
+      </p:sp>
+      <p:sp>
+        <p:nvSpPr>
+          <p:cNvPr id="3" name="TextBox 2"/>
+          <p:cNvSpPr txBox="1"/>
+          <p:nvPr/>
+        </p:nvSpPr>
+        <p:spPr>
+          <a:xfrm>
+            <a:off x="838200" y="1778000"/>
+            <a:ext cx="1977849" cy="369332"/>
+          </a:xfrm>
+          <a:prstGeom prst="rect">
+            <a:avLst/>
+          </a:prstGeom>
+          <a:noFill/>
+        </p:spPr>
+        <p:txBody>
+          <a:bodyPr wrap="none" rtlCol="0">
+            <a:spAutoFit/>
+          </a:bodyPr>
+          <a:lstStyle/>
+          <a:p>
+            <a:r>
+              <a:rPr lang="ru-RU" dirty="0" smtClean="0"/>
+              <a:t>Масштабируемый</a:t>
+            </a:r>
+            <a:endParaRPr lang="ru-RU" dirty="0"/>
+          </a:p>
+        </p:txBody>
+      </p:sp>
+      <p:sp>
+        <p:nvSpPr>
+          <p:cNvPr id="8" name="TextBox 7"/>
+          <p:cNvSpPr txBox="1"/>
+          <p:nvPr/>
+        </p:nvSpPr>
+        <p:spPr>
+          <a:xfrm>
+            <a:off x="838200" y="2190234"/>
+            <a:ext cx="1140056" cy="369332"/>
+          </a:xfrm>
+          <a:prstGeom prst="rect">
+            <a:avLst/>
+          </a:prstGeom>
+          <a:noFill/>
+        </p:spPr>
+        <p:txBody>
+          <a:bodyPr wrap="none" rtlCol="0">
+            <a:spAutoFit/>
+          </a:bodyPr>
+          <a:lstStyle/>
+          <a:p>
+            <a:r>
+              <a:rPr lang="ru-RU" dirty="0" smtClean="0"/>
+              <a:t>Хранение</a:t>
+            </a:r>
+            <a:endParaRPr lang="ru-RU" dirty="0"/>
+          </a:p>
+        </p:txBody>
+      </p:sp>
+      <p:sp>
+        <p:nvSpPr>
+          <p:cNvPr id="11" name="TextBox 10"/>
+          <p:cNvSpPr txBox="1"/>
+          <p:nvPr/>
+        </p:nvSpPr>
+        <p:spPr>
+          <a:xfrm>
+            <a:off x="838200" y="2602468"/>
+            <a:ext cx="1743234" cy="461665"/>
+          </a:xfrm>
+          <a:prstGeom prst="rect">
+            <a:avLst/>
+          </a:prstGeom>
+          <a:noFill/>
+        </p:spPr>
+        <p:txBody>
+          <a:bodyPr wrap="none" rtlCol="0">
+            <a:spAutoFit/>
+          </a:bodyPr>
+          <a:lstStyle/>
+          <a:p>
+            <a:r>
+              <a:rPr lang="en-US" sz="2400" b="1" dirty="0" err="1" smtClean="0"/>
+              <a:t>OpenSource</a:t>
+            </a:r>
+            <a:endParaRPr lang="ru-RU" sz="2400" b="1" dirty="0"/>
+          </a:p>
+        </p:txBody>
+      </p:sp>
+    </p:spTree>
+    <p:extLst>
+      <p:ext uri="{BB962C8B-B14F-4D97-AF65-F5344CB8AC3E}">
+        <p14:creationId xmlns:p14="http://schemas.microsoft.com/office/powerpoint/2010/main" val="1245503922"/>
+      </p:ext>
+    </p:extLst>
+  </p:cSld>
+  <p:clrMapOvr>
+    <a:masterClrMapping/>
+  </p:clrMapOvr>
+  <p:timing>
+    <p:tnLst>
+      <p:par>
+        <p:cTn id="1" dur="indefinite" restart="never" nodeType="tmRoot"/>
+      </p:par>
+    </p:tnLst>
+  </p:timing>
+</p:sld>
+</file>
+
+<file path=ppt/slides/slide35.xml><?xml version="1.0" encoding="utf-8"?>
+<p:sld xmlns:a="http://schemas.openxmlformats.org/drawingml/2006/main" xmlns:r="http://schemas.openxmlformats.org/officeDocument/2006/relationships" xmlns:p="http://schemas.openxmlformats.org/presentationml/2006/main">
+  <p:cSld>
+    <p:spTree>
+      <p:nvGrpSpPr>
+        <p:cNvPr id="1" name=""/>
+        <p:cNvGrpSpPr/>
+        <p:nvPr/>
+      </p:nvGrpSpPr>
+      <p:grpSpPr>
+        <a:xfrm>
+          <a:off x="0" y="0"/>
+          <a:ext cx="0" cy="0"/>
+          <a:chOff x="0" y="0"/>
+          <a:chExt cx="0" cy="0"/>
+        </a:xfrm>
+      </p:grpSpPr>
+      <p:pic>
+        <p:nvPicPr>
+          <p:cNvPr id="4" name="Рисунок 3"/>
+          <p:cNvPicPr>
+            <a:picLocks noChangeAspect="1"/>
+          </p:cNvPicPr>
+          <p:nvPr/>
+        </p:nvPicPr>
+        <p:blipFill>
+          <a:blip r:embed="rId2"/>
+          <a:stretch>
+            <a:fillRect/>
+          </a:stretch>
+        </p:blipFill>
+        <p:spPr>
+          <a:xfrm>
+            <a:off x="8496300" y="143669"/>
+            <a:ext cx="2857500" cy="1076325"/>
+          </a:xfrm>
+          <a:prstGeom prst="rect">
+            <a:avLst/>
+          </a:prstGeom>
+        </p:spPr>
+      </p:pic>
+      <p:sp>
+        <p:nvSpPr>
+          <p:cNvPr id="20" name="TextBox 19"/>
+          <p:cNvSpPr txBox="1"/>
+          <p:nvPr/>
+        </p:nvSpPr>
+        <p:spPr>
+          <a:xfrm>
+            <a:off x="838200" y="1036873"/>
+            <a:ext cx="5986793" cy="584775"/>
+          </a:xfrm>
+          <a:prstGeom prst="rect">
+            <a:avLst/>
+          </a:prstGeom>
+          <a:noFill/>
+        </p:spPr>
+        <p:txBody>
+          <a:bodyPr wrap="square" rtlCol="0">
+            <a:spAutoFit/>
+          </a:bodyPr>
+          <a:lstStyle/>
+          <a:p>
+            <a:r>
+              <a:rPr lang="en-US" sz="3200" dirty="0" smtClean="0"/>
+              <a:t>OpenTelemetry DOTNET</a:t>
+            </a:r>
+            <a:endParaRPr lang="ru-RU" sz="3200" dirty="0"/>
+          </a:p>
+        </p:txBody>
+      </p:sp>
+      <p:sp>
+        <p:nvSpPr>
+          <p:cNvPr id="3" name="TextBox 2"/>
+          <p:cNvSpPr txBox="1"/>
+          <p:nvPr/>
+        </p:nvSpPr>
+        <p:spPr>
+          <a:xfrm>
+            <a:off x="838200" y="2070100"/>
+            <a:ext cx="9122947" cy="3139321"/>
+          </a:xfrm>
+          <a:prstGeom prst="rect">
+            <a:avLst/>
+          </a:prstGeom>
+          <a:noFill/>
+          <a:ln>
+            <a:noFill/>
+            <a:prstDash val="dash"/>
+          </a:ln>
+        </p:spPr>
+        <p:txBody>
+          <a:bodyPr wrap="none" rtlCol="0">
+            <a:spAutoFit/>
+          </a:bodyPr>
+          <a:lstStyle/>
+          <a:p>
+            <a:r>
+              <a:rPr lang="en-US" dirty="0" smtClean="0">
+                <a:latin typeface="Verdana" panose="020B0604030504040204" pitchFamily="34" charset="0"/>
+                <a:ea typeface="Verdana" panose="020B0604030504040204" pitchFamily="34" charset="0"/>
+              </a:rPr>
+              <a:t>var appName = “MyApp”;</a:t>
+            </a:r>
+          </a:p>
+          <a:p>
+            <a:endParaRPr lang="en-US" dirty="0" smtClean="0">
+              <a:latin typeface="Verdana" panose="020B0604030504040204" pitchFamily="34" charset="0"/>
+              <a:ea typeface="Verdana" panose="020B0604030504040204" pitchFamily="34" charset="0"/>
+            </a:endParaRPr>
+          </a:p>
+          <a:p>
+            <a:r>
+              <a:rPr lang="ru-RU" dirty="0" smtClean="0">
+                <a:latin typeface="Verdana" panose="020B0604030504040204" pitchFamily="34" charset="0"/>
+                <a:ea typeface="Verdana" panose="020B0604030504040204" pitchFamily="34" charset="0"/>
+              </a:rPr>
+              <a:t>_</a:t>
+            </a:r>
+            <a:r>
+              <a:rPr lang="en-US" dirty="0" smtClean="0">
+                <a:latin typeface="Verdana" panose="020B0604030504040204" pitchFamily="34" charset="0"/>
+                <a:ea typeface="Verdana" panose="020B0604030504040204" pitchFamily="34" charset="0"/>
+              </a:rPr>
+              <a:t>traceProvider = Sdk.CreateTracerProviderBuilder</a:t>
+            </a:r>
+            <a:r>
+              <a:rPr lang="en-US" dirty="0">
+                <a:latin typeface="Verdana" panose="020B0604030504040204" pitchFamily="34" charset="0"/>
+                <a:ea typeface="Verdana" panose="020B0604030504040204" pitchFamily="34" charset="0"/>
+              </a:rPr>
+              <a:t>()</a:t>
+            </a:r>
+          </a:p>
+          <a:p>
+            <a:r>
+              <a:rPr lang="en-US" dirty="0">
+                <a:latin typeface="Verdana" panose="020B0604030504040204" pitchFamily="34" charset="0"/>
+                <a:ea typeface="Verdana" panose="020B0604030504040204" pitchFamily="34" charset="0"/>
+              </a:rPr>
+              <a:t>            .</a:t>
+            </a:r>
+            <a:r>
+              <a:rPr lang="en-US" dirty="0">
+                <a:solidFill>
+                  <a:schemeClr val="accent5"/>
+                </a:solidFill>
+                <a:latin typeface="Verdana" panose="020B0604030504040204" pitchFamily="34" charset="0"/>
+                <a:ea typeface="Verdana" panose="020B0604030504040204" pitchFamily="34" charset="0"/>
+              </a:rPr>
+              <a:t>AddAspNetInstrumentation</a:t>
+            </a:r>
+            <a:r>
+              <a:rPr lang="en-US" dirty="0">
+                <a:latin typeface="Verdana" panose="020B0604030504040204" pitchFamily="34" charset="0"/>
+                <a:ea typeface="Verdana" panose="020B0604030504040204" pitchFamily="34" charset="0"/>
+              </a:rPr>
+              <a:t>()</a:t>
+            </a:r>
+          </a:p>
+          <a:p>
+            <a:r>
+              <a:rPr lang="en-US" dirty="0">
+                <a:latin typeface="Verdana" panose="020B0604030504040204" pitchFamily="34" charset="0"/>
+                <a:ea typeface="Verdana" panose="020B0604030504040204" pitchFamily="34" charset="0"/>
+              </a:rPr>
+              <a:t>            .</a:t>
+            </a:r>
+            <a:r>
+              <a:rPr lang="en-US" dirty="0">
+                <a:solidFill>
+                  <a:schemeClr val="accent5"/>
+                </a:solidFill>
+                <a:latin typeface="Verdana" panose="020B0604030504040204" pitchFamily="34" charset="0"/>
+                <a:ea typeface="Verdana" panose="020B0604030504040204" pitchFamily="34" charset="0"/>
+              </a:rPr>
+              <a:t>AddHttpClientInstrumentation</a:t>
+            </a:r>
+            <a:r>
+              <a:rPr lang="en-US" dirty="0">
+                <a:latin typeface="Verdana" panose="020B0604030504040204" pitchFamily="34" charset="0"/>
+                <a:ea typeface="Verdana" panose="020B0604030504040204" pitchFamily="34" charset="0"/>
+              </a:rPr>
+              <a:t>()</a:t>
+            </a:r>
+          </a:p>
+          <a:p>
+            <a:r>
+              <a:rPr lang="en-US" dirty="0">
+                <a:latin typeface="Verdana" panose="020B0604030504040204" pitchFamily="34" charset="0"/>
+                <a:ea typeface="Verdana" panose="020B0604030504040204" pitchFamily="34" charset="0"/>
+              </a:rPr>
+              <a:t>            .</a:t>
+            </a:r>
+            <a:r>
+              <a:rPr lang="en-US" dirty="0">
+                <a:solidFill>
+                  <a:schemeClr val="accent5"/>
+                </a:solidFill>
+                <a:latin typeface="Verdana" panose="020B0604030504040204" pitchFamily="34" charset="0"/>
+                <a:ea typeface="Verdana" panose="020B0604030504040204" pitchFamily="34" charset="0"/>
+              </a:rPr>
+              <a:t>AddWcfInstrumentation</a:t>
+            </a:r>
+            <a:r>
+              <a:rPr lang="en-US" dirty="0">
+                <a:latin typeface="Verdana" panose="020B0604030504040204" pitchFamily="34" charset="0"/>
+                <a:ea typeface="Verdana" panose="020B0604030504040204" pitchFamily="34" charset="0"/>
+              </a:rPr>
+              <a:t>()</a:t>
+            </a:r>
+          </a:p>
+          <a:p>
+            <a:r>
+              <a:rPr lang="en-US" dirty="0">
+                <a:latin typeface="Verdana" panose="020B0604030504040204" pitchFamily="34" charset="0"/>
+                <a:ea typeface="Verdana" panose="020B0604030504040204" pitchFamily="34" charset="0"/>
+              </a:rPr>
+              <a:t>            .</a:t>
+            </a:r>
+            <a:r>
+              <a:rPr lang="en-US" dirty="0">
+                <a:solidFill>
+                  <a:srgbClr val="FF0000"/>
+                </a:solidFill>
+                <a:latin typeface="Verdana" panose="020B0604030504040204" pitchFamily="34" charset="0"/>
+                <a:ea typeface="Verdana" panose="020B0604030504040204" pitchFamily="34" charset="0"/>
+              </a:rPr>
+              <a:t>AddSource</a:t>
+            </a:r>
+            <a:r>
+              <a:rPr lang="en-US" dirty="0">
+                <a:latin typeface="Verdana" panose="020B0604030504040204" pitchFamily="34" charset="0"/>
+                <a:ea typeface="Verdana" panose="020B0604030504040204" pitchFamily="34" charset="0"/>
+              </a:rPr>
+              <a:t>(appName)</a:t>
+            </a:r>
+          </a:p>
+          <a:p>
+            <a:r>
+              <a:rPr lang="en-US" dirty="0">
+                <a:latin typeface="Verdana" panose="020B0604030504040204" pitchFamily="34" charset="0"/>
+                <a:ea typeface="Verdana" panose="020B0604030504040204" pitchFamily="34" charset="0"/>
+              </a:rPr>
+              <a:t>            .SetResourceBuilder(</a:t>
+            </a:r>
+          </a:p>
+          <a:p>
+            <a:r>
+              <a:rPr lang="en-US" dirty="0">
+                <a:latin typeface="Verdana" panose="020B0604030504040204" pitchFamily="34" charset="0"/>
+                <a:ea typeface="Verdana" panose="020B0604030504040204" pitchFamily="34" charset="0"/>
+              </a:rPr>
+              <a:t>                ResourceBuilder.CreateDefault()</a:t>
+            </a:r>
+          </a:p>
+          <a:p>
+            <a:r>
+              <a:rPr lang="en-US" dirty="0">
+                <a:latin typeface="Verdana" panose="020B0604030504040204" pitchFamily="34" charset="0"/>
+                <a:ea typeface="Verdana" panose="020B0604030504040204" pitchFamily="34" charset="0"/>
+              </a:rPr>
+              <a:t>                    .</a:t>
+            </a:r>
+            <a:r>
+              <a:rPr lang="en-US" dirty="0">
+                <a:solidFill>
+                  <a:srgbClr val="FF0000"/>
+                </a:solidFill>
+                <a:latin typeface="Verdana" panose="020B0604030504040204" pitchFamily="34" charset="0"/>
+                <a:ea typeface="Verdana" panose="020B0604030504040204" pitchFamily="34" charset="0"/>
+              </a:rPr>
+              <a:t>AddService</a:t>
+            </a:r>
+            <a:r>
+              <a:rPr lang="en-US" dirty="0">
+                <a:latin typeface="Verdana" panose="020B0604030504040204" pitchFamily="34" charset="0"/>
+                <a:ea typeface="Verdana" panose="020B0604030504040204" pitchFamily="34" charset="0"/>
+              </a:rPr>
+              <a:t>(</a:t>
+            </a:r>
+            <a:r>
+              <a:rPr lang="en-US" dirty="0" err="1">
+                <a:latin typeface="Verdana" panose="020B0604030504040204" pitchFamily="34" charset="0"/>
+                <a:ea typeface="Verdana" panose="020B0604030504040204" pitchFamily="34" charset="0"/>
+              </a:rPr>
+              <a:t>serviceName</a:t>
+            </a:r>
+            <a:r>
+              <a:rPr lang="en-US" dirty="0">
+                <a:latin typeface="Verdana" panose="020B0604030504040204" pitchFamily="34" charset="0"/>
+                <a:ea typeface="Verdana" panose="020B0604030504040204" pitchFamily="34" charset="0"/>
+              </a:rPr>
+              <a:t>: appName, </a:t>
+            </a:r>
+            <a:r>
+              <a:rPr lang="en-US" dirty="0" err="1">
+                <a:latin typeface="Verdana" panose="020B0604030504040204" pitchFamily="34" charset="0"/>
+                <a:ea typeface="Verdana" panose="020B0604030504040204" pitchFamily="34" charset="0"/>
+              </a:rPr>
+              <a:t>serviceVersion</a:t>
+            </a:r>
+            <a:r>
+              <a:rPr lang="en-US" dirty="0">
+                <a:latin typeface="Verdana" panose="020B0604030504040204" pitchFamily="34" charset="0"/>
+                <a:ea typeface="Verdana" panose="020B0604030504040204" pitchFamily="34" charset="0"/>
+              </a:rPr>
+              <a:t>: "1.0.0"))</a:t>
+            </a:r>
+          </a:p>
+          <a:p>
+            <a:r>
+              <a:rPr lang="en-US" dirty="0">
+                <a:latin typeface="Verdana" panose="020B0604030504040204" pitchFamily="34" charset="0"/>
+                <a:ea typeface="Verdana" panose="020B0604030504040204" pitchFamily="34" charset="0"/>
+              </a:rPr>
+              <a:t>            .Build();</a:t>
+            </a:r>
+            <a:endParaRPr lang="ru-RU" dirty="0">
+              <a:latin typeface="Verdana" panose="020B0604030504040204" pitchFamily="34" charset="0"/>
+              <a:ea typeface="Verdana" panose="020B0604030504040204" pitchFamily="34" charset="0"/>
+            </a:endParaRPr>
+          </a:p>
+        </p:txBody>
+      </p:sp>
+      <p:sp>
+        <p:nvSpPr>
+          <p:cNvPr id="5" name="TextBox 4"/>
+          <p:cNvSpPr txBox="1"/>
+          <p:nvPr/>
+        </p:nvSpPr>
+        <p:spPr>
+          <a:xfrm>
+            <a:off x="838200" y="1700768"/>
+            <a:ext cx="2537426" cy="369332"/>
+          </a:xfrm>
+          <a:prstGeom prst="rect">
+            <a:avLst/>
+          </a:prstGeom>
+          <a:noFill/>
+        </p:spPr>
+        <p:txBody>
+          <a:bodyPr wrap="none" rtlCol="0">
+            <a:spAutoFit/>
+          </a:bodyPr>
+          <a:lstStyle/>
+          <a:p>
+            <a:r>
+              <a:rPr lang="ru-RU" dirty="0" smtClean="0"/>
+              <a:t>При старте приложения</a:t>
+            </a:r>
+            <a:endParaRPr lang="ru-RU" dirty="0"/>
+          </a:p>
+        </p:txBody>
+      </p:sp>
+      <p:sp>
+        <p:nvSpPr>
+          <p:cNvPr id="35" name="TextBox 34"/>
+          <p:cNvSpPr txBox="1"/>
+          <p:nvPr/>
+        </p:nvSpPr>
+        <p:spPr>
+          <a:xfrm>
+            <a:off x="901700" y="5536168"/>
+            <a:ext cx="3127779" cy="369332"/>
+          </a:xfrm>
+          <a:prstGeom prst="rect">
+            <a:avLst/>
+          </a:prstGeom>
+          <a:noFill/>
+        </p:spPr>
+        <p:txBody>
+          <a:bodyPr wrap="none" rtlCol="0">
+            <a:spAutoFit/>
+          </a:bodyPr>
+          <a:lstStyle/>
+          <a:p>
+            <a:r>
+              <a:rPr lang="ru-RU" dirty="0" smtClean="0"/>
+              <a:t>При завершении приложения</a:t>
+            </a:r>
+            <a:endParaRPr lang="ru-RU" dirty="0"/>
+          </a:p>
+        </p:txBody>
+      </p:sp>
+      <p:sp>
+        <p:nvSpPr>
+          <p:cNvPr id="36" name="TextBox 35"/>
+          <p:cNvSpPr txBox="1"/>
+          <p:nvPr/>
+        </p:nvSpPr>
+        <p:spPr>
+          <a:xfrm>
+            <a:off x="901700" y="6047581"/>
+            <a:ext cx="3135858" cy="369332"/>
+          </a:xfrm>
+          <a:prstGeom prst="rect">
+            <a:avLst/>
+          </a:prstGeom>
+          <a:noFill/>
+          <a:ln>
+            <a:noFill/>
+            <a:prstDash val="dash"/>
+          </a:ln>
+        </p:spPr>
+        <p:txBody>
+          <a:bodyPr wrap="none" rtlCol="0">
+            <a:spAutoFit/>
+          </a:bodyPr>
+          <a:lstStyle/>
+          <a:p>
+            <a:r>
+              <a:rPr lang="ru-RU" dirty="0" smtClean="0">
+                <a:latin typeface="Verdana" panose="020B0604030504040204" pitchFamily="34" charset="0"/>
+                <a:ea typeface="Verdana" panose="020B0604030504040204" pitchFamily="34" charset="0"/>
+              </a:rPr>
+              <a:t>_</a:t>
+            </a:r>
+            <a:r>
+              <a:rPr lang="en-US" dirty="0" smtClean="0">
+                <a:latin typeface="Verdana" panose="020B0604030504040204" pitchFamily="34" charset="0"/>
+                <a:ea typeface="Verdana" panose="020B0604030504040204" pitchFamily="34" charset="0"/>
+              </a:rPr>
+              <a:t>traceProvider.Dispose();</a:t>
+            </a:r>
+            <a:endParaRPr lang="ru-RU" dirty="0">
+              <a:latin typeface="Verdana" panose="020B0604030504040204" pitchFamily="34" charset="0"/>
+              <a:ea typeface="Verdana" panose="020B0604030504040204" pitchFamily="34" charset="0"/>
+            </a:endParaRPr>
+          </a:p>
+        </p:txBody>
+      </p:sp>
+    </p:spTree>
+    <p:extLst>
+      <p:ext uri="{BB962C8B-B14F-4D97-AF65-F5344CB8AC3E}">
+        <p14:creationId xmlns:p14="http://schemas.microsoft.com/office/powerpoint/2010/main" val="2942701690"/>
+      </p:ext>
+    </p:extLst>
+  </p:cSld>
+  <p:clrMapOvr>
+    <a:masterClrMapping/>
+  </p:clrMapOvr>
+  <p:timing>
+    <p:tnLst>
+      <p:par>
+        <p:cTn id="1" dur="indefinite" restart="never" nodeType="tmRoot"/>
+      </p:par>
+    </p:tnLst>
+  </p:timing>
+</p:sld>
+</file>
+
+<file path=ppt/slides/slide36.xml><?xml version="1.0" encoding="utf-8"?>
+<p:sld xmlns:a="http://schemas.openxmlformats.org/drawingml/2006/main" xmlns:r="http://schemas.openxmlformats.org/officeDocument/2006/relationships" xmlns:p="http://schemas.openxmlformats.org/presentationml/2006/main">
+  <p:cSld>
+    <p:spTree>
+      <p:nvGrpSpPr>
+        <p:cNvPr id="1" name=""/>
+        <p:cNvGrpSpPr/>
+        <p:nvPr/>
+      </p:nvGrpSpPr>
+      <p:grpSpPr>
+        <a:xfrm>
+          <a:off x="0" y="0"/>
+          <a:ext cx="0" cy="0"/>
+          <a:chOff x="0" y="0"/>
+          <a:chExt cx="0" cy="0"/>
+        </a:xfrm>
+      </p:grpSpPr>
+      <p:pic>
+        <p:nvPicPr>
+          <p:cNvPr id="4" name="Рисунок 3"/>
+          <p:cNvPicPr>
+            <a:picLocks noChangeAspect="1"/>
+          </p:cNvPicPr>
+          <p:nvPr/>
+        </p:nvPicPr>
+        <p:blipFill>
+          <a:blip r:embed="rId2"/>
+          <a:stretch>
+            <a:fillRect/>
+          </a:stretch>
+        </p:blipFill>
+        <p:spPr>
+          <a:xfrm>
+            <a:off x="8496300" y="143669"/>
+            <a:ext cx="2857500" cy="1076325"/>
+          </a:xfrm>
+          <a:prstGeom prst="rect">
+            <a:avLst/>
+          </a:prstGeom>
+        </p:spPr>
+      </p:pic>
+      <p:sp>
+        <p:nvSpPr>
+          <p:cNvPr id="20" name="TextBox 19"/>
+          <p:cNvSpPr txBox="1"/>
+          <p:nvPr/>
+        </p:nvSpPr>
+        <p:spPr>
+          <a:xfrm>
+            <a:off x="838200" y="1036873"/>
+            <a:ext cx="5986793" cy="584775"/>
+          </a:xfrm>
+          <a:prstGeom prst="rect">
+            <a:avLst/>
+          </a:prstGeom>
+          <a:noFill/>
+        </p:spPr>
+        <p:txBody>
+          <a:bodyPr wrap="square" rtlCol="0">
+            <a:spAutoFit/>
+          </a:bodyPr>
+          <a:lstStyle/>
+          <a:p>
+            <a:r>
+              <a:rPr lang="en-US" sz="3200" dirty="0" smtClean="0"/>
+              <a:t>OpenTelemetry DOTNET</a:t>
+            </a:r>
+            <a:endParaRPr lang="ru-RU" sz="3200" dirty="0"/>
+          </a:p>
+        </p:txBody>
+      </p:sp>
+      <p:sp>
+        <p:nvSpPr>
+          <p:cNvPr id="3" name="TextBox 2"/>
+          <p:cNvSpPr txBox="1"/>
+          <p:nvPr/>
+        </p:nvSpPr>
+        <p:spPr>
+          <a:xfrm>
+            <a:off x="838200" y="2070100"/>
+            <a:ext cx="9536137" cy="4462760"/>
+          </a:xfrm>
+          <a:prstGeom prst="rect">
+            <a:avLst/>
+          </a:prstGeom>
+          <a:noFill/>
+          <a:ln>
+            <a:noFill/>
+            <a:prstDash val="dash"/>
+          </a:ln>
+        </p:spPr>
+        <p:txBody>
+          <a:bodyPr wrap="none" rtlCol="0">
+            <a:spAutoFit/>
+          </a:bodyPr>
+          <a:lstStyle/>
+          <a:p>
+            <a:r>
+              <a:rPr lang="en-US" sz="1400" dirty="0" smtClean="0">
+                <a:latin typeface="Verdana" panose="020B0604030504040204" pitchFamily="34" charset="0"/>
+                <a:ea typeface="Verdana" panose="020B0604030504040204" pitchFamily="34" charset="0"/>
+              </a:rPr>
+              <a:t>var appName = “MyApp”;</a:t>
+            </a:r>
+          </a:p>
+          <a:p>
+            <a:endParaRPr lang="en-US" sz="1600" dirty="0" smtClean="0">
+              <a:latin typeface="Verdana" panose="020B0604030504040204" pitchFamily="34" charset="0"/>
+              <a:ea typeface="Verdana" panose="020B0604030504040204" pitchFamily="34" charset="0"/>
+            </a:endParaRPr>
+          </a:p>
+          <a:p>
+            <a:r>
+              <a:rPr lang="en-US" sz="1600" dirty="0"/>
+              <a:t> </a:t>
+            </a:r>
+            <a:r>
+              <a:rPr lang="en-US" sz="1400" dirty="0">
+                <a:latin typeface="Verdana" panose="020B0604030504040204" pitchFamily="34" charset="0"/>
+                <a:ea typeface="Verdana" panose="020B0604030504040204" pitchFamily="34" charset="0"/>
+              </a:rPr>
+              <a:t>services.AddOpenTelemetry()</a:t>
+            </a:r>
+          </a:p>
+          <a:p>
+            <a:r>
+              <a:rPr lang="en-US" sz="1400" dirty="0">
+                <a:latin typeface="Verdana" panose="020B0604030504040204" pitchFamily="34" charset="0"/>
+                <a:ea typeface="Verdana" panose="020B0604030504040204" pitchFamily="34" charset="0"/>
+              </a:rPr>
+              <a:t>                </a:t>
+            </a:r>
+            <a:r>
+              <a:rPr lang="en-US" sz="1400" dirty="0" smtClean="0">
+                <a:latin typeface="Verdana" panose="020B0604030504040204" pitchFamily="34" charset="0"/>
+                <a:ea typeface="Verdana" panose="020B0604030504040204" pitchFamily="34" charset="0"/>
+              </a:rPr>
+              <a:t>.WithTracing(traceProviderBuilder </a:t>
+            </a:r>
+            <a:r>
+              <a:rPr lang="en-US" sz="1400" dirty="0">
+                <a:latin typeface="Verdana" panose="020B0604030504040204" pitchFamily="34" charset="0"/>
+                <a:ea typeface="Verdana" panose="020B0604030504040204" pitchFamily="34" charset="0"/>
+              </a:rPr>
+              <a:t>=&gt;</a:t>
+            </a:r>
+          </a:p>
+          <a:p>
+            <a:r>
+              <a:rPr lang="ru-RU" sz="1400" dirty="0">
+                <a:latin typeface="Verdana" panose="020B0604030504040204" pitchFamily="34" charset="0"/>
+                <a:ea typeface="Verdana" panose="020B0604030504040204" pitchFamily="34" charset="0"/>
+              </a:rPr>
+              <a:t>                {</a:t>
+            </a:r>
+          </a:p>
+          <a:p>
+            <a:r>
+              <a:rPr lang="en-US" sz="1400" dirty="0" smtClean="0">
+                <a:latin typeface="Verdana" panose="020B0604030504040204" pitchFamily="34" charset="0"/>
+                <a:ea typeface="Verdana" panose="020B0604030504040204" pitchFamily="34" charset="0"/>
+              </a:rPr>
+              <a:t>                    </a:t>
+            </a:r>
+            <a:r>
+              <a:rPr lang="en-US" sz="1400" dirty="0">
+                <a:latin typeface="Verdana" panose="020B0604030504040204" pitchFamily="34" charset="0"/>
+                <a:ea typeface="Verdana" panose="020B0604030504040204" pitchFamily="34" charset="0"/>
+              </a:rPr>
+              <a:t>var openTelemetryOption = new OpenTelemetryOption();</a:t>
+            </a:r>
+          </a:p>
+          <a:p>
+            <a:r>
+              <a:rPr lang="en-US" sz="1400" dirty="0">
+                <a:latin typeface="Verdana" panose="020B0604030504040204" pitchFamily="34" charset="0"/>
+                <a:ea typeface="Verdana" panose="020B0604030504040204" pitchFamily="34" charset="0"/>
+              </a:rPr>
+              <a:t>                    Configuration.GetSection(</a:t>
+            </a:r>
+            <a:r>
+              <a:rPr lang="en-US" sz="1400" dirty="0" err="1">
+                <a:latin typeface="Verdana" panose="020B0604030504040204" pitchFamily="34" charset="0"/>
+                <a:ea typeface="Verdana" panose="020B0604030504040204" pitchFamily="34" charset="0"/>
+              </a:rPr>
+              <a:t>OpenTelemetryOption.OpenTelemetryOptionSectionName</a:t>
+            </a:r>
+            <a:r>
+              <a:rPr lang="en-US" sz="1400" dirty="0">
+                <a:latin typeface="Verdana" panose="020B0604030504040204" pitchFamily="34" charset="0"/>
+                <a:ea typeface="Verdana" panose="020B0604030504040204" pitchFamily="34" charset="0"/>
+              </a:rPr>
+              <a:t>)</a:t>
+            </a:r>
+          </a:p>
+          <a:p>
+            <a:r>
+              <a:rPr lang="en-US" sz="1400" dirty="0">
+                <a:latin typeface="Verdana" panose="020B0604030504040204" pitchFamily="34" charset="0"/>
+                <a:ea typeface="Verdana" panose="020B0604030504040204" pitchFamily="34" charset="0"/>
+              </a:rPr>
+              <a:t>                        .Bind(openTelemetryOption);</a:t>
+            </a:r>
+          </a:p>
+          <a:p>
+            <a:endParaRPr lang="ru-RU" sz="1400" dirty="0">
+              <a:latin typeface="Verdana" panose="020B0604030504040204" pitchFamily="34" charset="0"/>
+              <a:ea typeface="Verdana" panose="020B0604030504040204" pitchFamily="34" charset="0"/>
+            </a:endParaRPr>
+          </a:p>
+          <a:p>
+            <a:r>
+              <a:rPr lang="en-US" sz="1400" dirty="0">
+                <a:latin typeface="Verdana" panose="020B0604030504040204" pitchFamily="34" charset="0"/>
+                <a:ea typeface="Verdana" panose="020B0604030504040204" pitchFamily="34" charset="0"/>
+              </a:rPr>
+              <a:t>                    </a:t>
+            </a:r>
+            <a:r>
+              <a:rPr lang="en-US" sz="1400" dirty="0" smtClean="0">
+                <a:latin typeface="Verdana" panose="020B0604030504040204" pitchFamily="34" charset="0"/>
+                <a:ea typeface="Verdana" panose="020B0604030504040204" pitchFamily="34" charset="0"/>
+              </a:rPr>
+              <a:t>traceProviderBuilder</a:t>
+            </a:r>
+          </a:p>
+          <a:p>
+            <a:r>
+              <a:rPr lang="en-US" sz="1400" dirty="0">
+                <a:latin typeface="Verdana" panose="020B0604030504040204" pitchFamily="34" charset="0"/>
+                <a:ea typeface="Verdana" panose="020B0604030504040204" pitchFamily="34" charset="0"/>
+              </a:rPr>
+              <a:t> </a:t>
+            </a:r>
+            <a:r>
+              <a:rPr lang="en-US" sz="1400" dirty="0" smtClean="0">
+                <a:latin typeface="Verdana" panose="020B0604030504040204" pitchFamily="34" charset="0"/>
+                <a:ea typeface="Verdana" panose="020B0604030504040204" pitchFamily="34" charset="0"/>
+              </a:rPr>
+              <a:t>                       .</a:t>
+            </a:r>
+            <a:r>
+              <a:rPr lang="en-US" sz="1400" dirty="0">
+                <a:solidFill>
+                  <a:srgbClr val="FF0000"/>
+                </a:solidFill>
+                <a:latin typeface="Verdana" panose="020B0604030504040204" pitchFamily="34" charset="0"/>
+                <a:ea typeface="Verdana" panose="020B0604030504040204" pitchFamily="34" charset="0"/>
+              </a:rPr>
+              <a:t>AddSource</a:t>
+            </a:r>
+            <a:r>
+              <a:rPr lang="en-US" sz="1400" dirty="0">
+                <a:latin typeface="Verdana" panose="020B0604030504040204" pitchFamily="34" charset="0"/>
+                <a:ea typeface="Verdana" panose="020B0604030504040204" pitchFamily="34" charset="0"/>
+              </a:rPr>
+              <a:t>(appName)</a:t>
+            </a:r>
+          </a:p>
+          <a:p>
+            <a:r>
+              <a:rPr lang="en-US" sz="1400" dirty="0">
+                <a:latin typeface="Verdana" panose="020B0604030504040204" pitchFamily="34" charset="0"/>
+                <a:ea typeface="Verdana" panose="020B0604030504040204" pitchFamily="34" charset="0"/>
+              </a:rPr>
+              <a:t>                    </a:t>
+            </a:r>
+            <a:r>
+              <a:rPr lang="en-US" sz="1400" dirty="0" smtClean="0">
+                <a:latin typeface="Verdana" panose="020B0604030504040204" pitchFamily="34" charset="0"/>
+                <a:ea typeface="Verdana" panose="020B0604030504040204" pitchFamily="34" charset="0"/>
+              </a:rPr>
+              <a:t>    .SetResourceBuilder(</a:t>
+            </a:r>
+            <a:r>
+              <a:rPr lang="en-US" sz="1400" dirty="0" err="1" smtClean="0">
+                <a:latin typeface="Verdana" panose="020B0604030504040204" pitchFamily="34" charset="0"/>
+                <a:ea typeface="Verdana" panose="020B0604030504040204" pitchFamily="34" charset="0"/>
+              </a:rPr>
+              <a:t>ResourceBuilder</a:t>
+            </a:r>
+            <a:endParaRPr lang="en-US" sz="1400" dirty="0" smtClean="0">
+              <a:latin typeface="Verdana" panose="020B0604030504040204" pitchFamily="34" charset="0"/>
+              <a:ea typeface="Verdana" panose="020B0604030504040204" pitchFamily="34" charset="0"/>
+            </a:endParaRPr>
+          </a:p>
+          <a:p>
+            <a:r>
+              <a:rPr lang="en-US" sz="1400" dirty="0">
+                <a:latin typeface="Verdana" panose="020B0604030504040204" pitchFamily="34" charset="0"/>
+                <a:ea typeface="Verdana" panose="020B0604030504040204" pitchFamily="34" charset="0"/>
+              </a:rPr>
+              <a:t> </a:t>
+            </a:r>
+            <a:r>
+              <a:rPr lang="en-US" sz="1400" dirty="0" smtClean="0">
+                <a:latin typeface="Verdana" panose="020B0604030504040204" pitchFamily="34" charset="0"/>
+                <a:ea typeface="Verdana" panose="020B0604030504040204" pitchFamily="34" charset="0"/>
+              </a:rPr>
+              <a:t>                                .</a:t>
+            </a:r>
+            <a:r>
+              <a:rPr lang="en-US" sz="1400" dirty="0">
+                <a:latin typeface="Verdana" panose="020B0604030504040204" pitchFamily="34" charset="0"/>
+                <a:ea typeface="Verdana" panose="020B0604030504040204" pitchFamily="34" charset="0"/>
+              </a:rPr>
+              <a:t>CreateDefault</a:t>
+            </a:r>
+            <a:r>
+              <a:rPr lang="en-US" sz="1400" dirty="0" smtClean="0">
+                <a:latin typeface="Verdana" panose="020B0604030504040204" pitchFamily="34" charset="0"/>
+                <a:ea typeface="Verdana" panose="020B0604030504040204" pitchFamily="34" charset="0"/>
+              </a:rPr>
+              <a:t>()</a:t>
+            </a:r>
+          </a:p>
+          <a:p>
+            <a:r>
+              <a:rPr lang="en-US" sz="1400" dirty="0">
+                <a:latin typeface="Verdana" panose="020B0604030504040204" pitchFamily="34" charset="0"/>
+                <a:ea typeface="Verdana" panose="020B0604030504040204" pitchFamily="34" charset="0"/>
+              </a:rPr>
+              <a:t> </a:t>
+            </a:r>
+            <a:r>
+              <a:rPr lang="en-US" sz="1400" dirty="0" smtClean="0">
+                <a:latin typeface="Verdana" panose="020B0604030504040204" pitchFamily="34" charset="0"/>
+                <a:ea typeface="Verdana" panose="020B0604030504040204" pitchFamily="34" charset="0"/>
+              </a:rPr>
+              <a:t>                                .</a:t>
+            </a:r>
+            <a:r>
+              <a:rPr lang="en-US" sz="1400" dirty="0">
+                <a:solidFill>
+                  <a:srgbClr val="FF0000"/>
+                </a:solidFill>
+                <a:latin typeface="Verdana" panose="020B0604030504040204" pitchFamily="34" charset="0"/>
+                <a:ea typeface="Verdana" panose="020B0604030504040204" pitchFamily="34" charset="0"/>
+              </a:rPr>
+              <a:t>AddService</a:t>
+            </a:r>
+            <a:r>
+              <a:rPr lang="en-US" sz="1400" dirty="0">
+                <a:latin typeface="Verdana" panose="020B0604030504040204" pitchFamily="34" charset="0"/>
+                <a:ea typeface="Verdana" panose="020B0604030504040204" pitchFamily="34" charset="0"/>
+              </a:rPr>
+              <a:t>(appName))</a:t>
+            </a:r>
+          </a:p>
+          <a:p>
+            <a:r>
+              <a:rPr lang="en-US" sz="1400" dirty="0">
+                <a:latin typeface="Verdana" panose="020B0604030504040204" pitchFamily="34" charset="0"/>
+                <a:ea typeface="Verdana" panose="020B0604030504040204" pitchFamily="34" charset="0"/>
+              </a:rPr>
+              <a:t>                    </a:t>
+            </a:r>
+            <a:r>
+              <a:rPr lang="en-US" sz="1400" dirty="0" smtClean="0">
+                <a:latin typeface="Verdana" panose="020B0604030504040204" pitchFamily="34" charset="0"/>
+                <a:ea typeface="Verdana" panose="020B0604030504040204" pitchFamily="34" charset="0"/>
+              </a:rPr>
+              <a:t>    .</a:t>
+            </a:r>
+            <a:r>
+              <a:rPr lang="en-US" sz="1400" dirty="0">
+                <a:solidFill>
+                  <a:schemeClr val="accent5"/>
+                </a:solidFill>
+                <a:latin typeface="Verdana" panose="020B0604030504040204" pitchFamily="34" charset="0"/>
+                <a:ea typeface="Verdana" panose="020B0604030504040204" pitchFamily="34" charset="0"/>
+              </a:rPr>
+              <a:t>AddAspNetCoreInstrumentation</a:t>
+            </a:r>
+            <a:r>
+              <a:rPr lang="en-US" sz="1400" dirty="0">
+                <a:latin typeface="Verdana" panose="020B0604030504040204" pitchFamily="34" charset="0"/>
+                <a:ea typeface="Verdana" panose="020B0604030504040204" pitchFamily="34" charset="0"/>
+              </a:rPr>
+              <a:t>()</a:t>
+            </a:r>
+          </a:p>
+          <a:p>
+            <a:r>
+              <a:rPr lang="en-US" sz="1400" dirty="0">
+                <a:latin typeface="Verdana" panose="020B0604030504040204" pitchFamily="34" charset="0"/>
+                <a:ea typeface="Verdana" panose="020B0604030504040204" pitchFamily="34" charset="0"/>
+              </a:rPr>
+              <a:t>                    </a:t>
+            </a:r>
+            <a:r>
+              <a:rPr lang="en-US" sz="1400" dirty="0" smtClean="0">
+                <a:latin typeface="Verdana" panose="020B0604030504040204" pitchFamily="34" charset="0"/>
+                <a:ea typeface="Verdana" panose="020B0604030504040204" pitchFamily="34" charset="0"/>
+              </a:rPr>
+              <a:t>    .</a:t>
+            </a:r>
+            <a:r>
+              <a:rPr lang="en-US" sz="1400" dirty="0">
+                <a:solidFill>
+                  <a:schemeClr val="accent5"/>
+                </a:solidFill>
+                <a:latin typeface="Verdana" panose="020B0604030504040204" pitchFamily="34" charset="0"/>
+                <a:ea typeface="Verdana" panose="020B0604030504040204" pitchFamily="34" charset="0"/>
+              </a:rPr>
+              <a:t>AddHttpClientInstrumentation</a:t>
+            </a:r>
+            <a:r>
+              <a:rPr lang="en-US" sz="1400" dirty="0">
+                <a:latin typeface="Verdana" panose="020B0604030504040204" pitchFamily="34" charset="0"/>
+                <a:ea typeface="Verdana" panose="020B0604030504040204" pitchFamily="34" charset="0"/>
+              </a:rPr>
+              <a:t>()</a:t>
+            </a:r>
+          </a:p>
+          <a:p>
+            <a:r>
+              <a:rPr lang="en-US" sz="1400" dirty="0">
+                <a:latin typeface="Verdana" panose="020B0604030504040204" pitchFamily="34" charset="0"/>
+                <a:ea typeface="Verdana" panose="020B0604030504040204" pitchFamily="34" charset="0"/>
+              </a:rPr>
+              <a:t>                    </a:t>
+            </a:r>
+            <a:r>
+              <a:rPr lang="en-US" sz="1400" dirty="0" smtClean="0">
+                <a:latin typeface="Verdana" panose="020B0604030504040204" pitchFamily="34" charset="0"/>
+                <a:ea typeface="Verdana" panose="020B0604030504040204" pitchFamily="34" charset="0"/>
+              </a:rPr>
+              <a:t>    .</a:t>
+            </a:r>
+            <a:r>
+              <a:rPr lang="en-US" sz="1400" dirty="0">
+                <a:solidFill>
+                  <a:schemeClr val="accent5"/>
+                </a:solidFill>
+                <a:latin typeface="Verdana" panose="020B0604030504040204" pitchFamily="34" charset="0"/>
+                <a:ea typeface="Verdana" panose="020B0604030504040204" pitchFamily="34" charset="0"/>
+              </a:rPr>
+              <a:t>AddEntityFrameworkCoreInstrumentation(opt</a:t>
+            </a:r>
+            <a:r>
+              <a:rPr lang="en-US" sz="1400" dirty="0">
+                <a:latin typeface="Verdana" panose="020B0604030504040204" pitchFamily="34" charset="0"/>
+                <a:ea typeface="Verdana" panose="020B0604030504040204" pitchFamily="34" charset="0"/>
+              </a:rPr>
+              <a:t> =&gt; opt.SetDbStatementForText = true)</a:t>
+            </a:r>
+          </a:p>
+          <a:p>
+            <a:r>
+              <a:rPr lang="en-US" sz="1400" dirty="0">
+                <a:latin typeface="Verdana" panose="020B0604030504040204" pitchFamily="34" charset="0"/>
+                <a:ea typeface="Verdana" panose="020B0604030504040204" pitchFamily="34" charset="0"/>
+              </a:rPr>
+              <a:t>                    </a:t>
+            </a:r>
+            <a:r>
+              <a:rPr lang="en-US" sz="1400" dirty="0" smtClean="0">
+                <a:latin typeface="Verdana" panose="020B0604030504040204" pitchFamily="34" charset="0"/>
+                <a:ea typeface="Verdana" panose="020B0604030504040204" pitchFamily="34" charset="0"/>
+              </a:rPr>
+              <a:t>    .</a:t>
+            </a:r>
+            <a:r>
+              <a:rPr lang="en-US" sz="1400" dirty="0">
+                <a:solidFill>
+                  <a:schemeClr val="accent5"/>
+                </a:solidFill>
+                <a:latin typeface="Verdana" panose="020B0604030504040204" pitchFamily="34" charset="0"/>
+                <a:ea typeface="Verdana" panose="020B0604030504040204" pitchFamily="34" charset="0"/>
+              </a:rPr>
+              <a:t>AddStandNameEnricher</a:t>
+            </a:r>
+            <a:r>
+              <a:rPr lang="en-US" sz="1400" dirty="0">
+                <a:latin typeface="Verdana" panose="020B0604030504040204" pitchFamily="34" charset="0"/>
+                <a:ea typeface="Verdana" panose="020B0604030504040204" pitchFamily="34" charset="0"/>
+              </a:rPr>
+              <a:t>()</a:t>
+            </a:r>
+          </a:p>
+          <a:p>
+            <a:r>
+              <a:rPr lang="en-US" sz="1400" dirty="0">
+                <a:latin typeface="Verdana" panose="020B0604030504040204" pitchFamily="34" charset="0"/>
+                <a:ea typeface="Verdana" panose="020B0604030504040204" pitchFamily="34" charset="0"/>
+              </a:rPr>
+              <a:t>                    </a:t>
+            </a:r>
+            <a:r>
+              <a:rPr lang="en-US" sz="1400" dirty="0" smtClean="0">
+                <a:latin typeface="Verdana" panose="020B0604030504040204" pitchFamily="34" charset="0"/>
+                <a:ea typeface="Verdana" panose="020B0604030504040204" pitchFamily="34" charset="0"/>
+              </a:rPr>
+              <a:t>    .</a:t>
+            </a:r>
+            <a:r>
+              <a:rPr lang="en-US" sz="1400" dirty="0">
+                <a:solidFill>
+                  <a:schemeClr val="accent5"/>
+                </a:solidFill>
+                <a:latin typeface="Verdana" panose="020B0604030504040204" pitchFamily="34" charset="0"/>
+                <a:ea typeface="Verdana" panose="020B0604030504040204" pitchFamily="34" charset="0"/>
+              </a:rPr>
+              <a:t>AddConditionallyOtlpExporter(openTelemetryOption</a:t>
+            </a:r>
+            <a:r>
+              <a:rPr lang="en-US" sz="1400" dirty="0">
+                <a:latin typeface="Verdana" panose="020B0604030504040204" pitchFamily="34" charset="0"/>
+                <a:ea typeface="Verdana" panose="020B0604030504040204" pitchFamily="34" charset="0"/>
+              </a:rPr>
+              <a:t>);</a:t>
+            </a:r>
+          </a:p>
+          <a:p>
+            <a:r>
+              <a:rPr lang="ru-RU" sz="1400" dirty="0">
+                <a:latin typeface="Verdana" panose="020B0604030504040204" pitchFamily="34" charset="0"/>
+                <a:ea typeface="Verdana" panose="020B0604030504040204" pitchFamily="34" charset="0"/>
+              </a:rPr>
+              <a:t>                });</a:t>
+            </a:r>
+          </a:p>
+        </p:txBody>
+      </p:sp>
+      <p:sp>
+        <p:nvSpPr>
+          <p:cNvPr id="5" name="TextBox 4"/>
+          <p:cNvSpPr txBox="1"/>
+          <p:nvPr/>
+        </p:nvSpPr>
+        <p:spPr>
+          <a:xfrm>
+            <a:off x="838200" y="1700768"/>
+            <a:ext cx="2605457" cy="369332"/>
+          </a:xfrm>
+          <a:prstGeom prst="rect">
+            <a:avLst/>
+          </a:prstGeom>
+          <a:noFill/>
+        </p:spPr>
+        <p:txBody>
+          <a:bodyPr wrap="none" rtlCol="0">
+            <a:spAutoFit/>
+          </a:bodyPr>
+          <a:lstStyle/>
+          <a:p>
+            <a:r>
+              <a:rPr lang="en-US" dirty="0" smtClean="0"/>
+              <a:t>Startup.ConfigureServices</a:t>
+            </a:r>
+            <a:endParaRPr lang="ru-RU" dirty="0"/>
+          </a:p>
+        </p:txBody>
+      </p:sp>
+    </p:spTree>
+    <p:extLst>
+      <p:ext uri="{BB962C8B-B14F-4D97-AF65-F5344CB8AC3E}">
+        <p14:creationId xmlns:p14="http://schemas.microsoft.com/office/powerpoint/2010/main" val="4261287885"/>
+      </p:ext>
+    </p:extLst>
+  </p:cSld>
+  <p:clrMapOvr>
+    <a:masterClrMapping/>
+  </p:clrMapOvr>
+  <p:timing>
+    <p:tnLst>
+      <p:par>
+        <p:cTn id="1" dur="indefinite" restart="never" nodeType="tmRoot"/>
+      </p:par>
+    </p:tnLst>
+  </p:timing>
+</p:sld>
+</file>
+
+<file path=ppt/slides/slide37.xml><?xml version="1.0" encoding="utf-8"?>
+<p:sld xmlns:a="http://schemas.openxmlformats.org/drawingml/2006/main" xmlns:r="http://schemas.openxmlformats.org/officeDocument/2006/relationships" xmlns:p="http://schemas.openxmlformats.org/presentationml/2006/main">
+  <p:cSld>
+    <p:spTree>
+      <p:nvGrpSpPr>
+        <p:cNvPr id="1" name=""/>
+        <p:cNvGrpSpPr/>
+        <p:nvPr/>
+      </p:nvGrpSpPr>
+      <p:grpSpPr>
+        <a:xfrm>
+          <a:off x="0" y="0"/>
+          <a:ext cx="0" cy="0"/>
+          <a:chOff x="0" y="0"/>
+          <a:chExt cx="0" cy="0"/>
+        </a:xfrm>
+      </p:grpSpPr>
+      <p:pic>
+        <p:nvPicPr>
+          <p:cNvPr id="4" name="Рисунок 3"/>
+          <p:cNvPicPr>
+            <a:picLocks noChangeAspect="1"/>
+          </p:cNvPicPr>
+          <p:nvPr/>
+        </p:nvPicPr>
+        <p:blipFill>
+          <a:blip r:embed="rId2"/>
+          <a:stretch>
+            <a:fillRect/>
+          </a:stretch>
+        </p:blipFill>
+        <p:spPr>
+          <a:xfrm>
+            <a:off x="8496300" y="143669"/>
+            <a:ext cx="2857500" cy="1076325"/>
+          </a:xfrm>
+          <a:prstGeom prst="rect">
+            <a:avLst/>
+          </a:prstGeom>
+        </p:spPr>
+      </p:pic>
+      <p:sp>
+        <p:nvSpPr>
+          <p:cNvPr id="20" name="TextBox 19"/>
+          <p:cNvSpPr txBox="1"/>
+          <p:nvPr/>
+        </p:nvSpPr>
+        <p:spPr>
+          <a:xfrm>
+            <a:off x="838200" y="1036873"/>
+            <a:ext cx="5986793" cy="584775"/>
+          </a:xfrm>
+          <a:prstGeom prst="rect">
+            <a:avLst/>
+          </a:prstGeom>
+          <a:noFill/>
+        </p:spPr>
+        <p:txBody>
+          <a:bodyPr wrap="square" rtlCol="0">
+            <a:spAutoFit/>
+          </a:bodyPr>
+          <a:lstStyle/>
+          <a:p>
+            <a:r>
+              <a:rPr lang="en-US" sz="3200" dirty="0" smtClean="0"/>
+              <a:t>Elastic</a:t>
+            </a:r>
+            <a:endParaRPr lang="ru-RU" sz="3200" dirty="0"/>
+          </a:p>
+        </p:txBody>
+      </p:sp>
+    </p:spTree>
+    <p:extLst>
+      <p:ext uri="{BB962C8B-B14F-4D97-AF65-F5344CB8AC3E}">
+        <p14:creationId xmlns:p14="http://schemas.microsoft.com/office/powerpoint/2010/main" val="3118157257"/>
+      </p:ext>
+    </p:extLst>
+  </p:cSld>
+  <p:clrMapOvr>
+    <a:masterClrMapping/>
+  </p:clrMapOvr>
+  <p:timing>
+    <p:tnLst>
+      <p:par>
+        <p:cTn id="1" dur="indefinite" restart="never" nodeType="tmRoot"/>
+      </p:par>
+    </p:tnLst>
+  </p:timing>
+</p:sld>
+</file>
+
+<file path=ppt/slides/slide38.xml><?xml version="1.0" encoding="utf-8"?>
+<p:sld xmlns:a="http://schemas.openxmlformats.org/drawingml/2006/main" xmlns:r="http://schemas.openxmlformats.org/officeDocument/2006/relationships" xmlns:p="http://schemas.openxmlformats.org/presentationml/2006/main">
+  <p:cSld>
+    <p:spTree>
+      <p:nvGrpSpPr>
+        <p:cNvPr id="1" name=""/>
+        <p:cNvGrpSpPr/>
+        <p:nvPr/>
+      </p:nvGrpSpPr>
+      <p:grpSpPr>
+        <a:xfrm>
+          <a:off x="0" y="0"/>
+          <a:ext cx="0" cy="0"/>
+          <a:chOff x="0" y="0"/>
+          <a:chExt cx="0" cy="0"/>
+        </a:xfrm>
+      </p:grpSpPr>
+      <p:pic>
+        <p:nvPicPr>
+          <p:cNvPr id="4" name="Рисунок 3"/>
+          <p:cNvPicPr>
+            <a:picLocks noChangeAspect="1"/>
+          </p:cNvPicPr>
+          <p:nvPr/>
+        </p:nvPicPr>
+        <p:blipFill>
+          <a:blip r:embed="rId2"/>
+          <a:stretch>
+            <a:fillRect/>
+          </a:stretch>
+        </p:blipFill>
+        <p:spPr>
+          <a:xfrm>
+            <a:off x="8496300" y="143669"/>
+            <a:ext cx="2857500" cy="1076325"/>
+          </a:xfrm>
+          <a:prstGeom prst="rect">
+            <a:avLst/>
+          </a:prstGeom>
+        </p:spPr>
+      </p:pic>
+      <p:sp>
+        <p:nvSpPr>
+          <p:cNvPr id="20" name="TextBox 19"/>
+          <p:cNvSpPr txBox="1"/>
+          <p:nvPr/>
+        </p:nvSpPr>
+        <p:spPr>
+          <a:xfrm>
+            <a:off x="838200" y="1036873"/>
+            <a:ext cx="5986793" cy="584775"/>
+          </a:xfrm>
+          <a:prstGeom prst="rect">
+            <a:avLst/>
+          </a:prstGeom>
+          <a:noFill/>
+        </p:spPr>
+        <p:txBody>
+          <a:bodyPr wrap="square" rtlCol="0">
+            <a:spAutoFit/>
+          </a:bodyPr>
+          <a:lstStyle/>
+          <a:p>
+            <a:r>
+              <a:rPr lang="en-US" sz="3200" dirty="0" smtClean="0"/>
+              <a:t>Elastic</a:t>
+            </a:r>
+            <a:endParaRPr lang="ru-RU" sz="3200" dirty="0"/>
+          </a:p>
+        </p:txBody>
+      </p:sp>
+      <p:sp>
+        <p:nvSpPr>
+          <p:cNvPr id="2" name="TextBox 1"/>
+          <p:cNvSpPr txBox="1"/>
+          <p:nvPr/>
+        </p:nvSpPr>
+        <p:spPr>
+          <a:xfrm>
+            <a:off x="1028700" y="2006600"/>
+            <a:ext cx="9859687" cy="1200329"/>
+          </a:xfrm>
+          <a:prstGeom prst="rect">
+            <a:avLst/>
+          </a:prstGeom>
+          <a:noFill/>
+        </p:spPr>
+        <p:txBody>
+          <a:bodyPr wrap="none" rtlCol="0">
+            <a:spAutoFit/>
+          </a:bodyPr>
+          <a:lstStyle/>
+          <a:p>
+            <a:pPr marL="285750" indent="-285750">
+              <a:buFont typeface="Arial" panose="020B0604020202020204" pitchFamily="34" charset="0"/>
+              <a:buChar char="•"/>
+            </a:pPr>
+            <a:r>
+              <a:rPr lang="ru-RU" dirty="0" smtClean="0"/>
+              <a:t>Создать 3 шаблона индекса</a:t>
+            </a:r>
+          </a:p>
+          <a:p>
+            <a:pPr marL="285750" indent="-285750">
+              <a:buFont typeface="Arial" panose="020B0604020202020204" pitchFamily="34" charset="0"/>
+              <a:buChar char="•"/>
+            </a:pPr>
+            <a:r>
+              <a:rPr lang="ru-RU" dirty="0" smtClean="0"/>
+              <a:t>В шаблонах указать псевдоним для чтения: </a:t>
+            </a:r>
+            <a:r>
+              <a:rPr lang="en-US" dirty="0" smtClean="0"/>
+              <a:t>jaeger-{</a:t>
+            </a:r>
+            <a:r>
+              <a:rPr lang="ru-RU" dirty="0" smtClean="0"/>
+              <a:t>тип</a:t>
+            </a:r>
+            <a:r>
+              <a:rPr lang="en-US" dirty="0" smtClean="0"/>
+              <a:t>}</a:t>
+            </a:r>
+            <a:r>
+              <a:rPr lang="ru-RU" dirty="0" smtClean="0"/>
+              <a:t>-</a:t>
+            </a:r>
+            <a:r>
+              <a:rPr lang="en-US" dirty="0" smtClean="0"/>
+              <a:t>read</a:t>
+            </a:r>
+            <a:endParaRPr lang="ru-RU" dirty="0" smtClean="0"/>
+          </a:p>
+          <a:p>
+            <a:pPr marL="285750" indent="-285750">
+              <a:buFont typeface="Arial" panose="020B0604020202020204" pitchFamily="34" charset="0"/>
+              <a:buChar char="•"/>
+            </a:pPr>
+            <a:r>
+              <a:rPr lang="ru-RU" dirty="0" smtClean="0"/>
+              <a:t>Создать политику управления индексами </a:t>
+            </a:r>
+            <a:r>
+              <a:rPr lang="en-US" dirty="0" smtClean="0"/>
+              <a:t>IML Policy.</a:t>
+            </a:r>
+            <a:r>
+              <a:rPr lang="ru-RU" dirty="0" smtClean="0"/>
+              <a:t> В политике указать псевдоним </a:t>
+            </a:r>
+            <a:r>
+              <a:rPr lang="ru-RU" smtClean="0"/>
+              <a:t>для записи</a:t>
+            </a:r>
+            <a:endParaRPr lang="ru-RU" dirty="0"/>
+          </a:p>
+          <a:p>
+            <a:pPr marL="285750" indent="-285750">
+              <a:buFont typeface="Arial" panose="020B0604020202020204" pitchFamily="34" charset="0"/>
+              <a:buChar char="•"/>
+            </a:pPr>
+            <a:endParaRPr lang="ru-RU" dirty="0"/>
+          </a:p>
+        </p:txBody>
+      </p:sp>
+    </p:spTree>
+    <p:extLst>
+      <p:ext uri="{BB962C8B-B14F-4D97-AF65-F5344CB8AC3E}">
+        <p14:creationId xmlns:p14="http://schemas.microsoft.com/office/powerpoint/2010/main" val="3040975872"/>
+      </p:ext>
+    </p:extLst>
+  </p:cSld>
+  <p:clrMapOvr>
+    <a:masterClrMapping/>
+  </p:clrMapOvr>
+  <p:timing>
+    <p:tnLst>
+      <p:par>
+        <p:cTn id="1" dur="indefinite" restart="never" nodeType="tmRoot"/>
+      </p:par>
+    </p:tnLst>
+  </p:timing>
+</p:sld>
+</file>
+
+<file path=ppt/slides/slide39.xml><?xml version="1.0" encoding="utf-8"?>
+<p:sld xmlns:a="http://schemas.openxmlformats.org/drawingml/2006/main" xmlns:r="http://schemas.openxmlformats.org/officeDocument/2006/relationships" xmlns:p="http://schemas.openxmlformats.org/presentationml/2006/main">
+  <p:cSld>
+    <p:spTree>
+      <p:nvGrpSpPr>
+        <p:cNvPr id="1" name=""/>
+        <p:cNvGrpSpPr/>
+        <p:nvPr/>
+      </p:nvGrpSpPr>
+      <p:grpSpPr>
+        <a:xfrm>
+          <a:off x="0" y="0"/>
+          <a:ext cx="0" cy="0"/>
+          <a:chOff x="0" y="0"/>
+          <a:chExt cx="0" cy="0"/>
+        </a:xfrm>
+      </p:grpSpPr>
+      <p:sp>
+        <p:nvSpPr>
+          <p:cNvPr id="2" name="Заголовок 1"/>
+          <p:cNvSpPr>
+            <a:spLocks noGrp="1"/>
+          </p:cNvSpPr>
+          <p:nvPr>
+            <p:ph type="title"/>
+          </p:nvPr>
+        </p:nvSpPr>
+        <p:spPr/>
+        <p:txBody>
+          <a:bodyPr/>
+          <a:lstStyle/>
+          <a:p>
+            <a:r>
+              <a:rPr lang="ru-RU" dirty="0" smtClean="0"/>
+              <a:t>Ссылки</a:t>
+            </a:r>
+            <a:endParaRPr lang="ru-RU" dirty="0"/>
+          </a:p>
+        </p:txBody>
+      </p:sp>
+      <p:sp>
+        <p:nvSpPr>
+          <p:cNvPr id="3" name="Объект 2"/>
+          <p:cNvSpPr>
+            <a:spLocks noGrp="1"/>
+          </p:cNvSpPr>
+          <p:nvPr>
+            <p:ph idx="1"/>
+          </p:nvPr>
+        </p:nvSpPr>
+        <p:spPr/>
+        <p:txBody>
+          <a:bodyPr/>
+          <a:lstStyle/>
+          <a:p>
+            <a:r>
+              <a:rPr lang="ru-RU" dirty="0" err="1"/>
+              <a:t>OpenTelemetry</a:t>
+            </a:r>
+            <a:r>
+              <a:rPr lang="ru-RU" dirty="0"/>
+              <a:t> на практике</a:t>
+            </a:r>
+          </a:p>
+          <a:p>
+            <a:pPr marL="457200" lvl="1" indent="0">
+              <a:buNone/>
+            </a:pPr>
+            <a:r>
+              <a:rPr lang="en-US" dirty="0"/>
+              <a:t>https://habr.com/ru/companies/ru_mts/articles/537892</a:t>
+            </a:r>
+            <a:r>
+              <a:rPr lang="en-US" dirty="0" smtClean="0"/>
+              <a:t>/</a:t>
+            </a:r>
+            <a:endParaRPr lang="ru-RU" dirty="0" smtClean="0"/>
+          </a:p>
+          <a:p>
+            <a:r>
+              <a:rPr lang="ru-RU" dirty="0"/>
+              <a:t>Распределенная трассировка: подключить всех и не умереть</a:t>
+            </a:r>
+          </a:p>
+          <a:p>
+            <a:pPr marL="457200" lvl="1" indent="0">
+              <a:buNone/>
+            </a:pPr>
+            <a:r>
+              <a:rPr lang="en-US" dirty="0" smtClean="0">
+                <a:hlinkClick r:id="rId2"/>
+              </a:rPr>
+              <a:t>https</a:t>
+            </a:r>
+            <a:r>
+              <a:rPr lang="en-US" dirty="0">
+                <a:hlinkClick r:id="rId2"/>
+              </a:rPr>
+              <a:t>://habr.com/ru/companies/oleg-bunin/articles/686512</a:t>
+            </a:r>
+            <a:r>
+              <a:rPr lang="en-US" dirty="0" smtClean="0">
+                <a:hlinkClick r:id="rId2"/>
+              </a:rPr>
+              <a:t>/</a:t>
+            </a:r>
+            <a:endParaRPr lang="ru-RU" dirty="0" smtClean="0"/>
+          </a:p>
+          <a:p>
+            <a:r>
+              <a:rPr lang="en-US" dirty="0" err="1" smtClean="0"/>
+              <a:t>OpenTelemetry</a:t>
+            </a:r>
+            <a:endParaRPr lang="en-US" dirty="0" smtClean="0"/>
+          </a:p>
+          <a:p>
+            <a:pPr marL="457200" lvl="1" indent="0">
+              <a:buNone/>
+            </a:pPr>
+            <a:r>
+              <a:rPr lang="en-US" dirty="0"/>
+              <a:t>https://opentelemetry.io/</a:t>
+            </a:r>
+            <a:endParaRPr lang="ru-RU" dirty="0"/>
+          </a:p>
+        </p:txBody>
+      </p:sp>
+    </p:spTree>
+    <p:extLst>
+      <p:ext uri="{BB962C8B-B14F-4D97-AF65-F5344CB8AC3E}">
+        <p14:creationId xmlns:p14="http://schemas.microsoft.com/office/powerpoint/2010/main" val="3127886912"/>
       </p:ext>
     </p:extLst>
   </p:cSld>
@@ -12627,6 +18319,13 @@
   <p:clrMapOvr>
     <a:masterClrMapping/>
   </p:clrMapOvr>
+  <p:timing>
+    <p:tnLst>
+      <p:par>
+        <p:cTn id="1" dur="indefinite" restart="never" nodeType="tmRoot"/>
+      </p:par>
+    </p:tnLst>
+  </p:timing>
 </p:sld>
 </file>
 
@@ -13187,6 +18886,13 @@
   <p:clrMapOvr>
     <a:masterClrMapping/>
   </p:clrMapOvr>
+  <p:timing>
+    <p:tnLst>
+      <p:par>
+        <p:cTn id="1" dur="indefinite" restart="never" nodeType="tmRoot"/>
+      </p:par>
+    </p:tnLst>
+  </p:timing>
 </p:sld>
 </file>
 
@@ -13756,6 +19462,13 @@
   <p:clrMapOvr>
     <a:masterClrMapping/>
   </p:clrMapOvr>
+  <p:timing>
+    <p:tnLst>
+      <p:par>
+        <p:cTn id="1" dur="indefinite" restart="never" nodeType="tmRoot"/>
+      </p:par>
+    </p:tnLst>
+  </p:timing>
 </p:sld>
 </file>
 
@@ -14754,6 +20467,13 @@
   <p:clrMapOvr>
     <a:masterClrMapping/>
   </p:clrMapOvr>
+  <p:timing>
+    <p:tnLst>
+      <p:par>
+        <p:cTn id="1" dur="indefinite" restart="never" nodeType="tmRoot"/>
+      </p:par>
+    </p:tnLst>
+  </p:timing>
 </p:sld>
 </file>
 
@@ -15959,6 +21679,13 @@
   <p:clrMapOvr>
     <a:masterClrMapping/>
   </p:clrMapOvr>
+  <p:timing>
+    <p:tnLst>
+      <p:par>
+        <p:cTn id="1" dur="indefinite" restart="never" nodeType="tmRoot"/>
+      </p:par>
+    </p:tnLst>
+  </p:timing>
 </p:sld>
 </file>
 
@@ -17168,6 +22895,13 @@
   <p:clrMapOvr>
     <a:masterClrMapping/>
   </p:clrMapOvr>
+  <p:timing>
+    <p:tnLst>
+      <p:par>
+        <p:cTn id="1" dur="indefinite" restart="never" nodeType="tmRoot"/>
+      </p:par>
+    </p:tnLst>
+  </p:timing>
 </p:sld>
 </file>
 
